--- a/生产环境数据同步灾备.pptx
+++ b/生产环境数据同步灾备.pptx
@@ -6,9 +6,9 @@
   </p:sldMasterIdLst>
   <p:sldIdLst>
     <p:sldId id="256" r:id="rId2"/>
-    <p:sldId id="257" r:id="rId3"/>
-    <p:sldId id="258" r:id="rId4"/>
-    <p:sldId id="259" r:id="rId5"/>
+    <p:sldId id="260" r:id="rId3"/>
+    <p:sldId id="257" r:id="rId4"/>
+    <p:sldId id="258" r:id="rId5"/>
   </p:sldIdLst>
   <p:sldSz cx="12192000" cy="6858000"/>
   <p:notesSz cx="6858000" cy="9144000"/>
@@ -262,7 +262,7 @@
           <a:p>
             <a:fld id="{99A77AAD-DDD1-4106-A47B-4E9478A1CFD5}" type="datetimeFigureOut">
               <a:rPr lang="zh-CN" altLang="en-US" smtClean="0"/>
-              <a:t>2018/7/31</a:t>
+              <a:t>2018/8/7</a:t>
             </a:fld>
             <a:endParaRPr lang="zh-CN" altLang="en-US"/>
           </a:p>
@@ -460,7 +460,7 @@
           <a:p>
             <a:fld id="{99A77AAD-DDD1-4106-A47B-4E9478A1CFD5}" type="datetimeFigureOut">
               <a:rPr lang="zh-CN" altLang="en-US" smtClean="0"/>
-              <a:t>2018/7/31</a:t>
+              <a:t>2018/8/7</a:t>
             </a:fld>
             <a:endParaRPr lang="zh-CN" altLang="en-US"/>
           </a:p>
@@ -668,7 +668,7 @@
           <a:p>
             <a:fld id="{99A77AAD-DDD1-4106-A47B-4E9478A1CFD5}" type="datetimeFigureOut">
               <a:rPr lang="zh-CN" altLang="en-US" smtClean="0"/>
-              <a:t>2018/7/31</a:t>
+              <a:t>2018/8/7</a:t>
             </a:fld>
             <a:endParaRPr lang="zh-CN" altLang="en-US"/>
           </a:p>
@@ -866,7 +866,7 @@
           <a:p>
             <a:fld id="{99A77AAD-DDD1-4106-A47B-4E9478A1CFD5}" type="datetimeFigureOut">
               <a:rPr lang="zh-CN" altLang="en-US" smtClean="0"/>
-              <a:t>2018/7/31</a:t>
+              <a:t>2018/8/7</a:t>
             </a:fld>
             <a:endParaRPr lang="zh-CN" altLang="en-US"/>
           </a:p>
@@ -1141,7 +1141,7 @@
           <a:p>
             <a:fld id="{99A77AAD-DDD1-4106-A47B-4E9478A1CFD5}" type="datetimeFigureOut">
               <a:rPr lang="zh-CN" altLang="en-US" smtClean="0"/>
-              <a:t>2018/7/31</a:t>
+              <a:t>2018/8/7</a:t>
             </a:fld>
             <a:endParaRPr lang="zh-CN" altLang="en-US"/>
           </a:p>
@@ -1406,7 +1406,7 @@
           <a:p>
             <a:fld id="{99A77AAD-DDD1-4106-A47B-4E9478A1CFD5}" type="datetimeFigureOut">
               <a:rPr lang="zh-CN" altLang="en-US" smtClean="0"/>
-              <a:t>2018/7/31</a:t>
+              <a:t>2018/8/7</a:t>
             </a:fld>
             <a:endParaRPr lang="zh-CN" altLang="en-US"/>
           </a:p>
@@ -1818,7 +1818,7 @@
           <a:p>
             <a:fld id="{99A77AAD-DDD1-4106-A47B-4E9478A1CFD5}" type="datetimeFigureOut">
               <a:rPr lang="zh-CN" altLang="en-US" smtClean="0"/>
-              <a:t>2018/7/31</a:t>
+              <a:t>2018/8/7</a:t>
             </a:fld>
             <a:endParaRPr lang="zh-CN" altLang="en-US"/>
           </a:p>
@@ -1959,7 +1959,7 @@
           <a:p>
             <a:fld id="{99A77AAD-DDD1-4106-A47B-4E9478A1CFD5}" type="datetimeFigureOut">
               <a:rPr lang="zh-CN" altLang="en-US" smtClean="0"/>
-              <a:t>2018/7/31</a:t>
+              <a:t>2018/8/7</a:t>
             </a:fld>
             <a:endParaRPr lang="zh-CN" altLang="en-US"/>
           </a:p>
@@ -2072,7 +2072,7 @@
           <a:p>
             <a:fld id="{99A77AAD-DDD1-4106-A47B-4E9478A1CFD5}" type="datetimeFigureOut">
               <a:rPr lang="zh-CN" altLang="en-US" smtClean="0"/>
-              <a:t>2018/7/31</a:t>
+              <a:t>2018/8/7</a:t>
             </a:fld>
             <a:endParaRPr lang="zh-CN" altLang="en-US"/>
           </a:p>
@@ -2383,7 +2383,7 @@
           <a:p>
             <a:fld id="{99A77AAD-DDD1-4106-A47B-4E9478A1CFD5}" type="datetimeFigureOut">
               <a:rPr lang="zh-CN" altLang="en-US" smtClean="0"/>
-              <a:t>2018/7/31</a:t>
+              <a:t>2018/8/7</a:t>
             </a:fld>
             <a:endParaRPr lang="zh-CN" altLang="en-US"/>
           </a:p>
@@ -2671,7 +2671,7 @@
           <a:p>
             <a:fld id="{99A77AAD-DDD1-4106-A47B-4E9478A1CFD5}" type="datetimeFigureOut">
               <a:rPr lang="zh-CN" altLang="en-US" smtClean="0"/>
-              <a:t>2018/7/31</a:t>
+              <a:t>2018/8/7</a:t>
             </a:fld>
             <a:endParaRPr lang="zh-CN" altLang="en-US"/>
           </a:p>
@@ -2912,7 +2912,7 @@
           <a:p>
             <a:fld id="{99A77AAD-DDD1-4106-A47B-4E9478A1CFD5}" type="datetimeFigureOut">
               <a:rPr lang="zh-CN" altLang="en-US" smtClean="0"/>
-              <a:t>2018/7/31</a:t>
+              <a:t>2018/8/7</a:t>
             </a:fld>
             <a:endParaRPr lang="zh-CN" altLang="en-US"/>
           </a:p>
@@ -3852,13 +3852,13 @@
   <p:clrMapOvr>
     <a:masterClrMapping/>
   </p:clrMapOvr>
-  <mc:AlternateContent xmlns:mc="http://schemas.openxmlformats.org/markup-compatibility/2006">
-    <mc:Choice xmlns:p14="http://schemas.microsoft.com/office/powerpoint/2010/main" Requires="p14">
-      <p:transition spd="slow" p14:dur="2000" advTm="18343">
-        <p14:prism isContent="1"/>
+  <mc:AlternateContent xmlns:mc="http://schemas.openxmlformats.org/markup-compatibility/2006" xmlns:p159="http://schemas.microsoft.com/office/powerpoint/2015/09/main">
+    <mc:Choice Requires="p159">
+      <p:transition xmlns:p14="http://schemas.microsoft.com/office/powerpoint/2010/main" spd="slow" p14:dur="2000" advTm="18343">
+        <p159:morph option="byObject"/>
       </p:transition>
     </mc:Choice>
-    <mc:Fallback>
+    <mc:Fallback xmlns="">
       <p:transition spd="slow" advTm="18343">
         <p:fade/>
       </p:transition>
@@ -4572,10 +4572,10 @@
       </p:grpSpPr>
       <p:sp>
         <p:nvSpPr>
-          <p:cNvPr id="14" name="流程图: 准备 13">
-            <a:extLst>
-              <a:ext uri="{FF2B5EF4-FFF2-40B4-BE49-F238E27FC236}">
-                <a16:creationId xmlns:a16="http://schemas.microsoft.com/office/drawing/2014/main" id="{BD8A289C-9308-4BC6-8D4E-53CBDAED1D6E}"/>
+          <p:cNvPr id="4" name="矩形 3">
+            <a:extLst>
+              <a:ext uri="{FF2B5EF4-FFF2-40B4-BE49-F238E27FC236}">
+                <a16:creationId xmlns:a16="http://schemas.microsoft.com/office/drawing/2014/main" id="{528C4294-62F1-4541-9700-ED364316F97A}"/>
               </a:ext>
             </a:extLst>
           </p:cNvPr>
@@ -4584,22 +4584,686 @@
         </p:nvSpPr>
         <p:spPr>
           <a:xfrm>
-            <a:off x="790111" y="248575"/>
-            <a:ext cx="1198485" cy="612648"/>
-          </a:xfrm>
-          <a:prstGeom prst="flowChartPreparation">
+            <a:off x="1589103" y="1633491"/>
+            <a:ext cx="1713390" cy="2778711"/>
+          </a:xfrm>
+          <a:prstGeom prst="rect">
             <a:avLst/>
           </a:prstGeom>
         </p:spPr>
         <p:style>
           <a:lnRef idx="1">
-            <a:schemeClr val="accent2"/>
+            <a:schemeClr val="accent5"/>
+          </a:lnRef>
+          <a:fillRef idx="3">
+            <a:schemeClr val="accent5"/>
+          </a:fillRef>
+          <a:effectRef idx="2">
+            <a:schemeClr val="accent5"/>
+          </a:effectRef>
+          <a:fontRef idx="minor">
+            <a:schemeClr val="lt1"/>
+          </a:fontRef>
+        </p:style>
+        <p:txBody>
+          <a:bodyPr rtlCol="0" anchor="ctr"/>
+          <a:lstStyle/>
+          <a:p>
+            <a:pPr marL="0" marR="0" lvl="0" indent="0" algn="ctr" defTabSz="914400" rtl="0" eaLnBrk="1" fontAlgn="auto" latinLnBrk="0" hangingPunct="1">
+              <a:lnSpc>
+                <a:spcPct val="100000"/>
+              </a:lnSpc>
+              <a:spcBef>
+                <a:spcPts val="0"/>
+              </a:spcBef>
+              <a:spcAft>
+                <a:spcPts val="0"/>
+              </a:spcAft>
+              <a:buClrTx/>
+              <a:buSzTx/>
+              <a:buFontTx/>
+              <a:buNone/>
+              <a:tabLst/>
+              <a:defRPr/>
+            </a:pPr>
+            <a:endParaRPr kumimoji="0" lang="zh-CN" altLang="en-US" sz="1800" b="0" i="0" u="none" strike="noStrike" kern="1200" cap="none" spc="0" normalizeH="0" baseline="0" noProof="0">
+              <a:ln>
+                <a:noFill/>
+              </a:ln>
+              <a:solidFill>
+                <a:prstClr val="white"/>
+              </a:solidFill>
+              <a:effectLst/>
+              <a:uLnTx/>
+              <a:uFillTx/>
+              <a:latin typeface="等线" panose="020F0502020204030204"/>
+              <a:ea typeface="等线" panose="02010600030101010101" pitchFamily="2" charset="-122"/>
+              <a:cs typeface="+mn-cs"/>
+            </a:endParaRPr>
+          </a:p>
+        </p:txBody>
+      </p:sp>
+      <p:sp>
+        <p:nvSpPr>
+          <p:cNvPr id="5" name="矩形 4">
+            <a:extLst>
+              <a:ext uri="{FF2B5EF4-FFF2-40B4-BE49-F238E27FC236}">
+                <a16:creationId xmlns:a16="http://schemas.microsoft.com/office/drawing/2014/main" id="{9C1FD490-B9E0-487E-90C4-6B4229D6BAC5}"/>
+              </a:ext>
+            </a:extLst>
+          </p:cNvPr>
+          <p:cNvSpPr/>
+          <p:nvPr/>
+        </p:nvSpPr>
+        <p:spPr>
+          <a:xfrm>
+            <a:off x="9047825" y="1643849"/>
+            <a:ext cx="1713390" cy="2778711"/>
+          </a:xfrm>
+          <a:prstGeom prst="rect">
+            <a:avLst/>
+          </a:prstGeom>
+        </p:spPr>
+        <p:style>
+          <a:lnRef idx="1">
+            <a:schemeClr val="accent5"/>
+          </a:lnRef>
+          <a:fillRef idx="3">
+            <a:schemeClr val="accent5"/>
+          </a:fillRef>
+          <a:effectRef idx="2">
+            <a:schemeClr val="accent5"/>
+          </a:effectRef>
+          <a:fontRef idx="minor">
+            <a:schemeClr val="lt1"/>
+          </a:fontRef>
+        </p:style>
+        <p:txBody>
+          <a:bodyPr rtlCol="0" anchor="ctr"/>
+          <a:lstStyle/>
+          <a:p>
+            <a:pPr marL="0" marR="0" lvl="0" indent="0" algn="ctr" defTabSz="914400" rtl="0" eaLnBrk="1" fontAlgn="auto" latinLnBrk="0" hangingPunct="1">
+              <a:lnSpc>
+                <a:spcPct val="100000"/>
+              </a:lnSpc>
+              <a:spcBef>
+                <a:spcPts val="0"/>
+              </a:spcBef>
+              <a:spcAft>
+                <a:spcPts val="0"/>
+              </a:spcAft>
+              <a:buClrTx/>
+              <a:buSzTx/>
+              <a:buFontTx/>
+              <a:buNone/>
+              <a:tabLst/>
+              <a:defRPr/>
+            </a:pPr>
+            <a:endParaRPr kumimoji="0" lang="zh-CN" altLang="en-US" sz="1800" b="0" i="0" u="none" strike="noStrike" kern="1200" cap="none" spc="0" normalizeH="0" baseline="0" noProof="0">
+              <a:ln>
+                <a:noFill/>
+              </a:ln>
+              <a:solidFill>
+                <a:prstClr val="white"/>
+              </a:solidFill>
+              <a:effectLst/>
+              <a:uLnTx/>
+              <a:uFillTx/>
+              <a:latin typeface="等线" panose="020F0502020204030204"/>
+              <a:ea typeface="等线" panose="02010600030101010101" pitchFamily="2" charset="-122"/>
+              <a:cs typeface="+mn-cs"/>
+            </a:endParaRPr>
+          </a:p>
+        </p:txBody>
+      </p:sp>
+      <p:sp>
+        <p:nvSpPr>
+          <p:cNvPr id="7" name="文本框 6">
+            <a:extLst>
+              <a:ext uri="{FF2B5EF4-FFF2-40B4-BE49-F238E27FC236}">
+                <a16:creationId xmlns:a16="http://schemas.microsoft.com/office/drawing/2014/main" id="{14A6BA6C-E2CB-448D-8FC4-23F1C3463BEF}"/>
+              </a:ext>
+            </a:extLst>
+          </p:cNvPr>
+          <p:cNvSpPr txBox="1"/>
+          <p:nvPr/>
+        </p:nvSpPr>
+        <p:spPr>
+          <a:xfrm>
+            <a:off x="1802167" y="1065320"/>
+            <a:ext cx="1287262" cy="369332"/>
+          </a:xfrm>
+          <a:prstGeom prst="rect">
+            <a:avLst/>
+          </a:prstGeom>
+          <a:noFill/>
+        </p:spPr>
+        <p:txBody>
+          <a:bodyPr wrap="square" rtlCol="0">
+            <a:spAutoFit/>
+          </a:bodyPr>
+          <a:lstStyle/>
+          <a:p>
+            <a:pPr marL="0" marR="0" lvl="0" indent="0" algn="ctr" defTabSz="914400" rtl="0" eaLnBrk="1" fontAlgn="auto" latinLnBrk="0" hangingPunct="1">
+              <a:lnSpc>
+                <a:spcPct val="100000"/>
+              </a:lnSpc>
+              <a:spcBef>
+                <a:spcPts val="0"/>
+              </a:spcBef>
+              <a:spcAft>
+                <a:spcPts val="0"/>
+              </a:spcAft>
+              <a:buClrTx/>
+              <a:buSzTx/>
+              <a:buFontTx/>
+              <a:buNone/>
+              <a:tabLst/>
+              <a:defRPr/>
+            </a:pPr>
+            <a:r>
+              <a:rPr kumimoji="0" lang="zh-CN" altLang="en-US" sz="1800" b="0" i="0" u="none" strike="noStrike" kern="1200" cap="none" spc="0" normalizeH="0" baseline="0" noProof="0" dirty="0">
+                <a:ln>
+                  <a:noFill/>
+                </a:ln>
+                <a:solidFill>
+                  <a:srgbClr val="E7E6E6">
+                    <a:lumMod val="50000"/>
+                  </a:srgbClr>
+                </a:solidFill>
+                <a:effectLst/>
+                <a:uLnTx/>
+                <a:uFillTx/>
+                <a:latin typeface="文泉驿微米黑" panose="020B0606030804020204" pitchFamily="34" charset="-128"/>
+                <a:ea typeface="文泉驿微米黑" panose="020B0606030804020204" pitchFamily="34" charset="-128"/>
+                <a:cs typeface="文泉驿微米黑" panose="020B0606030804020204" pitchFamily="34" charset="-128"/>
+              </a:rPr>
+              <a:t>生产环境</a:t>
+            </a:r>
+          </a:p>
+        </p:txBody>
+      </p:sp>
+      <p:sp>
+        <p:nvSpPr>
+          <p:cNvPr id="8" name="文本框 7">
+            <a:extLst>
+              <a:ext uri="{FF2B5EF4-FFF2-40B4-BE49-F238E27FC236}">
+                <a16:creationId xmlns:a16="http://schemas.microsoft.com/office/drawing/2014/main" id="{6C96E6A8-B045-403E-8E32-FF33CE5396DA}"/>
+              </a:ext>
+            </a:extLst>
+          </p:cNvPr>
+          <p:cNvSpPr txBox="1"/>
+          <p:nvPr/>
+        </p:nvSpPr>
+        <p:spPr>
+          <a:xfrm>
+            <a:off x="9260889" y="1065320"/>
+            <a:ext cx="1287262" cy="369332"/>
+          </a:xfrm>
+          <a:prstGeom prst="rect">
+            <a:avLst/>
+          </a:prstGeom>
+          <a:noFill/>
+        </p:spPr>
+        <p:txBody>
+          <a:bodyPr wrap="square" rtlCol="0">
+            <a:spAutoFit/>
+          </a:bodyPr>
+          <a:lstStyle/>
+          <a:p>
+            <a:pPr marL="0" marR="0" lvl="0" indent="0" algn="ctr" defTabSz="914400" rtl="0" eaLnBrk="1" fontAlgn="auto" latinLnBrk="0" hangingPunct="1">
+              <a:lnSpc>
+                <a:spcPct val="100000"/>
+              </a:lnSpc>
+              <a:spcBef>
+                <a:spcPts val="0"/>
+              </a:spcBef>
+              <a:spcAft>
+                <a:spcPts val="0"/>
+              </a:spcAft>
+              <a:buClrTx/>
+              <a:buSzTx/>
+              <a:buFontTx/>
+              <a:buNone/>
+              <a:tabLst/>
+              <a:defRPr/>
+            </a:pPr>
+            <a:r>
+              <a:rPr kumimoji="0" lang="zh-CN" altLang="en-US" sz="1800" b="0" i="0" u="none" strike="noStrike" kern="1200" cap="none" spc="0" normalizeH="0" baseline="0" noProof="0" dirty="0">
+                <a:ln>
+                  <a:noFill/>
+                </a:ln>
+                <a:solidFill>
+                  <a:srgbClr val="E7E6E6">
+                    <a:lumMod val="50000"/>
+                  </a:srgbClr>
+                </a:solidFill>
+                <a:effectLst/>
+                <a:uLnTx/>
+                <a:uFillTx/>
+                <a:latin typeface="文泉驿微米黑" panose="020B0606030804020204" pitchFamily="34" charset="-128"/>
+                <a:ea typeface="文泉驿微米黑" panose="020B0606030804020204" pitchFamily="34" charset="-128"/>
+                <a:cs typeface="文泉驿微米黑" panose="020B0606030804020204" pitchFamily="34" charset="-128"/>
+              </a:rPr>
+              <a:t>灾备</a:t>
+            </a:r>
+          </a:p>
+        </p:txBody>
+      </p:sp>
+      <p:sp>
+        <p:nvSpPr>
+          <p:cNvPr id="9" name="文本框 8">
+            <a:extLst>
+              <a:ext uri="{FF2B5EF4-FFF2-40B4-BE49-F238E27FC236}">
+                <a16:creationId xmlns:a16="http://schemas.microsoft.com/office/drawing/2014/main" id="{C58871C2-985D-487A-847D-65A64EE6BD54}"/>
+              </a:ext>
+            </a:extLst>
+          </p:cNvPr>
+          <p:cNvSpPr txBox="1"/>
+          <p:nvPr/>
+        </p:nvSpPr>
+        <p:spPr>
+          <a:xfrm>
+            <a:off x="1802167" y="1936812"/>
+            <a:ext cx="1287262" cy="369332"/>
+          </a:xfrm>
+          <a:prstGeom prst="rect">
+            <a:avLst/>
+          </a:prstGeom>
+          <a:noFill/>
+        </p:spPr>
+        <p:txBody>
+          <a:bodyPr wrap="square" rtlCol="0">
+            <a:spAutoFit/>
+          </a:bodyPr>
+          <a:lstStyle/>
+          <a:p>
+            <a:pPr marL="0" marR="0" lvl="0" indent="0" algn="ctr" defTabSz="914400" rtl="0" eaLnBrk="1" fontAlgn="auto" latinLnBrk="0" hangingPunct="1">
+              <a:lnSpc>
+                <a:spcPct val="100000"/>
+              </a:lnSpc>
+              <a:spcBef>
+                <a:spcPts val="0"/>
+              </a:spcBef>
+              <a:spcAft>
+                <a:spcPts val="0"/>
+              </a:spcAft>
+              <a:buClrTx/>
+              <a:buSzTx/>
+              <a:buFontTx/>
+              <a:buNone/>
+              <a:tabLst/>
+              <a:defRPr/>
+            </a:pPr>
+            <a:r>
+              <a:rPr kumimoji="0" lang="zh-CN" altLang="en-US" sz="1800" b="0" i="0" u="none" strike="noStrike" kern="1200" cap="none" spc="0" normalizeH="0" baseline="0" noProof="0" dirty="0">
+                <a:ln>
+                  <a:noFill/>
+                </a:ln>
+                <a:solidFill>
+                  <a:srgbClr val="FFFF00"/>
+                </a:solidFill>
+                <a:effectLst/>
+                <a:uLnTx/>
+                <a:uFillTx/>
+                <a:latin typeface="文泉驿微米黑" panose="020B0606030804020204" pitchFamily="34" charset="-128"/>
+                <a:ea typeface="文泉驿微米黑" panose="020B0606030804020204" pitchFamily="34" charset="-128"/>
+                <a:cs typeface="文泉驿微米黑" panose="020B0606030804020204" pitchFamily="34" charset="-128"/>
+              </a:rPr>
+              <a:t>文件夹</a:t>
+            </a:r>
+            <a:r>
+              <a:rPr kumimoji="0" lang="en-US" altLang="zh-CN" sz="1800" b="0" i="0" u="none" strike="noStrike" kern="1200" cap="none" spc="0" normalizeH="0" baseline="0" noProof="0" dirty="0">
+                <a:ln>
+                  <a:noFill/>
+                </a:ln>
+                <a:solidFill>
+                  <a:srgbClr val="FFFF00"/>
+                </a:solidFill>
+                <a:effectLst/>
+                <a:uLnTx/>
+                <a:uFillTx/>
+                <a:latin typeface="文泉驿微米黑" panose="020B0606030804020204" pitchFamily="34" charset="-128"/>
+                <a:ea typeface="文泉驿微米黑" panose="020B0606030804020204" pitchFamily="34" charset="-128"/>
+                <a:cs typeface="文泉驿微米黑" panose="020B0606030804020204" pitchFamily="34" charset="-128"/>
+              </a:rPr>
+              <a:t>A</a:t>
+            </a:r>
+            <a:endParaRPr kumimoji="0" lang="zh-CN" altLang="en-US" sz="1800" b="0" i="0" u="none" strike="noStrike" kern="1200" cap="none" spc="0" normalizeH="0" baseline="0" noProof="0" dirty="0">
+              <a:ln>
+                <a:noFill/>
+              </a:ln>
+              <a:solidFill>
+                <a:srgbClr val="FFFF00"/>
+              </a:solidFill>
+              <a:effectLst/>
+              <a:uLnTx/>
+              <a:uFillTx/>
+              <a:latin typeface="文泉驿微米黑" panose="020B0606030804020204" pitchFamily="34" charset="-128"/>
+              <a:ea typeface="文泉驿微米黑" panose="020B0606030804020204" pitchFamily="34" charset="-128"/>
+              <a:cs typeface="文泉驿微米黑" panose="020B0606030804020204" pitchFamily="34" charset="-128"/>
+            </a:endParaRPr>
+          </a:p>
+        </p:txBody>
+      </p:sp>
+      <p:sp>
+        <p:nvSpPr>
+          <p:cNvPr id="10" name="文本框 9">
+            <a:extLst>
+              <a:ext uri="{FF2B5EF4-FFF2-40B4-BE49-F238E27FC236}">
+                <a16:creationId xmlns:a16="http://schemas.microsoft.com/office/drawing/2014/main" id="{8F3B29E2-A3AD-49F4-BBFD-2910C021C84E}"/>
+              </a:ext>
+            </a:extLst>
+          </p:cNvPr>
+          <p:cNvSpPr txBox="1"/>
+          <p:nvPr/>
+        </p:nvSpPr>
+        <p:spPr>
+          <a:xfrm>
+            <a:off x="9260889" y="1956047"/>
+            <a:ext cx="1287262" cy="369332"/>
+          </a:xfrm>
+          <a:prstGeom prst="rect">
+            <a:avLst/>
+          </a:prstGeom>
+          <a:noFill/>
+        </p:spPr>
+        <p:txBody>
+          <a:bodyPr wrap="square" rtlCol="0">
+            <a:spAutoFit/>
+          </a:bodyPr>
+          <a:lstStyle/>
+          <a:p>
+            <a:pPr marL="0" marR="0" lvl="0" indent="0" algn="ctr" defTabSz="914400" rtl="0" eaLnBrk="1" fontAlgn="auto" latinLnBrk="0" hangingPunct="1">
+              <a:lnSpc>
+                <a:spcPct val="100000"/>
+              </a:lnSpc>
+              <a:spcBef>
+                <a:spcPts val="0"/>
+              </a:spcBef>
+              <a:spcAft>
+                <a:spcPts val="0"/>
+              </a:spcAft>
+              <a:buClrTx/>
+              <a:buSzTx/>
+              <a:buFontTx/>
+              <a:buNone/>
+              <a:tabLst/>
+              <a:defRPr/>
+            </a:pPr>
+            <a:r>
+              <a:rPr kumimoji="0" lang="zh-CN" altLang="en-US" sz="1800" b="0" i="0" u="none" strike="noStrike" kern="1200" cap="none" spc="0" normalizeH="0" baseline="0" noProof="0" dirty="0">
+                <a:ln>
+                  <a:noFill/>
+                </a:ln>
+                <a:solidFill>
+                  <a:srgbClr val="FFFF00"/>
+                </a:solidFill>
+                <a:effectLst/>
+                <a:uLnTx/>
+                <a:uFillTx/>
+                <a:latin typeface="文泉驿微米黑" panose="020B0606030804020204" pitchFamily="34" charset="-128"/>
+                <a:ea typeface="文泉驿微米黑" panose="020B0606030804020204" pitchFamily="34" charset="-128"/>
+                <a:cs typeface="文泉驿微米黑" panose="020B0606030804020204" pitchFamily="34" charset="-128"/>
+              </a:rPr>
+              <a:t>文件夹</a:t>
+            </a:r>
+            <a:r>
+              <a:rPr kumimoji="0" lang="en-US" altLang="zh-CN" sz="1800" b="0" i="0" u="none" strike="noStrike" kern="1200" cap="none" spc="0" normalizeH="0" baseline="0" noProof="0" dirty="0">
+                <a:ln>
+                  <a:noFill/>
+                </a:ln>
+                <a:solidFill>
+                  <a:srgbClr val="FFFF00"/>
+                </a:solidFill>
+                <a:effectLst/>
+                <a:uLnTx/>
+                <a:uFillTx/>
+                <a:latin typeface="文泉驿微米黑" panose="020B0606030804020204" pitchFamily="34" charset="-128"/>
+                <a:ea typeface="文泉驿微米黑" panose="020B0606030804020204" pitchFamily="34" charset="-128"/>
+                <a:cs typeface="文泉驿微米黑" panose="020B0606030804020204" pitchFamily="34" charset="-128"/>
+              </a:rPr>
+              <a:t>A</a:t>
+            </a:r>
+            <a:endParaRPr kumimoji="0" lang="zh-CN" altLang="en-US" sz="1800" b="0" i="0" u="none" strike="noStrike" kern="1200" cap="none" spc="0" normalizeH="0" baseline="0" noProof="0" dirty="0">
+              <a:ln>
+                <a:noFill/>
+              </a:ln>
+              <a:solidFill>
+                <a:srgbClr val="FFFF00"/>
+              </a:solidFill>
+              <a:effectLst/>
+              <a:uLnTx/>
+              <a:uFillTx/>
+              <a:latin typeface="文泉驿微米黑" panose="020B0606030804020204" pitchFamily="34" charset="-128"/>
+              <a:ea typeface="文泉驿微米黑" panose="020B0606030804020204" pitchFamily="34" charset="-128"/>
+              <a:cs typeface="文泉驿微米黑" panose="020B0606030804020204" pitchFamily="34" charset="-128"/>
+            </a:endParaRPr>
+          </a:p>
+        </p:txBody>
+      </p:sp>
+      <p:sp>
+        <p:nvSpPr>
+          <p:cNvPr id="11" name="文本框 10">
+            <a:extLst>
+              <a:ext uri="{FF2B5EF4-FFF2-40B4-BE49-F238E27FC236}">
+                <a16:creationId xmlns:a16="http://schemas.microsoft.com/office/drawing/2014/main" id="{CECD994D-105D-410D-9D21-83E22DB5402C}"/>
+              </a:ext>
+            </a:extLst>
+          </p:cNvPr>
+          <p:cNvSpPr txBox="1"/>
+          <p:nvPr/>
+        </p:nvSpPr>
+        <p:spPr>
+          <a:xfrm>
+            <a:off x="1802167" y="3609510"/>
+            <a:ext cx="1287262" cy="369332"/>
+          </a:xfrm>
+          <a:prstGeom prst="rect">
+            <a:avLst/>
+          </a:prstGeom>
+          <a:noFill/>
+        </p:spPr>
+        <p:txBody>
+          <a:bodyPr wrap="square" rtlCol="0">
+            <a:spAutoFit/>
+          </a:bodyPr>
+          <a:lstStyle/>
+          <a:p>
+            <a:pPr marL="0" marR="0" lvl="0" indent="0" algn="ctr" defTabSz="914400" rtl="0" eaLnBrk="1" fontAlgn="auto" latinLnBrk="0" hangingPunct="1">
+              <a:lnSpc>
+                <a:spcPct val="100000"/>
+              </a:lnSpc>
+              <a:spcBef>
+                <a:spcPts val="0"/>
+              </a:spcBef>
+              <a:spcAft>
+                <a:spcPts val="0"/>
+              </a:spcAft>
+              <a:buClrTx/>
+              <a:buSzTx/>
+              <a:buFontTx/>
+              <a:buNone/>
+              <a:tabLst/>
+              <a:defRPr/>
+            </a:pPr>
+            <a:r>
+              <a:rPr kumimoji="0" lang="zh-CN" altLang="en-US" sz="1800" b="0" i="0" u="none" strike="noStrike" kern="1200" cap="none" spc="0" normalizeH="0" baseline="0" noProof="0" dirty="0">
+                <a:ln>
+                  <a:noFill/>
+                </a:ln>
+                <a:solidFill>
+                  <a:srgbClr val="FFFF00"/>
+                </a:solidFill>
+                <a:effectLst/>
+                <a:uLnTx/>
+                <a:uFillTx/>
+                <a:latin typeface="文泉驿微米黑" panose="020B0606030804020204" pitchFamily="34" charset="-128"/>
+                <a:ea typeface="文泉驿微米黑" panose="020B0606030804020204" pitchFamily="34" charset="-128"/>
+                <a:cs typeface="文泉驿微米黑" panose="020B0606030804020204" pitchFamily="34" charset="-128"/>
+              </a:rPr>
+              <a:t>文件夹</a:t>
+            </a:r>
+            <a:r>
+              <a:rPr kumimoji="0" lang="en-US" altLang="zh-CN" sz="1800" b="0" i="0" u="none" strike="noStrike" kern="1200" cap="none" spc="0" normalizeH="0" baseline="0" noProof="0" dirty="0">
+                <a:ln>
+                  <a:noFill/>
+                </a:ln>
+                <a:solidFill>
+                  <a:srgbClr val="FFFF00"/>
+                </a:solidFill>
+                <a:effectLst/>
+                <a:uLnTx/>
+                <a:uFillTx/>
+                <a:latin typeface="文泉驿微米黑" panose="020B0606030804020204" pitchFamily="34" charset="-128"/>
+                <a:ea typeface="文泉驿微米黑" panose="020B0606030804020204" pitchFamily="34" charset="-128"/>
+                <a:cs typeface="文泉驿微米黑" panose="020B0606030804020204" pitchFamily="34" charset="-128"/>
+              </a:rPr>
+              <a:t>B</a:t>
+            </a:r>
+            <a:endParaRPr kumimoji="0" lang="zh-CN" altLang="en-US" sz="1800" b="0" i="0" u="none" strike="noStrike" kern="1200" cap="none" spc="0" normalizeH="0" baseline="0" noProof="0" dirty="0">
+              <a:ln>
+                <a:noFill/>
+              </a:ln>
+              <a:solidFill>
+                <a:srgbClr val="FFFF00"/>
+              </a:solidFill>
+              <a:effectLst/>
+              <a:uLnTx/>
+              <a:uFillTx/>
+              <a:latin typeface="文泉驿微米黑" panose="020B0606030804020204" pitchFamily="34" charset="-128"/>
+              <a:ea typeface="文泉驿微米黑" panose="020B0606030804020204" pitchFamily="34" charset="-128"/>
+              <a:cs typeface="文泉驿微米黑" panose="020B0606030804020204" pitchFamily="34" charset="-128"/>
+            </a:endParaRPr>
+          </a:p>
+        </p:txBody>
+      </p:sp>
+      <p:sp>
+        <p:nvSpPr>
+          <p:cNvPr id="12" name="文本框 11">
+            <a:extLst>
+              <a:ext uri="{FF2B5EF4-FFF2-40B4-BE49-F238E27FC236}">
+                <a16:creationId xmlns:a16="http://schemas.microsoft.com/office/drawing/2014/main" id="{9312F8D6-020C-464C-9014-33FDE5E9E93C}"/>
+              </a:ext>
+            </a:extLst>
+          </p:cNvPr>
+          <p:cNvSpPr txBox="1"/>
+          <p:nvPr/>
+        </p:nvSpPr>
+        <p:spPr>
+          <a:xfrm>
+            <a:off x="9273319" y="3609510"/>
+            <a:ext cx="1287262" cy="369332"/>
+          </a:xfrm>
+          <a:prstGeom prst="rect">
+            <a:avLst/>
+          </a:prstGeom>
+          <a:noFill/>
+        </p:spPr>
+        <p:txBody>
+          <a:bodyPr wrap="square" rtlCol="0">
+            <a:spAutoFit/>
+          </a:bodyPr>
+          <a:lstStyle/>
+          <a:p>
+            <a:pPr marL="0" marR="0" lvl="0" indent="0" algn="ctr" defTabSz="914400" rtl="0" eaLnBrk="1" fontAlgn="auto" latinLnBrk="0" hangingPunct="1">
+              <a:lnSpc>
+                <a:spcPct val="100000"/>
+              </a:lnSpc>
+              <a:spcBef>
+                <a:spcPts val="0"/>
+              </a:spcBef>
+              <a:spcAft>
+                <a:spcPts val="0"/>
+              </a:spcAft>
+              <a:buClrTx/>
+              <a:buSzTx/>
+              <a:buFontTx/>
+              <a:buNone/>
+              <a:tabLst/>
+              <a:defRPr/>
+            </a:pPr>
+            <a:r>
+              <a:rPr kumimoji="0" lang="zh-CN" altLang="en-US" sz="1800" b="0" i="0" u="none" strike="noStrike" kern="1200" cap="none" spc="0" normalizeH="0" baseline="0" noProof="0" dirty="0">
+                <a:ln>
+                  <a:noFill/>
+                </a:ln>
+                <a:solidFill>
+                  <a:srgbClr val="FFFF00"/>
+                </a:solidFill>
+                <a:effectLst/>
+                <a:uLnTx/>
+                <a:uFillTx/>
+                <a:latin typeface="文泉驿微米黑" panose="020B0606030804020204" pitchFamily="34" charset="-128"/>
+                <a:ea typeface="文泉驿微米黑" panose="020B0606030804020204" pitchFamily="34" charset="-128"/>
+                <a:cs typeface="文泉驿微米黑" panose="020B0606030804020204" pitchFamily="34" charset="-128"/>
+              </a:rPr>
+              <a:t>文件夹</a:t>
+            </a:r>
+            <a:r>
+              <a:rPr kumimoji="0" lang="en-US" altLang="zh-CN" sz="1800" b="0" i="0" u="none" strike="noStrike" kern="1200" cap="none" spc="0" normalizeH="0" baseline="0" noProof="0" dirty="0">
+                <a:ln>
+                  <a:noFill/>
+                </a:ln>
+                <a:solidFill>
+                  <a:srgbClr val="FFFF00"/>
+                </a:solidFill>
+                <a:effectLst/>
+                <a:uLnTx/>
+                <a:uFillTx/>
+                <a:latin typeface="文泉驿微米黑" panose="020B0606030804020204" pitchFamily="34" charset="-128"/>
+                <a:ea typeface="文泉驿微米黑" panose="020B0606030804020204" pitchFamily="34" charset="-128"/>
+                <a:cs typeface="文泉驿微米黑" panose="020B0606030804020204" pitchFamily="34" charset="-128"/>
+              </a:rPr>
+              <a:t>B</a:t>
+            </a:r>
+            <a:endParaRPr kumimoji="0" lang="zh-CN" altLang="en-US" sz="1800" b="0" i="0" u="none" strike="noStrike" kern="1200" cap="none" spc="0" normalizeH="0" baseline="0" noProof="0" dirty="0">
+              <a:ln>
+                <a:noFill/>
+              </a:ln>
+              <a:solidFill>
+                <a:srgbClr val="FFFF00"/>
+              </a:solidFill>
+              <a:effectLst/>
+              <a:uLnTx/>
+              <a:uFillTx/>
+              <a:latin typeface="文泉驿微米黑" panose="020B0606030804020204" pitchFamily="34" charset="-128"/>
+              <a:ea typeface="文泉驿微米黑" panose="020B0606030804020204" pitchFamily="34" charset="-128"/>
+              <a:cs typeface="文泉驿微米黑" panose="020B0606030804020204" pitchFamily="34" charset="-128"/>
+            </a:endParaRPr>
+          </a:p>
+        </p:txBody>
+      </p:sp>
+      <p:sp>
+        <p:nvSpPr>
+          <p:cNvPr id="14" name="矩形: 圆角 13">
+            <a:extLst>
+              <a:ext uri="{FF2B5EF4-FFF2-40B4-BE49-F238E27FC236}">
+                <a16:creationId xmlns:a16="http://schemas.microsoft.com/office/drawing/2014/main" id="{7B2F697B-5909-47E2-A6AD-8E3B7AB9545A}"/>
+              </a:ext>
+            </a:extLst>
+          </p:cNvPr>
+          <p:cNvSpPr/>
+          <p:nvPr/>
+        </p:nvSpPr>
+        <p:spPr>
+          <a:xfrm>
+            <a:off x="3835153" y="1633491"/>
+            <a:ext cx="4829453" cy="672653"/>
+          </a:xfrm>
+          <a:prstGeom prst="roundRect">
+            <a:avLst/>
+          </a:prstGeom>
+        </p:spPr>
+        <p:style>
+          <a:lnRef idx="1">
+            <a:schemeClr val="accent6"/>
           </a:lnRef>
           <a:fillRef idx="2">
-            <a:schemeClr val="accent2"/>
+            <a:schemeClr val="accent6"/>
           </a:fillRef>
           <a:effectRef idx="1">
-            <a:schemeClr val="accent2"/>
+            <a:schemeClr val="accent6"/>
           </a:effectRef>
           <a:fontRef idx="minor">
             <a:schemeClr val="dk1"/>
@@ -4609,215 +5273,48 @@
           <a:bodyPr rtlCol="0" anchor="ctr"/>
           <a:lstStyle/>
           <a:p>
-            <a:pPr lvl="0" algn="ctr"/>
-            <a:r>
-              <a:rPr lang="zh-CN" altLang="en-US" sz="1400" dirty="0">
-                <a:solidFill>
-                  <a:prstClr val="black"/>
-                </a:solidFill>
-                <a:latin typeface="思源黑体 Regular" panose="020B0500000000000000" pitchFamily="34" charset="-128"/>
-                <a:ea typeface="思源黑体 Regular" panose="020B0500000000000000" pitchFamily="34" charset="-128"/>
-              </a:rPr>
-              <a:t>初始化</a:t>
-            </a:r>
+            <a:pPr algn="ctr"/>
+            <a:endParaRPr lang="zh-CN" altLang="en-US" dirty="0"/>
           </a:p>
         </p:txBody>
       </p:sp>
       <p:cxnSp>
         <p:nvCxnSpPr>
-          <p:cNvPr id="16" name="直接箭头连接符 15">
-            <a:extLst>
-              <a:ext uri="{FF2B5EF4-FFF2-40B4-BE49-F238E27FC236}">
-                <a16:creationId xmlns:a16="http://schemas.microsoft.com/office/drawing/2014/main" id="{226D3F4C-550A-4269-89F2-262D12C01BA1}"/>
+          <p:cNvPr id="16" name="直接连接符 15">
+            <a:extLst>
+              <a:ext uri="{FF2B5EF4-FFF2-40B4-BE49-F238E27FC236}">
+                <a16:creationId xmlns:a16="http://schemas.microsoft.com/office/drawing/2014/main" id="{86FD9F33-141F-416B-96B7-4017991553D5}"/>
               </a:ext>
             </a:extLst>
           </p:cNvPr>
           <p:cNvCxnSpPr>
             <a:cxnSpLocks/>
-            <a:stCxn id="14" idx="2"/>
           </p:cNvCxnSpPr>
           <p:nvPr/>
         </p:nvCxnSpPr>
         <p:spPr>
           <a:xfrm>
-            <a:off x="1389354" y="861223"/>
-            <a:ext cx="0" cy="612648"/>
-          </a:xfrm>
-          <a:prstGeom prst="straightConnector1">
+            <a:off x="4669654" y="1643849"/>
+            <a:ext cx="0" cy="672653"/>
+          </a:xfrm>
+          <a:prstGeom prst="line">
             <a:avLst/>
           </a:prstGeom>
           <a:ln>
-            <a:tailEnd type="triangle"/>
+            <a:solidFill>
+              <a:schemeClr val="accent2"/>
+            </a:solidFill>
           </a:ln>
         </p:spPr>
         <p:style>
           <a:lnRef idx="1">
-            <a:schemeClr val="accent2"/>
+            <a:schemeClr val="accent1"/>
           </a:lnRef>
           <a:fillRef idx="0">
-            <a:schemeClr val="accent2"/>
+            <a:schemeClr val="accent1"/>
           </a:fillRef>
           <a:effectRef idx="0">
-            <a:schemeClr val="accent2"/>
-          </a:effectRef>
-          <a:fontRef idx="minor">
-            <a:schemeClr val="tx1"/>
-          </a:fontRef>
-        </p:style>
-      </p:cxnSp>
-      <p:sp>
-        <p:nvSpPr>
-          <p:cNvPr id="18" name="流程图: 过程 17">
-            <a:extLst>
-              <a:ext uri="{FF2B5EF4-FFF2-40B4-BE49-F238E27FC236}">
-                <a16:creationId xmlns:a16="http://schemas.microsoft.com/office/drawing/2014/main" id="{DDC19DB7-E385-4C39-AD78-BA8DF6932E30}"/>
-              </a:ext>
-            </a:extLst>
-          </p:cNvPr>
-          <p:cNvSpPr/>
-          <p:nvPr/>
-        </p:nvSpPr>
-        <p:spPr>
-          <a:xfrm>
-            <a:off x="790111" y="3604334"/>
-            <a:ext cx="1269506" cy="932155"/>
-          </a:xfrm>
-          <a:prstGeom prst="flowChartProcess">
-            <a:avLst/>
-          </a:prstGeom>
-        </p:spPr>
-        <p:style>
-          <a:lnRef idx="1">
-            <a:schemeClr val="accent2"/>
-          </a:lnRef>
-          <a:fillRef idx="2">
-            <a:schemeClr val="accent2"/>
-          </a:fillRef>
-          <a:effectRef idx="1">
-            <a:schemeClr val="accent2"/>
-          </a:effectRef>
-          <a:fontRef idx="minor">
-            <a:schemeClr val="dk1"/>
-          </a:fontRef>
-        </p:style>
-        <p:txBody>
-          <a:bodyPr rtlCol="0" anchor="ctr"/>
-          <a:lstStyle/>
-          <a:p>
-            <a:pPr algn="ctr"/>
-            <a:r>
-              <a:rPr lang="en-US" altLang="zh-CN" sz="1600" dirty="0">
-                <a:latin typeface="思源黑体 Regular" panose="020B0500000000000000" pitchFamily="34" charset="-128"/>
-                <a:ea typeface="思源黑体 Regular" panose="020B0500000000000000" pitchFamily="34" charset="-128"/>
-              </a:rPr>
-              <a:t>Fork</a:t>
-            </a:r>
-            <a:r>
-              <a:rPr lang="zh-CN" altLang="en-US" sz="1600" dirty="0">
-                <a:latin typeface="思源黑体 Regular" panose="020B0500000000000000" pitchFamily="34" charset="-128"/>
-                <a:ea typeface="思源黑体 Regular" panose="020B0500000000000000" pitchFamily="34" charset="-128"/>
-              </a:rPr>
-              <a:t>子线程并监听目录</a:t>
-            </a:r>
-          </a:p>
-        </p:txBody>
-      </p:sp>
-      <p:sp>
-        <p:nvSpPr>
-          <p:cNvPr id="19" name="流程图: 决策 18">
-            <a:extLst>
-              <a:ext uri="{FF2B5EF4-FFF2-40B4-BE49-F238E27FC236}">
-                <a16:creationId xmlns:a16="http://schemas.microsoft.com/office/drawing/2014/main" id="{B4926D99-66E5-4296-8B29-9F14204E7E1B}"/>
-              </a:ext>
-            </a:extLst>
-          </p:cNvPr>
-          <p:cNvSpPr/>
-          <p:nvPr/>
-        </p:nvSpPr>
-        <p:spPr>
-          <a:xfrm>
-            <a:off x="443881" y="1473871"/>
-            <a:ext cx="1890943" cy="1020932"/>
-          </a:xfrm>
-          <a:prstGeom prst="flowChartDecision">
-            <a:avLst/>
-          </a:prstGeom>
-        </p:spPr>
-        <p:style>
-          <a:lnRef idx="1">
-            <a:schemeClr val="accent2"/>
-          </a:lnRef>
-          <a:fillRef idx="2">
-            <a:schemeClr val="accent2"/>
-          </a:fillRef>
-          <a:effectRef idx="1">
-            <a:schemeClr val="accent2"/>
-          </a:effectRef>
-          <a:fontRef idx="minor">
-            <a:schemeClr val="dk1"/>
-          </a:fontRef>
-        </p:style>
-        <p:txBody>
-          <a:bodyPr rtlCol="0" anchor="ctr"/>
-          <a:lstStyle/>
-          <a:p>
-            <a:pPr algn="ctr"/>
-            <a:r>
-              <a:rPr lang="zh-CN" altLang="en-US" sz="1600" dirty="0">
-                <a:latin typeface="思源黑体 Regular" panose="020B0500000000000000" pitchFamily="34" charset="-128"/>
-                <a:ea typeface="思源黑体 Regular" panose="020B0500000000000000" pitchFamily="34" charset="-128"/>
-              </a:rPr>
-              <a:t>子线程</a:t>
-            </a:r>
-            <a:r>
-              <a:rPr lang="en-US" altLang="zh-CN" sz="1600" dirty="0">
-                <a:latin typeface="思源黑体 Regular" panose="020B0500000000000000" pitchFamily="34" charset="-128"/>
-                <a:ea typeface="思源黑体 Regular" panose="020B0500000000000000" pitchFamily="34" charset="-128"/>
-              </a:rPr>
-              <a:t>?</a:t>
-            </a:r>
-            <a:endParaRPr lang="zh-CN" altLang="en-US" sz="1600" dirty="0">
-              <a:latin typeface="思源黑体 Regular" panose="020B0500000000000000" pitchFamily="34" charset="-128"/>
-              <a:ea typeface="思源黑体 Regular" panose="020B0500000000000000" pitchFamily="34" charset="-128"/>
-            </a:endParaRPr>
-          </a:p>
-        </p:txBody>
-      </p:sp>
-      <p:cxnSp>
-        <p:nvCxnSpPr>
-          <p:cNvPr id="21" name="直接箭头连接符 20">
-            <a:extLst>
-              <a:ext uri="{FF2B5EF4-FFF2-40B4-BE49-F238E27FC236}">
-                <a16:creationId xmlns:a16="http://schemas.microsoft.com/office/drawing/2014/main" id="{19B317AF-8C5E-4A26-A749-CF9C1A919157}"/>
-              </a:ext>
-            </a:extLst>
-          </p:cNvPr>
-          <p:cNvCxnSpPr>
-            <a:stCxn id="19" idx="3"/>
-          </p:cNvCxnSpPr>
-          <p:nvPr/>
-        </p:nvCxnSpPr>
-        <p:spPr>
-          <a:xfrm>
-            <a:off x="2334824" y="1984337"/>
-            <a:ext cx="1162978" cy="0"/>
-          </a:xfrm>
-          <a:prstGeom prst="straightConnector1">
-            <a:avLst/>
-          </a:prstGeom>
-          <a:ln>
-            <a:tailEnd type="triangle"/>
-          </a:ln>
-        </p:spPr>
-        <p:style>
-          <a:lnRef idx="1">
-            <a:schemeClr val="accent2"/>
-          </a:lnRef>
-          <a:fillRef idx="0">
-            <a:schemeClr val="accent2"/>
-          </a:fillRef>
-          <a:effectRef idx="0">
-            <a:schemeClr val="accent2"/>
+            <a:schemeClr val="accent1"/>
           </a:effectRef>
           <a:fontRef idx="minor">
             <a:schemeClr val="tx1"/>
@@ -4826,204 +5323,41 @@
       </p:cxnSp>
       <p:cxnSp>
         <p:nvCxnSpPr>
-          <p:cNvPr id="23" name="直接箭头连接符 22">
-            <a:extLst>
-              <a:ext uri="{FF2B5EF4-FFF2-40B4-BE49-F238E27FC236}">
-                <a16:creationId xmlns:a16="http://schemas.microsoft.com/office/drawing/2014/main" id="{C3CC6091-1721-4B68-A6CD-84EF77AB12AA}"/>
+          <p:cNvPr id="19" name="直接连接符 18">
+            <a:extLst>
+              <a:ext uri="{FF2B5EF4-FFF2-40B4-BE49-F238E27FC236}">
+                <a16:creationId xmlns:a16="http://schemas.microsoft.com/office/drawing/2014/main" id="{F0A196A6-69CE-4F4F-9B51-840C8320ACD8}"/>
               </a:ext>
             </a:extLst>
           </p:cNvPr>
           <p:cNvCxnSpPr>
-            <a:stCxn id="19" idx="2"/>
+            <a:cxnSpLocks/>
           </p:cNvCxnSpPr>
           <p:nvPr/>
         </p:nvCxnSpPr>
         <p:spPr>
-          <a:xfrm flipH="1">
-            <a:off x="1389352" y="2494803"/>
-            <a:ext cx="1" cy="1109531"/>
-          </a:xfrm>
-          <a:prstGeom prst="straightConnector1">
+          <a:xfrm>
+            <a:off x="5558900" y="1633491"/>
+            <a:ext cx="0" cy="669694"/>
+          </a:xfrm>
+          <a:prstGeom prst="line">
             <a:avLst/>
           </a:prstGeom>
           <a:ln>
-            <a:tailEnd type="triangle"/>
+            <a:solidFill>
+              <a:schemeClr val="accent2"/>
+            </a:solidFill>
           </a:ln>
         </p:spPr>
         <p:style>
           <a:lnRef idx="1">
-            <a:schemeClr val="accent2"/>
+            <a:schemeClr val="accent1"/>
           </a:lnRef>
           <a:fillRef idx="0">
-            <a:schemeClr val="accent2"/>
+            <a:schemeClr val="accent1"/>
           </a:fillRef>
           <a:effectRef idx="0">
-            <a:schemeClr val="accent2"/>
-          </a:effectRef>
-          <a:fontRef idx="minor">
-            <a:schemeClr val="tx1"/>
-          </a:fontRef>
-        </p:style>
-      </p:cxnSp>
-      <p:sp>
-        <p:nvSpPr>
-          <p:cNvPr id="24" name="文本框 23">
-            <a:extLst>
-              <a:ext uri="{FF2B5EF4-FFF2-40B4-BE49-F238E27FC236}">
-                <a16:creationId xmlns:a16="http://schemas.microsoft.com/office/drawing/2014/main" id="{C24ED09F-33AE-4AF0-A1C0-4514EA7FB964}"/>
-              </a:ext>
-            </a:extLst>
-          </p:cNvPr>
-          <p:cNvSpPr txBox="1"/>
-          <p:nvPr/>
-        </p:nvSpPr>
-        <p:spPr>
-          <a:xfrm>
-            <a:off x="2405849" y="1580225"/>
-            <a:ext cx="754601" cy="369332"/>
-          </a:xfrm>
-          <a:prstGeom prst="rect">
-            <a:avLst/>
-          </a:prstGeom>
-          <a:noFill/>
-        </p:spPr>
-        <p:txBody>
-          <a:bodyPr wrap="square" rtlCol="0">
-            <a:spAutoFit/>
-          </a:bodyPr>
-          <a:lstStyle/>
-          <a:p>
-            <a:pPr algn="ctr"/>
-            <a:r>
-              <a:rPr lang="en-US" altLang="zh-CN" dirty="0"/>
-              <a:t>Y</a:t>
-            </a:r>
-            <a:endParaRPr lang="zh-CN" altLang="en-US" dirty="0"/>
-          </a:p>
-        </p:txBody>
-      </p:sp>
-      <p:sp>
-        <p:nvSpPr>
-          <p:cNvPr id="26" name="文本框 25">
-            <a:extLst>
-              <a:ext uri="{FF2B5EF4-FFF2-40B4-BE49-F238E27FC236}">
-                <a16:creationId xmlns:a16="http://schemas.microsoft.com/office/drawing/2014/main" id="{18A87392-4D11-4426-AA47-061FFF736F7F}"/>
-              </a:ext>
-            </a:extLst>
-          </p:cNvPr>
-          <p:cNvSpPr txBox="1"/>
-          <p:nvPr/>
-        </p:nvSpPr>
-        <p:spPr>
-          <a:xfrm>
-            <a:off x="1389352" y="2782774"/>
-            <a:ext cx="435003" cy="369332"/>
-          </a:xfrm>
-          <a:prstGeom prst="rect">
-            <a:avLst/>
-          </a:prstGeom>
-          <a:noFill/>
-        </p:spPr>
-        <p:txBody>
-          <a:bodyPr wrap="square" rtlCol="0">
-            <a:spAutoFit/>
-          </a:bodyPr>
-          <a:lstStyle/>
-          <a:p>
-            <a:r>
-              <a:rPr lang="en-US" altLang="zh-CN" dirty="0"/>
-              <a:t>N</a:t>
-            </a:r>
-            <a:endParaRPr lang="zh-CN" altLang="en-US" dirty="0"/>
-          </a:p>
-        </p:txBody>
-      </p:sp>
-      <p:sp>
-        <p:nvSpPr>
-          <p:cNvPr id="27" name="流程图: 决策 26">
-            <a:extLst>
-              <a:ext uri="{FF2B5EF4-FFF2-40B4-BE49-F238E27FC236}">
-                <a16:creationId xmlns:a16="http://schemas.microsoft.com/office/drawing/2014/main" id="{53D735CD-4AC6-488A-B8DC-09DFFD03A816}"/>
-              </a:ext>
-            </a:extLst>
-          </p:cNvPr>
-          <p:cNvSpPr/>
-          <p:nvPr/>
-        </p:nvSpPr>
-        <p:spPr>
-          <a:xfrm>
-            <a:off x="479392" y="5221728"/>
-            <a:ext cx="1890943" cy="1020932"/>
-          </a:xfrm>
-          <a:prstGeom prst="flowChartDecision">
-            <a:avLst/>
-          </a:prstGeom>
-        </p:spPr>
-        <p:style>
-          <a:lnRef idx="1">
-            <a:schemeClr val="accent2"/>
-          </a:lnRef>
-          <a:fillRef idx="2">
-            <a:schemeClr val="accent2"/>
-          </a:fillRef>
-          <a:effectRef idx="1">
-            <a:schemeClr val="accent2"/>
-          </a:effectRef>
-          <a:fontRef idx="minor">
-            <a:schemeClr val="dk1"/>
-          </a:fontRef>
-        </p:style>
-        <p:txBody>
-          <a:bodyPr rtlCol="0" anchor="ctr"/>
-          <a:lstStyle/>
-          <a:p>
-            <a:pPr algn="ctr"/>
-            <a:r>
-              <a:rPr lang="zh-CN" altLang="en-US" sz="1600" dirty="0">
-                <a:latin typeface="思源黑体 Regular" panose="020B0500000000000000" pitchFamily="34" charset="-128"/>
-                <a:ea typeface="思源黑体 Regular" panose="020B0500000000000000" pitchFamily="34" charset="-128"/>
-              </a:rPr>
-              <a:t>目录变化</a:t>
-            </a:r>
-          </a:p>
-        </p:txBody>
-      </p:sp>
-      <p:cxnSp>
-        <p:nvCxnSpPr>
-          <p:cNvPr id="28" name="直接箭头连接符 27">
-            <a:extLst>
-              <a:ext uri="{FF2B5EF4-FFF2-40B4-BE49-F238E27FC236}">
-                <a16:creationId xmlns:a16="http://schemas.microsoft.com/office/drawing/2014/main" id="{8ABCFF16-5166-4571-BD11-2A75A4A5CD17}"/>
-              </a:ext>
-            </a:extLst>
-          </p:cNvPr>
-          <p:cNvCxnSpPr>
-            <a:cxnSpLocks/>
-            <a:endCxn id="27" idx="0"/>
-          </p:cNvCxnSpPr>
-          <p:nvPr/>
-        </p:nvCxnSpPr>
-        <p:spPr>
-          <a:xfrm>
-            <a:off x="1424863" y="4536489"/>
-            <a:ext cx="1" cy="685239"/>
-          </a:xfrm>
-          <a:prstGeom prst="straightConnector1">
-            <a:avLst/>
-          </a:prstGeom>
-          <a:ln>
-            <a:tailEnd type="triangle"/>
-          </a:ln>
-        </p:spPr>
-        <p:style>
-          <a:lnRef idx="1">
-            <a:schemeClr val="accent2"/>
-          </a:lnRef>
-          <a:fillRef idx="0">
-            <a:schemeClr val="accent2"/>
-          </a:fillRef>
-          <a:effectRef idx="0">
-            <a:schemeClr val="accent2"/>
+            <a:schemeClr val="accent1"/>
           </a:effectRef>
           <a:fontRef idx="minor">
             <a:schemeClr val="tx1"/>
@@ -5032,360 +5366,10 @@
       </p:cxnSp>
       <p:cxnSp>
         <p:nvCxnSpPr>
-          <p:cNvPr id="31" name="连接符: 肘形 30">
-            <a:extLst>
-              <a:ext uri="{FF2B5EF4-FFF2-40B4-BE49-F238E27FC236}">
-                <a16:creationId xmlns:a16="http://schemas.microsoft.com/office/drawing/2014/main" id="{8BFC1BEF-2C62-4F48-80D7-F1DC49A61AD9}"/>
-              </a:ext>
-            </a:extLst>
-          </p:cNvPr>
-          <p:cNvCxnSpPr>
-            <a:stCxn id="27" idx="1"/>
-            <a:endCxn id="18" idx="1"/>
-          </p:cNvCxnSpPr>
-          <p:nvPr/>
-        </p:nvCxnSpPr>
-        <p:spPr>
-          <a:xfrm rot="10800000" flipH="1">
-            <a:off x="479391" y="4070412"/>
-            <a:ext cx="310719" cy="1661782"/>
-          </a:xfrm>
-          <a:prstGeom prst="bentConnector3">
-            <a:avLst>
-              <a:gd name="adj1" fmla="val -73571"/>
-            </a:avLst>
-          </a:prstGeom>
-          <a:ln>
-            <a:tailEnd type="triangle"/>
-          </a:ln>
-        </p:spPr>
-        <p:style>
-          <a:lnRef idx="1">
-            <a:schemeClr val="accent2"/>
-          </a:lnRef>
-          <a:fillRef idx="0">
-            <a:schemeClr val="accent2"/>
-          </a:fillRef>
-          <a:effectRef idx="0">
-            <a:schemeClr val="accent2"/>
-          </a:effectRef>
-          <a:fontRef idx="minor">
-            <a:schemeClr val="tx1"/>
-          </a:fontRef>
-        </p:style>
-      </p:cxnSp>
-      <p:sp>
-        <p:nvSpPr>
-          <p:cNvPr id="33" name="文本框 32">
-            <a:extLst>
-              <a:ext uri="{FF2B5EF4-FFF2-40B4-BE49-F238E27FC236}">
-                <a16:creationId xmlns:a16="http://schemas.microsoft.com/office/drawing/2014/main" id="{2F26D1A4-98AC-4600-AA9A-F8F0054DF8A9}"/>
-              </a:ext>
-            </a:extLst>
-          </p:cNvPr>
-          <p:cNvSpPr txBox="1"/>
-          <p:nvPr/>
-        </p:nvSpPr>
-        <p:spPr>
-          <a:xfrm>
-            <a:off x="102089" y="4716637"/>
-            <a:ext cx="754601" cy="369332"/>
-          </a:xfrm>
-          <a:prstGeom prst="rect">
-            <a:avLst/>
-          </a:prstGeom>
-          <a:noFill/>
-        </p:spPr>
-        <p:txBody>
-          <a:bodyPr wrap="square" rtlCol="0">
-            <a:spAutoFit/>
-          </a:bodyPr>
-          <a:lstStyle/>
-          <a:p>
-            <a:pPr algn="ctr"/>
-            <a:r>
-              <a:rPr lang="en-US" altLang="zh-CN" dirty="0"/>
-              <a:t>N</a:t>
-            </a:r>
-          </a:p>
-        </p:txBody>
-      </p:sp>
-      <p:sp>
-        <p:nvSpPr>
-          <p:cNvPr id="36" name="流程图: 过程 35">
-            <a:extLst>
-              <a:ext uri="{FF2B5EF4-FFF2-40B4-BE49-F238E27FC236}">
-                <a16:creationId xmlns:a16="http://schemas.microsoft.com/office/drawing/2014/main" id="{ED069B88-08BB-46B3-A7D3-57BC78AFB686}"/>
-              </a:ext>
-            </a:extLst>
-          </p:cNvPr>
-          <p:cNvSpPr/>
-          <p:nvPr/>
-        </p:nvSpPr>
-        <p:spPr>
-          <a:xfrm>
-            <a:off x="3497802" y="1566998"/>
-            <a:ext cx="1358283" cy="834678"/>
-          </a:xfrm>
-          <a:prstGeom prst="flowChartProcess">
-            <a:avLst/>
-          </a:prstGeom>
-        </p:spPr>
-        <p:style>
-          <a:lnRef idx="1">
-            <a:schemeClr val="accent2"/>
-          </a:lnRef>
-          <a:fillRef idx="2">
-            <a:schemeClr val="accent2"/>
-          </a:fillRef>
-          <a:effectRef idx="1">
-            <a:schemeClr val="accent2"/>
-          </a:effectRef>
-          <a:fontRef idx="minor">
-            <a:schemeClr val="dk1"/>
-          </a:fontRef>
-        </p:style>
-        <p:txBody>
-          <a:bodyPr rtlCol="0" anchor="ctr"/>
-          <a:lstStyle/>
-          <a:p>
-            <a:pPr algn="ctr"/>
-            <a:r>
-              <a:rPr lang="zh-CN" altLang="en-US" sz="1600" dirty="0">
-                <a:latin typeface="思源黑体 Regular" panose="020B0500000000000000" pitchFamily="34" charset="-128"/>
-                <a:ea typeface="思源黑体 Regular" panose="020B0500000000000000" pitchFamily="34" charset="-128"/>
-              </a:rPr>
-              <a:t>子线程监听父线程消息</a:t>
-            </a:r>
-          </a:p>
-        </p:txBody>
-      </p:sp>
-      <p:cxnSp>
-        <p:nvCxnSpPr>
-          <p:cNvPr id="37" name="直接箭头连接符 36">
-            <a:extLst>
-              <a:ext uri="{FF2B5EF4-FFF2-40B4-BE49-F238E27FC236}">
-                <a16:creationId xmlns:a16="http://schemas.microsoft.com/office/drawing/2014/main" id="{60DEF98D-2D37-42E0-BD37-953EB17CF345}"/>
-              </a:ext>
-            </a:extLst>
-          </p:cNvPr>
-          <p:cNvCxnSpPr/>
-          <p:nvPr/>
-        </p:nvCxnSpPr>
-        <p:spPr>
-          <a:xfrm>
-            <a:off x="4856085" y="1984337"/>
-            <a:ext cx="1162978" cy="0"/>
-          </a:xfrm>
-          <a:prstGeom prst="straightConnector1">
-            <a:avLst/>
-          </a:prstGeom>
-          <a:ln>
-            <a:tailEnd type="triangle"/>
-          </a:ln>
-        </p:spPr>
-        <p:style>
-          <a:lnRef idx="1">
-            <a:schemeClr val="accent2"/>
-          </a:lnRef>
-          <a:fillRef idx="0">
-            <a:schemeClr val="accent2"/>
-          </a:fillRef>
-          <a:effectRef idx="0">
-            <a:schemeClr val="accent2"/>
-          </a:effectRef>
-          <a:fontRef idx="minor">
-            <a:schemeClr val="tx1"/>
-          </a:fontRef>
-        </p:style>
-      </p:cxnSp>
-      <p:sp>
-        <p:nvSpPr>
-          <p:cNvPr id="38" name="流程图: 决策 37">
-            <a:extLst>
-              <a:ext uri="{FF2B5EF4-FFF2-40B4-BE49-F238E27FC236}">
-                <a16:creationId xmlns:a16="http://schemas.microsoft.com/office/drawing/2014/main" id="{83FCEAD4-A9CD-4F68-99E8-7540960B6BE1}"/>
-              </a:ext>
-            </a:extLst>
-          </p:cNvPr>
-          <p:cNvSpPr/>
-          <p:nvPr/>
-        </p:nvSpPr>
-        <p:spPr>
-          <a:xfrm>
-            <a:off x="6019063" y="1473871"/>
-            <a:ext cx="1890943" cy="1020932"/>
-          </a:xfrm>
-          <a:prstGeom prst="flowChartDecision">
-            <a:avLst/>
-          </a:prstGeom>
-        </p:spPr>
-        <p:style>
-          <a:lnRef idx="1">
-            <a:schemeClr val="accent2"/>
-          </a:lnRef>
-          <a:fillRef idx="2">
-            <a:schemeClr val="accent2"/>
-          </a:fillRef>
-          <a:effectRef idx="1">
-            <a:schemeClr val="accent2"/>
-          </a:effectRef>
-          <a:fontRef idx="minor">
-            <a:schemeClr val="dk1"/>
-          </a:fontRef>
-        </p:style>
-        <p:txBody>
-          <a:bodyPr rtlCol="0" anchor="ctr"/>
-          <a:lstStyle/>
-          <a:p>
-            <a:pPr algn="ctr"/>
-            <a:r>
-              <a:rPr lang="zh-CN" altLang="en-US" sz="1600" dirty="0">
-                <a:latin typeface="思源黑体 Regular" panose="020B0500000000000000" pitchFamily="34" charset="-128"/>
-                <a:ea typeface="思源黑体 Regular" panose="020B0500000000000000" pitchFamily="34" charset="-128"/>
-              </a:rPr>
-              <a:t>消息</a:t>
-            </a:r>
-            <a:r>
-              <a:rPr lang="en-US" altLang="zh-CN" sz="1600" dirty="0">
-                <a:latin typeface="思源黑体 Regular" panose="020B0500000000000000" pitchFamily="34" charset="-128"/>
-                <a:ea typeface="思源黑体 Regular" panose="020B0500000000000000" pitchFamily="34" charset="-128"/>
-              </a:rPr>
-              <a:t>?</a:t>
-            </a:r>
-            <a:endParaRPr lang="zh-CN" altLang="en-US" sz="1600" dirty="0">
-              <a:latin typeface="思源黑体 Regular" panose="020B0500000000000000" pitchFamily="34" charset="-128"/>
-              <a:ea typeface="思源黑体 Regular" panose="020B0500000000000000" pitchFamily="34" charset="-128"/>
-            </a:endParaRPr>
-          </a:p>
-        </p:txBody>
-      </p:sp>
-      <p:cxnSp>
-        <p:nvCxnSpPr>
-          <p:cNvPr id="39" name="连接符: 肘形 38">
-            <a:extLst>
-              <a:ext uri="{FF2B5EF4-FFF2-40B4-BE49-F238E27FC236}">
-                <a16:creationId xmlns:a16="http://schemas.microsoft.com/office/drawing/2014/main" id="{2F90552F-FAE1-4FE3-84A5-3520E1A33A95}"/>
-              </a:ext>
-            </a:extLst>
-          </p:cNvPr>
-          <p:cNvCxnSpPr>
-            <a:cxnSpLocks/>
-            <a:stCxn id="38" idx="3"/>
-            <a:endCxn id="36" idx="0"/>
-          </p:cNvCxnSpPr>
-          <p:nvPr/>
-        </p:nvCxnSpPr>
-        <p:spPr>
-          <a:xfrm flipH="1" flipV="1">
-            <a:off x="4176944" y="1566998"/>
-            <a:ext cx="3733062" cy="417339"/>
-          </a:xfrm>
-          <a:prstGeom prst="bentConnector4">
-            <a:avLst>
-              <a:gd name="adj1" fmla="val -6124"/>
-              <a:gd name="adj2" fmla="val 177090"/>
-            </a:avLst>
-          </a:prstGeom>
-          <a:ln>
-            <a:tailEnd type="triangle"/>
-          </a:ln>
-        </p:spPr>
-        <p:style>
-          <a:lnRef idx="1">
-            <a:schemeClr val="accent2"/>
-          </a:lnRef>
-          <a:fillRef idx="0">
-            <a:schemeClr val="accent2"/>
-          </a:fillRef>
-          <a:effectRef idx="0">
-            <a:schemeClr val="accent2"/>
-          </a:effectRef>
-          <a:fontRef idx="minor">
-            <a:schemeClr val="tx1"/>
-          </a:fontRef>
-        </p:style>
-      </p:cxnSp>
-      <p:sp>
-        <p:nvSpPr>
-          <p:cNvPr id="43" name="文本框 42">
-            <a:extLst>
-              <a:ext uri="{FF2B5EF4-FFF2-40B4-BE49-F238E27FC236}">
-                <a16:creationId xmlns:a16="http://schemas.microsoft.com/office/drawing/2014/main" id="{9A0730DA-F7C3-4DD0-B0F8-7AB4BE550A65}"/>
-              </a:ext>
-            </a:extLst>
-          </p:cNvPr>
-          <p:cNvSpPr txBox="1"/>
-          <p:nvPr/>
-        </p:nvSpPr>
-        <p:spPr>
-          <a:xfrm>
-            <a:off x="5641762" y="846766"/>
-            <a:ext cx="754601" cy="369332"/>
-          </a:xfrm>
-          <a:prstGeom prst="rect">
-            <a:avLst/>
-          </a:prstGeom>
-          <a:noFill/>
-        </p:spPr>
-        <p:txBody>
-          <a:bodyPr wrap="square" rtlCol="0">
-            <a:spAutoFit/>
-          </a:bodyPr>
-          <a:lstStyle/>
-          <a:p>
-            <a:pPr algn="ctr"/>
-            <a:r>
-              <a:rPr lang="en-US" altLang="zh-CN" dirty="0"/>
-              <a:t>N</a:t>
-            </a:r>
-            <a:endParaRPr lang="zh-CN" altLang="en-US" dirty="0"/>
-          </a:p>
-        </p:txBody>
-      </p:sp>
-      <p:sp>
-        <p:nvSpPr>
-          <p:cNvPr id="44" name="文本框 43">
-            <a:extLst>
-              <a:ext uri="{FF2B5EF4-FFF2-40B4-BE49-F238E27FC236}">
-                <a16:creationId xmlns:a16="http://schemas.microsoft.com/office/drawing/2014/main" id="{6B72DDD8-3981-4235-A38A-84573D43CF8A}"/>
-              </a:ext>
-            </a:extLst>
-          </p:cNvPr>
-          <p:cNvSpPr txBox="1"/>
-          <p:nvPr/>
-        </p:nvSpPr>
-        <p:spPr>
-          <a:xfrm>
-            <a:off x="6840244" y="2752576"/>
-            <a:ext cx="754601" cy="369332"/>
-          </a:xfrm>
-          <a:prstGeom prst="rect">
-            <a:avLst/>
-          </a:prstGeom>
-          <a:noFill/>
-        </p:spPr>
-        <p:txBody>
-          <a:bodyPr wrap="square" rtlCol="0">
-            <a:spAutoFit/>
-          </a:bodyPr>
-          <a:lstStyle/>
-          <a:p>
-            <a:pPr algn="ctr"/>
-            <a:r>
-              <a:rPr lang="en-US" altLang="zh-CN" dirty="0"/>
-              <a:t>Y</a:t>
-            </a:r>
-            <a:endParaRPr lang="zh-CN" altLang="en-US" dirty="0"/>
-          </a:p>
-        </p:txBody>
-      </p:sp>
-      <p:cxnSp>
-        <p:nvCxnSpPr>
-          <p:cNvPr id="45" name="直接箭头连接符 44">
-            <a:extLst>
-              <a:ext uri="{FF2B5EF4-FFF2-40B4-BE49-F238E27FC236}">
-                <a16:creationId xmlns:a16="http://schemas.microsoft.com/office/drawing/2014/main" id="{13A99FE1-0B0F-466C-82C0-EDD06AE00B17}"/>
+          <p:cNvPr id="20" name="直接连接符 19">
+            <a:extLst>
+              <a:ext uri="{FF2B5EF4-FFF2-40B4-BE49-F238E27FC236}">
+                <a16:creationId xmlns:a16="http://schemas.microsoft.com/office/drawing/2014/main" id="{E0618437-10AA-4BEA-9E93-1609FCFABD59}"/>
               </a:ext>
             </a:extLst>
           </p:cNvPr>
@@ -5396,295 +5380,27 @@
         </p:nvCxnSpPr>
         <p:spPr>
           <a:xfrm>
-            <a:off x="6964534" y="2494803"/>
-            <a:ext cx="0" cy="1029632"/>
-          </a:xfrm>
-          <a:prstGeom prst="straightConnector1">
+            <a:off x="6465903" y="1633491"/>
+            <a:ext cx="0" cy="669694"/>
+          </a:xfrm>
+          <a:prstGeom prst="line">
             <a:avLst/>
           </a:prstGeom>
           <a:ln>
-            <a:tailEnd type="triangle"/>
+            <a:solidFill>
+              <a:schemeClr val="accent2"/>
+            </a:solidFill>
           </a:ln>
         </p:spPr>
         <p:style>
           <a:lnRef idx="1">
-            <a:schemeClr val="accent2"/>
+            <a:schemeClr val="accent1"/>
           </a:lnRef>
           <a:fillRef idx="0">
-            <a:schemeClr val="accent2"/>
+            <a:schemeClr val="accent1"/>
           </a:fillRef>
           <a:effectRef idx="0">
-            <a:schemeClr val="accent2"/>
-          </a:effectRef>
-          <a:fontRef idx="minor">
-            <a:schemeClr val="tx1"/>
-          </a:fontRef>
-        </p:style>
-      </p:cxnSp>
-      <p:sp>
-        <p:nvSpPr>
-          <p:cNvPr id="48" name="流程图: 过程 47">
-            <a:extLst>
-              <a:ext uri="{FF2B5EF4-FFF2-40B4-BE49-F238E27FC236}">
-                <a16:creationId xmlns:a16="http://schemas.microsoft.com/office/drawing/2014/main" id="{86F2BE5E-A363-4450-87F7-B351CA00076E}"/>
-              </a:ext>
-            </a:extLst>
-          </p:cNvPr>
-          <p:cNvSpPr/>
-          <p:nvPr/>
-        </p:nvSpPr>
-        <p:spPr>
-          <a:xfrm>
-            <a:off x="6285392" y="3524435"/>
-            <a:ext cx="1358283" cy="834678"/>
-          </a:xfrm>
-          <a:prstGeom prst="flowChartProcess">
-            <a:avLst/>
-          </a:prstGeom>
-        </p:spPr>
-        <p:style>
-          <a:lnRef idx="1">
-            <a:schemeClr val="accent2"/>
-          </a:lnRef>
-          <a:fillRef idx="2">
-            <a:schemeClr val="accent2"/>
-          </a:fillRef>
-          <a:effectRef idx="1">
-            <a:schemeClr val="accent2"/>
-          </a:effectRef>
-          <a:fontRef idx="minor">
-            <a:schemeClr val="dk1"/>
-          </a:fontRef>
-        </p:style>
-        <p:txBody>
-          <a:bodyPr rtlCol="0" anchor="ctr"/>
-          <a:lstStyle/>
-          <a:p>
-            <a:pPr algn="ctr"/>
-            <a:r>
-              <a:rPr lang="zh-CN" altLang="en-US" sz="1400" dirty="0">
-                <a:latin typeface="思源黑体 Regular" panose="020B0500000000000000" pitchFamily="34" charset="-128"/>
-                <a:ea typeface="思源黑体 Regular" panose="020B0500000000000000" pitchFamily="34" charset="-128"/>
-              </a:rPr>
-              <a:t>子线程</a:t>
-            </a:r>
-            <a:r>
-              <a:rPr lang="en-US" altLang="zh-CN" sz="1400" dirty="0" err="1">
-                <a:latin typeface="思源黑体 Regular" panose="020B0500000000000000" pitchFamily="34" charset="-128"/>
-                <a:ea typeface="思源黑体 Regular" panose="020B0500000000000000" pitchFamily="34" charset="-128"/>
-              </a:rPr>
-              <a:t>execSync</a:t>
-            </a:r>
-            <a:r>
-              <a:rPr lang="en-US" altLang="zh-CN" sz="1400" dirty="0">
-                <a:latin typeface="思源黑体 Regular" panose="020B0500000000000000" pitchFamily="34" charset="-128"/>
-                <a:ea typeface="思源黑体 Regular" panose="020B0500000000000000" pitchFamily="34" charset="-128"/>
-              </a:rPr>
-              <a:t> diff</a:t>
-            </a:r>
-            <a:r>
-              <a:rPr lang="zh-CN" altLang="en-US" sz="1400" dirty="0">
-                <a:latin typeface="思源黑体 Regular" panose="020B0500000000000000" pitchFamily="34" charset="-128"/>
-                <a:ea typeface="思源黑体 Regular" panose="020B0500000000000000" pitchFamily="34" charset="-128"/>
-              </a:rPr>
-              <a:t>目录生成</a:t>
-            </a:r>
-            <a:r>
-              <a:rPr lang="en-US" altLang="zh-CN" sz="1400" dirty="0">
-                <a:latin typeface="思源黑体 Regular" panose="020B0500000000000000" pitchFamily="34" charset="-128"/>
-                <a:ea typeface="思源黑体 Regular" panose="020B0500000000000000" pitchFamily="34" charset="-128"/>
-              </a:rPr>
-              <a:t>patch</a:t>
-            </a:r>
-            <a:r>
-              <a:rPr lang="zh-CN" altLang="en-US" sz="1400" dirty="0">
-                <a:latin typeface="思源黑体 Regular" panose="020B0500000000000000" pitchFamily="34" charset="-128"/>
-                <a:ea typeface="思源黑体 Regular" panose="020B0500000000000000" pitchFamily="34" charset="-128"/>
-              </a:rPr>
-              <a:t>文件</a:t>
-            </a:r>
-          </a:p>
-        </p:txBody>
-      </p:sp>
-      <p:sp>
-        <p:nvSpPr>
-          <p:cNvPr id="49" name="流程图: 过程 48">
-            <a:extLst>
-              <a:ext uri="{FF2B5EF4-FFF2-40B4-BE49-F238E27FC236}">
-                <a16:creationId xmlns:a16="http://schemas.microsoft.com/office/drawing/2014/main" id="{92C17DE0-FCEF-4313-BFC8-18C3B2F9203A}"/>
-              </a:ext>
-            </a:extLst>
-          </p:cNvPr>
-          <p:cNvSpPr/>
-          <p:nvPr/>
-        </p:nvSpPr>
-        <p:spPr>
-          <a:xfrm>
-            <a:off x="3497802" y="5314855"/>
-            <a:ext cx="1358283" cy="834678"/>
-          </a:xfrm>
-          <a:prstGeom prst="flowChartProcess">
-            <a:avLst/>
-          </a:prstGeom>
-        </p:spPr>
-        <p:style>
-          <a:lnRef idx="1">
-            <a:schemeClr val="accent2"/>
-          </a:lnRef>
-          <a:fillRef idx="2">
-            <a:schemeClr val="accent2"/>
-          </a:fillRef>
-          <a:effectRef idx="1">
-            <a:schemeClr val="accent2"/>
-          </a:effectRef>
-          <a:fontRef idx="minor">
-            <a:schemeClr val="dk1"/>
-          </a:fontRef>
-        </p:style>
-        <p:txBody>
-          <a:bodyPr rtlCol="0" anchor="ctr"/>
-          <a:lstStyle/>
-          <a:p>
-            <a:pPr algn="ctr"/>
-            <a:r>
-              <a:rPr lang="zh-CN" altLang="en-US" sz="1600" dirty="0">
-                <a:latin typeface="思源黑体 Regular" panose="020B0500000000000000" pitchFamily="34" charset="-128"/>
-                <a:ea typeface="思源黑体 Regular" panose="020B0500000000000000" pitchFamily="34" charset="-128"/>
-              </a:rPr>
-              <a:t>新加的</a:t>
-            </a:r>
-            <a:r>
-              <a:rPr lang="en-US" altLang="zh-CN" sz="1600" dirty="0">
-                <a:latin typeface="思源黑体 Regular" panose="020B0500000000000000" pitchFamily="34" charset="-128"/>
-                <a:ea typeface="思源黑体 Regular" panose="020B0500000000000000" pitchFamily="34" charset="-128"/>
-              </a:rPr>
-              <a:t>B</a:t>
-            </a:r>
-            <a:r>
-              <a:rPr lang="zh-CN" altLang="en-US" sz="1600" dirty="0">
-                <a:latin typeface="思源黑体 Regular" panose="020B0500000000000000" pitchFamily="34" charset="-128"/>
-                <a:ea typeface="思源黑体 Regular" panose="020B0500000000000000" pitchFamily="34" charset="-128"/>
-              </a:rPr>
-              <a:t>目录路径传递给子线程</a:t>
-            </a:r>
-          </a:p>
-        </p:txBody>
-      </p:sp>
-      <p:cxnSp>
-        <p:nvCxnSpPr>
-          <p:cNvPr id="50" name="直接箭头连接符 49">
-            <a:extLst>
-              <a:ext uri="{FF2B5EF4-FFF2-40B4-BE49-F238E27FC236}">
-                <a16:creationId xmlns:a16="http://schemas.microsoft.com/office/drawing/2014/main" id="{49ADCD37-F4EF-425E-BDF2-57DCF60FE249}"/>
-              </a:ext>
-            </a:extLst>
-          </p:cNvPr>
-          <p:cNvCxnSpPr>
-            <a:cxnSpLocks/>
-            <a:endCxn id="49" idx="1"/>
-          </p:cNvCxnSpPr>
-          <p:nvPr/>
-        </p:nvCxnSpPr>
-        <p:spPr>
-          <a:xfrm>
-            <a:off x="2370335" y="5732194"/>
-            <a:ext cx="1127467" cy="0"/>
-          </a:xfrm>
-          <a:prstGeom prst="straightConnector1">
-            <a:avLst/>
-          </a:prstGeom>
-          <a:ln>
-            <a:tailEnd type="triangle"/>
-          </a:ln>
-        </p:spPr>
-        <p:style>
-          <a:lnRef idx="1">
-            <a:schemeClr val="accent2"/>
-          </a:lnRef>
-          <a:fillRef idx="0">
-            <a:schemeClr val="accent2"/>
-          </a:fillRef>
-          <a:effectRef idx="0">
-            <a:schemeClr val="accent2"/>
-          </a:effectRef>
-          <a:fontRef idx="minor">
-            <a:schemeClr val="tx1"/>
-          </a:fontRef>
-        </p:style>
-      </p:cxnSp>
-      <p:sp>
-        <p:nvSpPr>
-          <p:cNvPr id="52" name="文本框 51">
-            <a:extLst>
-              <a:ext uri="{FF2B5EF4-FFF2-40B4-BE49-F238E27FC236}">
-                <a16:creationId xmlns:a16="http://schemas.microsoft.com/office/drawing/2014/main" id="{33AB587C-14F2-4028-91C0-699608F54801}"/>
-              </a:ext>
-            </a:extLst>
-          </p:cNvPr>
-          <p:cNvSpPr txBox="1"/>
-          <p:nvPr/>
-        </p:nvSpPr>
-        <p:spPr>
-          <a:xfrm>
-            <a:off x="2454677" y="5387730"/>
-            <a:ext cx="754601" cy="369332"/>
-          </a:xfrm>
-          <a:prstGeom prst="rect">
-            <a:avLst/>
-          </a:prstGeom>
-          <a:noFill/>
-        </p:spPr>
-        <p:txBody>
-          <a:bodyPr wrap="square" rtlCol="0">
-            <a:spAutoFit/>
-          </a:bodyPr>
-          <a:lstStyle/>
-          <a:p>
-            <a:pPr algn="ctr"/>
-            <a:r>
-              <a:rPr lang="en-US" altLang="zh-CN" dirty="0"/>
-              <a:t>Y</a:t>
-            </a:r>
-            <a:endParaRPr lang="zh-CN" altLang="en-US" dirty="0"/>
-          </a:p>
-        </p:txBody>
-      </p:sp>
-      <p:cxnSp>
-        <p:nvCxnSpPr>
-          <p:cNvPr id="54" name="直接箭头连接符 53">
-            <a:extLst>
-              <a:ext uri="{FF2B5EF4-FFF2-40B4-BE49-F238E27FC236}">
-                <a16:creationId xmlns:a16="http://schemas.microsoft.com/office/drawing/2014/main" id="{FC51DFE3-1F1C-4C6D-BA81-9F6B70023EFB}"/>
-              </a:ext>
-            </a:extLst>
-          </p:cNvPr>
-          <p:cNvCxnSpPr>
-            <a:stCxn id="49" idx="0"/>
-            <a:endCxn id="36" idx="2"/>
-          </p:cNvCxnSpPr>
-          <p:nvPr/>
-        </p:nvCxnSpPr>
-        <p:spPr>
-          <a:xfrm flipV="1">
-            <a:off x="4176944" y="2401676"/>
-            <a:ext cx="0" cy="2913179"/>
-          </a:xfrm>
-          <a:prstGeom prst="straightConnector1">
-            <a:avLst/>
-          </a:prstGeom>
-          <a:ln>
-            <a:tailEnd type="triangle"/>
-          </a:ln>
-        </p:spPr>
-        <p:style>
-          <a:lnRef idx="1">
-            <a:schemeClr val="accent2"/>
-          </a:lnRef>
-          <a:fillRef idx="0">
-            <a:schemeClr val="accent2"/>
-          </a:fillRef>
-          <a:effectRef idx="0">
-            <a:schemeClr val="accent2"/>
+            <a:schemeClr val="accent1"/>
           </a:effectRef>
           <a:fontRef idx="minor">
             <a:schemeClr val="tx1"/>
@@ -5693,39 +5409,41 @@
       </p:cxnSp>
       <p:cxnSp>
         <p:nvCxnSpPr>
-          <p:cNvPr id="56" name="直接箭头连接符 55">
-            <a:extLst>
-              <a:ext uri="{FF2B5EF4-FFF2-40B4-BE49-F238E27FC236}">
-                <a16:creationId xmlns:a16="http://schemas.microsoft.com/office/drawing/2014/main" id="{F23B8D39-7488-458B-9875-3B1A46EC18D7}"/>
+          <p:cNvPr id="21" name="直接连接符 20">
+            <a:extLst>
+              <a:ext uri="{FF2B5EF4-FFF2-40B4-BE49-F238E27FC236}">
+                <a16:creationId xmlns:a16="http://schemas.microsoft.com/office/drawing/2014/main" id="{B3E19982-9FEC-4ABF-B54E-8D2D4F041BEA}"/>
               </a:ext>
             </a:extLst>
           </p:cNvPr>
           <p:cNvCxnSpPr>
-            <a:stCxn id="48" idx="2"/>
+            <a:cxnSpLocks/>
           </p:cNvCxnSpPr>
           <p:nvPr/>
         </p:nvCxnSpPr>
         <p:spPr>
           <a:xfrm>
-            <a:off x="6964534" y="4359113"/>
-            <a:ext cx="0" cy="726856"/>
-          </a:xfrm>
-          <a:prstGeom prst="straightConnector1">
+            <a:off x="7372904" y="1643849"/>
+            <a:ext cx="0" cy="691888"/>
+          </a:xfrm>
+          <a:prstGeom prst="line">
             <a:avLst/>
           </a:prstGeom>
           <a:ln>
-            <a:tailEnd type="triangle"/>
+            <a:solidFill>
+              <a:schemeClr val="accent2"/>
+            </a:solidFill>
           </a:ln>
         </p:spPr>
         <p:style>
           <a:lnRef idx="1">
-            <a:schemeClr val="accent2"/>
+            <a:schemeClr val="accent1"/>
           </a:lnRef>
           <a:fillRef idx="0">
-            <a:schemeClr val="accent2"/>
+            <a:schemeClr val="accent1"/>
           </a:fillRef>
           <a:effectRef idx="0">
-            <a:schemeClr val="accent2"/>
+            <a:schemeClr val="accent1"/>
           </a:effectRef>
           <a:fontRef idx="minor">
             <a:schemeClr val="tx1"/>
@@ -5734,10 +5452,47 @@
       </p:cxnSp>
       <p:sp>
         <p:nvSpPr>
-          <p:cNvPr id="57" name="流程图: 过程 56">
-            <a:extLst>
-              <a:ext uri="{FF2B5EF4-FFF2-40B4-BE49-F238E27FC236}">
-                <a16:creationId xmlns:a16="http://schemas.microsoft.com/office/drawing/2014/main" id="{DCD7FE48-BB08-4857-BFDC-51D1020BBB63}"/>
+          <p:cNvPr id="26" name="文本框 25">
+            <a:extLst>
+              <a:ext uri="{FF2B5EF4-FFF2-40B4-BE49-F238E27FC236}">
+                <a16:creationId xmlns:a16="http://schemas.microsoft.com/office/drawing/2014/main" id="{1CF4BBC9-0EE6-4DCE-BF5B-F71659554263}"/>
+              </a:ext>
+            </a:extLst>
+          </p:cNvPr>
+          <p:cNvSpPr txBox="1"/>
+          <p:nvPr/>
+        </p:nvSpPr>
+        <p:spPr>
+          <a:xfrm>
+            <a:off x="4972974" y="3085559"/>
+            <a:ext cx="1926454" cy="369332"/>
+          </a:xfrm>
+          <a:prstGeom prst="rect">
+            <a:avLst/>
+          </a:prstGeom>
+          <a:noFill/>
+        </p:spPr>
+        <p:txBody>
+          <a:bodyPr wrap="square" rtlCol="0">
+            <a:spAutoFit/>
+          </a:bodyPr>
+          <a:lstStyle/>
+          <a:p>
+            <a:pPr algn="ctr"/>
+            <a:r>
+              <a:rPr lang="en-US" altLang="zh-CN" dirty="0" err="1"/>
+              <a:t>Messge_queue</a:t>
+            </a:r>
+            <a:endParaRPr lang="en-US" altLang="zh-CN" dirty="0"/>
+          </a:p>
+        </p:txBody>
+      </p:sp>
+      <p:sp>
+        <p:nvSpPr>
+          <p:cNvPr id="27" name="矩形: 圆角 26">
+            <a:extLst>
+              <a:ext uri="{FF2B5EF4-FFF2-40B4-BE49-F238E27FC236}">
+                <a16:creationId xmlns:a16="http://schemas.microsoft.com/office/drawing/2014/main" id="{3ADC9B10-4693-412E-A1B0-391F7585197E}"/>
               </a:ext>
             </a:extLst>
           </p:cNvPr>
@@ -5746,22 +5501,22 @@
         </p:nvSpPr>
         <p:spPr>
           <a:xfrm>
-            <a:off x="6285392" y="5059622"/>
-            <a:ext cx="1393791" cy="861025"/>
-          </a:xfrm>
-          <a:prstGeom prst="flowChartProcess">
+            <a:off x="3835154" y="3457850"/>
+            <a:ext cx="4833892" cy="672653"/>
+          </a:xfrm>
+          <a:prstGeom prst="roundRect">
             <a:avLst/>
           </a:prstGeom>
         </p:spPr>
         <p:style>
           <a:lnRef idx="1">
-            <a:schemeClr val="accent2"/>
+            <a:schemeClr val="accent6"/>
           </a:lnRef>
           <a:fillRef idx="2">
-            <a:schemeClr val="accent2"/>
+            <a:schemeClr val="accent6"/>
           </a:fillRef>
           <a:effectRef idx="1">
-            <a:schemeClr val="accent2"/>
+            <a:schemeClr val="accent6"/>
           </a:effectRef>
           <a:fontRef idx="minor">
             <a:schemeClr val="dk1"/>
@@ -5772,374 +5527,145 @@
           <a:lstStyle/>
           <a:p>
             <a:pPr algn="ctr"/>
-            <a:r>
-              <a:rPr lang="zh-CN" altLang="en-US" sz="1400" dirty="0">
-                <a:latin typeface="思源黑体 Regular" panose="020B0500000000000000" pitchFamily="34" charset="-128"/>
-                <a:ea typeface="思源黑体 Regular" panose="020B0500000000000000" pitchFamily="34" charset="-128"/>
-              </a:rPr>
-              <a:t>向消息队列</a:t>
-            </a:r>
-            <a:r>
-              <a:rPr lang="en-US" altLang="zh-CN" sz="1400" dirty="0" err="1">
-                <a:latin typeface="思源黑体 Regular" panose="020B0500000000000000" pitchFamily="34" charset="-128"/>
-                <a:ea typeface="思源黑体 Regular" panose="020B0500000000000000" pitchFamily="34" charset="-128"/>
-              </a:rPr>
-              <a:t>task_queue</a:t>
-            </a:r>
-            <a:r>
-              <a:rPr lang="zh-CN" altLang="en-US" sz="1400" dirty="0">
-                <a:latin typeface="思源黑体 Regular" panose="020B0500000000000000" pitchFamily="34" charset="-128"/>
-                <a:ea typeface="思源黑体 Regular" panose="020B0500000000000000" pitchFamily="34" charset="-128"/>
-              </a:rPr>
-              <a:t>传送</a:t>
-            </a:r>
-            <a:r>
-              <a:rPr lang="en-US" altLang="zh-CN" sz="1400" dirty="0">
-                <a:latin typeface="思源黑体 Regular" panose="020B0500000000000000" pitchFamily="34" charset="-128"/>
-                <a:ea typeface="思源黑体 Regular" panose="020B0500000000000000" pitchFamily="34" charset="-128"/>
-              </a:rPr>
-              <a:t>patch</a:t>
-            </a:r>
-            <a:r>
-              <a:rPr lang="zh-CN" altLang="en-US" sz="1400" dirty="0">
-                <a:latin typeface="思源黑体 Regular" panose="020B0500000000000000" pitchFamily="34" charset="-128"/>
-                <a:ea typeface="思源黑体 Regular" panose="020B0500000000000000" pitchFamily="34" charset="-128"/>
-              </a:rPr>
-              <a:t>文件路径</a:t>
-            </a:r>
+            <a:endParaRPr lang="zh-CN" altLang="en-US" dirty="0"/>
           </a:p>
         </p:txBody>
       </p:sp>
       <p:cxnSp>
         <p:nvCxnSpPr>
-          <p:cNvPr id="59" name="直接箭头连接符 58">
-            <a:extLst>
-              <a:ext uri="{FF2B5EF4-FFF2-40B4-BE49-F238E27FC236}">
-                <a16:creationId xmlns:a16="http://schemas.microsoft.com/office/drawing/2014/main" id="{D2CAB0C4-6917-4A7B-9D01-6073A1BF5362}"/>
+          <p:cNvPr id="28" name="直接连接符 27">
+            <a:extLst>
+              <a:ext uri="{FF2B5EF4-FFF2-40B4-BE49-F238E27FC236}">
+                <a16:creationId xmlns:a16="http://schemas.microsoft.com/office/drawing/2014/main" id="{273A5491-6AE9-4578-8112-63A68456C5B9}"/>
               </a:ext>
             </a:extLst>
           </p:cNvPr>
           <p:cNvCxnSpPr>
             <a:cxnSpLocks/>
-            <a:stCxn id="57" idx="3"/>
           </p:cNvCxnSpPr>
           <p:nvPr/>
         </p:nvCxnSpPr>
         <p:spPr>
           <a:xfrm>
-            <a:off x="7679183" y="5490135"/>
-            <a:ext cx="1038689" cy="0"/>
-          </a:xfrm>
-          <a:prstGeom prst="straightConnector1">
+            <a:off x="4657580" y="3457850"/>
+            <a:ext cx="0" cy="672653"/>
+          </a:xfrm>
+          <a:prstGeom prst="line">
             <a:avLst/>
           </a:prstGeom>
           <a:ln>
-            <a:tailEnd type="triangle"/>
+            <a:solidFill>
+              <a:schemeClr val="accent2"/>
+            </a:solidFill>
           </a:ln>
         </p:spPr>
         <p:style>
           <a:lnRef idx="1">
-            <a:schemeClr val="accent2"/>
+            <a:schemeClr val="accent1"/>
           </a:lnRef>
           <a:fillRef idx="0">
-            <a:schemeClr val="accent2"/>
+            <a:schemeClr val="accent1"/>
           </a:fillRef>
           <a:effectRef idx="0">
-            <a:schemeClr val="accent2"/>
+            <a:schemeClr val="accent1"/>
           </a:effectRef>
           <a:fontRef idx="minor">
             <a:schemeClr val="tx1"/>
           </a:fontRef>
         </p:style>
       </p:cxnSp>
-      <p:sp>
-        <p:nvSpPr>
-          <p:cNvPr id="61" name="流程图: 决策 60">
-            <a:extLst>
-              <a:ext uri="{FF2B5EF4-FFF2-40B4-BE49-F238E27FC236}">
-                <a16:creationId xmlns:a16="http://schemas.microsoft.com/office/drawing/2014/main" id="{ABF56EFE-3EDE-4A5C-AC89-8CE1BB974DC3}"/>
-              </a:ext>
-            </a:extLst>
-          </p:cNvPr>
-          <p:cNvSpPr/>
-          <p:nvPr/>
-        </p:nvSpPr>
-        <p:spPr>
-          <a:xfrm>
-            <a:off x="8717872" y="4985707"/>
-            <a:ext cx="1873186" cy="1008856"/>
-          </a:xfrm>
-          <a:prstGeom prst="flowChartDecision">
-            <a:avLst/>
-          </a:prstGeom>
-        </p:spPr>
-        <p:style>
-          <a:lnRef idx="1">
-            <a:schemeClr val="accent2"/>
-          </a:lnRef>
-          <a:fillRef idx="2">
-            <a:schemeClr val="accent2"/>
-          </a:fillRef>
-          <a:effectRef idx="1">
-            <a:schemeClr val="accent2"/>
-          </a:effectRef>
-          <a:fontRef idx="minor">
-            <a:schemeClr val="dk1"/>
-          </a:fontRef>
-        </p:style>
-        <p:txBody>
-          <a:bodyPr rtlCol="0" anchor="ctr"/>
-          <a:lstStyle/>
-          <a:p>
-            <a:pPr algn="ctr"/>
-            <a:r>
-              <a:rPr lang="zh-CN" altLang="en-US" sz="1100" dirty="0">
-                <a:latin typeface="思源黑体 Regular" panose="020B0500000000000000" pitchFamily="34" charset="-128"/>
-                <a:ea typeface="思源黑体 Regular" panose="020B0500000000000000" pitchFamily="34" charset="-128"/>
-              </a:rPr>
-              <a:t>从消息队列</a:t>
-            </a:r>
-            <a:r>
-              <a:rPr lang="en-US" altLang="zh-CN" sz="1100" dirty="0" err="1">
-                <a:latin typeface="思源黑体 Regular" panose="020B0500000000000000" pitchFamily="34" charset="-128"/>
-                <a:ea typeface="思源黑体 Regular" panose="020B0500000000000000" pitchFamily="34" charset="-128"/>
-              </a:rPr>
-              <a:t>message_queue</a:t>
-            </a:r>
-            <a:r>
-              <a:rPr lang="zh-CN" altLang="en-US" sz="1100" dirty="0">
-                <a:latin typeface="思源黑体 Regular" panose="020B0500000000000000" pitchFamily="34" charset="-128"/>
-                <a:ea typeface="思源黑体 Regular" panose="020B0500000000000000" pitchFamily="34" charset="-128"/>
-              </a:rPr>
-              <a:t>获取消息</a:t>
-            </a:r>
-            <a:r>
-              <a:rPr lang="en-US" altLang="zh-CN" sz="1100" dirty="0">
-                <a:latin typeface="思源黑体 Regular" panose="020B0500000000000000" pitchFamily="34" charset="-128"/>
-                <a:ea typeface="思源黑体 Regular" panose="020B0500000000000000" pitchFamily="34" charset="-128"/>
-              </a:rPr>
-              <a:t>?</a:t>
-            </a:r>
-            <a:endParaRPr lang="zh-CN" altLang="en-US" sz="1100" dirty="0">
-              <a:latin typeface="思源黑体 Regular" panose="020B0500000000000000" pitchFamily="34" charset="-128"/>
-              <a:ea typeface="思源黑体 Regular" panose="020B0500000000000000" pitchFamily="34" charset="-128"/>
-            </a:endParaRPr>
-          </a:p>
-        </p:txBody>
-      </p:sp>
       <p:cxnSp>
         <p:nvCxnSpPr>
-          <p:cNvPr id="67" name="直接箭头连接符 66">
-            <a:extLst>
-              <a:ext uri="{FF2B5EF4-FFF2-40B4-BE49-F238E27FC236}">
-                <a16:creationId xmlns:a16="http://schemas.microsoft.com/office/drawing/2014/main" id="{346A9D07-8420-49CA-91FC-92043CF9DCA3}"/>
+          <p:cNvPr id="29" name="直接连接符 28">
+            <a:extLst>
+              <a:ext uri="{FF2B5EF4-FFF2-40B4-BE49-F238E27FC236}">
+                <a16:creationId xmlns:a16="http://schemas.microsoft.com/office/drawing/2014/main" id="{30E1A027-4C53-48CD-9255-09D1694C9E7E}"/>
               </a:ext>
             </a:extLst>
           </p:cNvPr>
           <p:cNvCxnSpPr>
-            <a:stCxn id="61" idx="0"/>
+            <a:cxnSpLocks/>
           </p:cNvCxnSpPr>
           <p:nvPr/>
         </p:nvCxnSpPr>
         <p:spPr>
-          <a:xfrm flipV="1">
-            <a:off x="9654465" y="4070411"/>
-            <a:ext cx="0" cy="915296"/>
-          </a:xfrm>
-          <a:prstGeom prst="straightConnector1">
+          <a:xfrm>
+            <a:off x="5558900" y="3457850"/>
+            <a:ext cx="0" cy="672653"/>
+          </a:xfrm>
+          <a:prstGeom prst="line">
             <a:avLst/>
           </a:prstGeom>
           <a:ln>
-            <a:tailEnd type="triangle"/>
+            <a:solidFill>
+              <a:schemeClr val="accent2"/>
+            </a:solidFill>
           </a:ln>
         </p:spPr>
         <p:style>
           <a:lnRef idx="1">
-            <a:schemeClr val="accent2"/>
+            <a:schemeClr val="accent1"/>
           </a:lnRef>
           <a:fillRef idx="0">
-            <a:schemeClr val="accent2"/>
+            <a:schemeClr val="accent1"/>
           </a:fillRef>
           <a:effectRef idx="0">
-            <a:schemeClr val="accent2"/>
+            <a:schemeClr val="accent1"/>
           </a:effectRef>
           <a:fontRef idx="minor">
             <a:schemeClr val="tx1"/>
           </a:fontRef>
         </p:style>
       </p:cxnSp>
-      <p:sp>
-        <p:nvSpPr>
-          <p:cNvPr id="68" name="文本框 67">
-            <a:extLst>
-              <a:ext uri="{FF2B5EF4-FFF2-40B4-BE49-F238E27FC236}">
-                <a16:creationId xmlns:a16="http://schemas.microsoft.com/office/drawing/2014/main" id="{25EEE0D5-DFE3-43AF-8C32-62480A80CC34}"/>
-              </a:ext>
-            </a:extLst>
-          </p:cNvPr>
-          <p:cNvSpPr txBox="1"/>
-          <p:nvPr/>
-        </p:nvSpPr>
-        <p:spPr>
-          <a:xfrm>
-            <a:off x="9105530" y="4423058"/>
-            <a:ext cx="754601" cy="369332"/>
-          </a:xfrm>
-          <a:prstGeom prst="rect">
-            <a:avLst/>
-          </a:prstGeom>
-          <a:noFill/>
-        </p:spPr>
-        <p:txBody>
-          <a:bodyPr wrap="square" rtlCol="0">
-            <a:spAutoFit/>
-          </a:bodyPr>
-          <a:lstStyle/>
-          <a:p>
-            <a:pPr algn="ctr"/>
-            <a:r>
-              <a:rPr lang="en-US" altLang="zh-CN" dirty="0"/>
-              <a:t>Y</a:t>
-            </a:r>
-            <a:endParaRPr lang="zh-CN" altLang="en-US" dirty="0"/>
-          </a:p>
-        </p:txBody>
-      </p:sp>
-      <p:sp>
-        <p:nvSpPr>
-          <p:cNvPr id="69" name="文本框 68">
-            <a:extLst>
-              <a:ext uri="{FF2B5EF4-FFF2-40B4-BE49-F238E27FC236}">
-                <a16:creationId xmlns:a16="http://schemas.microsoft.com/office/drawing/2014/main" id="{B5B4B3BB-ECFE-4B1D-866A-63DB045618EE}"/>
-              </a:ext>
-            </a:extLst>
-          </p:cNvPr>
-          <p:cNvSpPr txBox="1"/>
-          <p:nvPr/>
-        </p:nvSpPr>
-        <p:spPr>
-          <a:xfrm>
-            <a:off x="10116101" y="6242660"/>
-            <a:ext cx="435003" cy="369332"/>
-          </a:xfrm>
-          <a:prstGeom prst="rect">
-            <a:avLst/>
-          </a:prstGeom>
-          <a:noFill/>
-        </p:spPr>
-        <p:txBody>
-          <a:bodyPr wrap="square" rtlCol="0">
-            <a:spAutoFit/>
-          </a:bodyPr>
-          <a:lstStyle/>
-          <a:p>
-            <a:r>
-              <a:rPr lang="en-US" altLang="zh-CN" dirty="0"/>
-              <a:t>N</a:t>
-            </a:r>
-            <a:endParaRPr lang="zh-CN" altLang="en-US" dirty="0"/>
-          </a:p>
-        </p:txBody>
-      </p:sp>
       <p:cxnSp>
         <p:nvCxnSpPr>
-          <p:cNvPr id="71" name="连接符: 肘形 70">
-            <a:extLst>
-              <a:ext uri="{FF2B5EF4-FFF2-40B4-BE49-F238E27FC236}">
-                <a16:creationId xmlns:a16="http://schemas.microsoft.com/office/drawing/2014/main" id="{A847EBCC-EF2E-4029-9385-FD78A27A653D}"/>
+          <p:cNvPr id="30" name="直接连接符 29">
+            <a:extLst>
+              <a:ext uri="{FF2B5EF4-FFF2-40B4-BE49-F238E27FC236}">
+                <a16:creationId xmlns:a16="http://schemas.microsoft.com/office/drawing/2014/main" id="{9916C219-A70E-4653-936E-C5BF89BCC992}"/>
               </a:ext>
             </a:extLst>
           </p:cNvPr>
           <p:cNvCxnSpPr>
             <a:cxnSpLocks/>
-            <a:stCxn id="61" idx="2"/>
-            <a:endCxn id="61" idx="3"/>
           </p:cNvCxnSpPr>
           <p:nvPr/>
         </p:nvCxnSpPr>
         <p:spPr>
-          <a:xfrm rot="5400000" flipH="1" flipV="1">
-            <a:off x="9870547" y="5274052"/>
-            <a:ext cx="504428" cy="936593"/>
-          </a:xfrm>
-          <a:prstGeom prst="bentConnector4">
-            <a:avLst>
-              <a:gd name="adj1" fmla="val -45319"/>
-              <a:gd name="adj2" fmla="val 124408"/>
-            </a:avLst>
+          <a:xfrm>
+            <a:off x="7372904" y="3457850"/>
+            <a:ext cx="0" cy="672653"/>
+          </a:xfrm>
+          <a:prstGeom prst="line">
+            <a:avLst/>
           </a:prstGeom>
+          <a:ln>
+            <a:solidFill>
+              <a:schemeClr val="accent2"/>
+            </a:solidFill>
+          </a:ln>
         </p:spPr>
         <p:style>
           <a:lnRef idx="1">
-            <a:schemeClr val="accent2"/>
+            <a:schemeClr val="accent1"/>
           </a:lnRef>
           <a:fillRef idx="0">
-            <a:schemeClr val="accent2"/>
+            <a:schemeClr val="accent1"/>
           </a:fillRef>
           <a:effectRef idx="0">
-            <a:schemeClr val="accent2"/>
+            <a:schemeClr val="accent1"/>
           </a:effectRef>
           <a:fontRef idx="minor">
             <a:schemeClr val="tx1"/>
           </a:fontRef>
         </p:style>
       </p:cxnSp>
-      <p:sp>
-        <p:nvSpPr>
-          <p:cNvPr id="73" name="流程图: 过程 72">
-            <a:extLst>
-              <a:ext uri="{FF2B5EF4-FFF2-40B4-BE49-F238E27FC236}">
-                <a16:creationId xmlns:a16="http://schemas.microsoft.com/office/drawing/2014/main" id="{D87B1C62-74D5-424C-81B1-3460529F49FD}"/>
-              </a:ext>
-            </a:extLst>
-          </p:cNvPr>
-          <p:cNvSpPr/>
-          <p:nvPr/>
-        </p:nvSpPr>
-        <p:spPr>
-          <a:xfrm>
-            <a:off x="8975322" y="3235733"/>
-            <a:ext cx="1358283" cy="834678"/>
-          </a:xfrm>
-          <a:prstGeom prst="flowChartProcess">
-            <a:avLst/>
-          </a:prstGeom>
-        </p:spPr>
-        <p:style>
-          <a:lnRef idx="1">
-            <a:schemeClr val="accent2"/>
-          </a:lnRef>
-          <a:fillRef idx="2">
-            <a:schemeClr val="accent2"/>
-          </a:fillRef>
-          <a:effectRef idx="1">
-            <a:schemeClr val="accent2"/>
-          </a:effectRef>
-          <a:fontRef idx="minor">
-            <a:schemeClr val="dk1"/>
-          </a:fontRef>
-        </p:style>
-        <p:txBody>
-          <a:bodyPr rtlCol="0" anchor="ctr"/>
-          <a:lstStyle/>
-          <a:p>
-            <a:pPr algn="ctr"/>
-            <a:r>
-              <a:rPr lang="zh-CN" altLang="en-US" sz="1600" dirty="0">
-                <a:latin typeface="思源黑体 Regular" panose="020B0500000000000000" pitchFamily="34" charset="-128"/>
-                <a:ea typeface="思源黑体 Regular" panose="020B0500000000000000" pitchFamily="34" charset="-128"/>
-              </a:rPr>
-              <a:t>子线程向父线程发送消息</a:t>
-            </a:r>
-          </a:p>
-        </p:txBody>
-      </p:sp>
       <p:cxnSp>
         <p:nvCxnSpPr>
-          <p:cNvPr id="75" name="直接箭头连接符 74">
-            <a:extLst>
-              <a:ext uri="{FF2B5EF4-FFF2-40B4-BE49-F238E27FC236}">
-                <a16:creationId xmlns:a16="http://schemas.microsoft.com/office/drawing/2014/main" id="{7F06F96D-0809-429D-BAED-B2FB9668A043}"/>
+          <p:cNvPr id="31" name="直接连接符 30">
+            <a:extLst>
+              <a:ext uri="{FF2B5EF4-FFF2-40B4-BE49-F238E27FC236}">
+                <a16:creationId xmlns:a16="http://schemas.microsoft.com/office/drawing/2014/main" id="{99AF652D-C590-4198-B3F4-20B6379CCF80}"/>
               </a:ext>
             </a:extLst>
           </p:cNvPr>
@@ -6149,26 +5675,28 @@
           <p:nvPr/>
         </p:nvCxnSpPr>
         <p:spPr>
-          <a:xfrm flipV="1">
-            <a:off x="9654463" y="2401676"/>
-            <a:ext cx="0" cy="834678"/>
-          </a:xfrm>
-          <a:prstGeom prst="straightConnector1">
+          <a:xfrm>
+            <a:off x="6465903" y="3457850"/>
+            <a:ext cx="0" cy="672653"/>
+          </a:xfrm>
+          <a:prstGeom prst="line">
             <a:avLst/>
           </a:prstGeom>
           <a:ln>
-            <a:tailEnd type="triangle"/>
+            <a:solidFill>
+              <a:schemeClr val="accent2"/>
+            </a:solidFill>
           </a:ln>
         </p:spPr>
         <p:style>
           <a:lnRef idx="1">
-            <a:schemeClr val="accent2"/>
+            <a:schemeClr val="accent1"/>
           </a:lnRef>
           <a:fillRef idx="0">
-            <a:schemeClr val="accent2"/>
+            <a:schemeClr val="accent1"/>
           </a:fillRef>
           <a:effectRef idx="0">
-            <a:schemeClr val="accent2"/>
+            <a:schemeClr val="accent1"/>
           </a:effectRef>
           <a:fontRef idx="minor">
             <a:schemeClr val="tx1"/>
@@ -6177,151 +5705,10 @@
       </p:cxnSp>
       <p:sp>
         <p:nvSpPr>
-          <p:cNvPr id="78" name="流程图: 过程 77">
-            <a:extLst>
-              <a:ext uri="{FF2B5EF4-FFF2-40B4-BE49-F238E27FC236}">
-                <a16:creationId xmlns:a16="http://schemas.microsoft.com/office/drawing/2014/main" id="{9A5C9780-A090-471B-A1BB-A29C75DBCFD7}"/>
-              </a:ext>
-            </a:extLst>
-          </p:cNvPr>
-          <p:cNvSpPr/>
-          <p:nvPr/>
-        </p:nvSpPr>
-        <p:spPr>
-          <a:xfrm>
-            <a:off x="8908740" y="1473871"/>
-            <a:ext cx="1491446" cy="927805"/>
-          </a:xfrm>
-          <a:prstGeom prst="flowChartProcess">
-            <a:avLst/>
-          </a:prstGeom>
-        </p:spPr>
-        <p:style>
-          <a:lnRef idx="1">
-            <a:schemeClr val="accent2"/>
-          </a:lnRef>
-          <a:fillRef idx="2">
-            <a:schemeClr val="accent2"/>
-          </a:fillRef>
-          <a:effectRef idx="1">
-            <a:schemeClr val="accent2"/>
-          </a:effectRef>
-          <a:fontRef idx="minor">
-            <a:schemeClr val="dk1"/>
-          </a:fontRef>
-        </p:style>
-        <p:txBody>
-          <a:bodyPr rtlCol="0" anchor="ctr"/>
-          <a:lstStyle/>
-          <a:p>
-            <a:pPr algn="ctr"/>
-            <a:r>
-              <a:rPr lang="zh-CN" altLang="en-US" sz="1600" dirty="0">
-                <a:latin typeface="思源黑体 Regular" panose="020B0500000000000000" pitchFamily="34" charset="-128"/>
-                <a:ea typeface="思源黑体 Regular" panose="020B0500000000000000" pitchFamily="34" charset="-128"/>
-              </a:rPr>
-              <a:t>父线程收到消息</a:t>
-            </a:r>
-          </a:p>
-        </p:txBody>
-      </p:sp>
-      <p:cxnSp>
-        <p:nvCxnSpPr>
-          <p:cNvPr id="80" name="直接箭头连接符 79">
-            <a:extLst>
-              <a:ext uri="{FF2B5EF4-FFF2-40B4-BE49-F238E27FC236}">
-                <a16:creationId xmlns:a16="http://schemas.microsoft.com/office/drawing/2014/main" id="{2828B2EF-83B4-4625-9803-E9C99B0F8294}"/>
-              </a:ext>
-            </a:extLst>
-          </p:cNvPr>
-          <p:cNvCxnSpPr>
-            <a:cxnSpLocks/>
-          </p:cNvCxnSpPr>
-          <p:nvPr/>
-        </p:nvCxnSpPr>
-        <p:spPr>
-          <a:xfrm flipV="1">
-            <a:off x="9654463" y="861223"/>
-            <a:ext cx="0" cy="621437"/>
-          </a:xfrm>
-          <a:prstGeom prst="straightConnector1">
-            <a:avLst/>
-          </a:prstGeom>
-          <a:ln>
-            <a:tailEnd type="triangle"/>
-          </a:ln>
-        </p:spPr>
-        <p:style>
-          <a:lnRef idx="1">
-            <a:schemeClr val="accent2"/>
-          </a:lnRef>
-          <a:fillRef idx="0">
-            <a:schemeClr val="accent2"/>
-          </a:fillRef>
-          <a:effectRef idx="0">
-            <a:schemeClr val="accent2"/>
-          </a:effectRef>
-          <a:fontRef idx="minor">
-            <a:schemeClr val="tx1"/>
-          </a:fontRef>
-        </p:style>
-      </p:cxnSp>
-      <p:sp>
-        <p:nvSpPr>
-          <p:cNvPr id="82" name="流程图: 终止 81">
-            <a:extLst>
-              <a:ext uri="{FF2B5EF4-FFF2-40B4-BE49-F238E27FC236}">
-                <a16:creationId xmlns:a16="http://schemas.microsoft.com/office/drawing/2014/main" id="{B95855C5-7884-4C4F-A292-7671766DD539}"/>
-              </a:ext>
-            </a:extLst>
-          </p:cNvPr>
-          <p:cNvSpPr/>
-          <p:nvPr/>
-        </p:nvSpPr>
-        <p:spPr>
-          <a:xfrm>
-            <a:off x="8866572" y="151775"/>
-            <a:ext cx="1575782" cy="713601"/>
-          </a:xfrm>
-          <a:prstGeom prst="flowChartTerminator">
-            <a:avLst/>
-          </a:prstGeom>
-        </p:spPr>
-        <p:style>
-          <a:lnRef idx="1">
-            <a:schemeClr val="accent2"/>
-          </a:lnRef>
-          <a:fillRef idx="2">
-            <a:schemeClr val="accent2"/>
-          </a:fillRef>
-          <a:effectRef idx="1">
-            <a:schemeClr val="accent2"/>
-          </a:effectRef>
-          <a:fontRef idx="minor">
-            <a:schemeClr val="dk1"/>
-          </a:fontRef>
-        </p:style>
-        <p:txBody>
-          <a:bodyPr rtlCol="0" anchor="ctr"/>
-          <a:lstStyle/>
-          <a:p>
-            <a:pPr algn="ctr"/>
-            <a:r>
-              <a:rPr lang="zh-CN" altLang="en-US" sz="1600" dirty="0">
-                <a:latin typeface="思源黑体 Regular" panose="020B0500000000000000" pitchFamily="34" charset="-128"/>
-                <a:ea typeface="思源黑体 Regular" panose="020B0500000000000000" pitchFamily="34" charset="-128"/>
-              </a:rPr>
-              <a:t>一个监听周期结束</a:t>
-            </a:r>
-          </a:p>
-        </p:txBody>
-      </p:sp>
-      <p:sp>
-        <p:nvSpPr>
-          <p:cNvPr id="83" name="文本框 82">
-            <a:extLst>
-              <a:ext uri="{FF2B5EF4-FFF2-40B4-BE49-F238E27FC236}">
-                <a16:creationId xmlns:a16="http://schemas.microsoft.com/office/drawing/2014/main" id="{F506B11E-998E-4423-B069-96A71A4D4F95}"/>
+          <p:cNvPr id="32" name="文本框 31">
+            <a:extLst>
+              <a:ext uri="{FF2B5EF4-FFF2-40B4-BE49-F238E27FC236}">
+                <a16:creationId xmlns:a16="http://schemas.microsoft.com/office/drawing/2014/main" id="{2D40359B-A904-4B19-814F-4D12C74523A1}"/>
               </a:ext>
             </a:extLst>
           </p:cNvPr>
@@ -6330,8 +5717,8 @@
         </p:nvSpPr>
         <p:spPr>
           <a:xfrm>
-            <a:off x="4529094" y="185567"/>
-            <a:ext cx="1890943" cy="369332"/>
+            <a:off x="5007005" y="1163303"/>
+            <a:ext cx="1926454" cy="369332"/>
           </a:xfrm>
           <a:prstGeom prst="rect">
             <a:avLst/>
@@ -6346,37 +5733,1475 @@
           <a:p>
             <a:pPr algn="ctr"/>
             <a:r>
-              <a:rPr lang="zh-CN" altLang="en-US" dirty="0">
-                <a:latin typeface="等距更纱黑体 SC" panose="02000509000000000000" pitchFamily="49" charset="-122"/>
-                <a:ea typeface="等距更纱黑体 SC" panose="02000509000000000000" pitchFamily="49" charset="-122"/>
+              <a:rPr lang="en-US" altLang="zh-CN" dirty="0" err="1"/>
+              <a:t>Task_queue</a:t>
+            </a:r>
+            <a:endParaRPr lang="en-US" altLang="zh-CN" dirty="0"/>
+          </a:p>
+        </p:txBody>
+      </p:sp>
+      <p:sp>
+        <p:nvSpPr>
+          <p:cNvPr id="33" name="文本框 32">
+            <a:extLst>
+              <a:ext uri="{FF2B5EF4-FFF2-40B4-BE49-F238E27FC236}">
+                <a16:creationId xmlns:a16="http://schemas.microsoft.com/office/drawing/2014/main" id="{962F88E1-93E8-42D3-9381-78209846E9D2}"/>
+              </a:ext>
+            </a:extLst>
+          </p:cNvPr>
+          <p:cNvSpPr txBox="1"/>
+          <p:nvPr/>
+        </p:nvSpPr>
+        <p:spPr>
+          <a:xfrm>
+            <a:off x="7462431" y="1851293"/>
+            <a:ext cx="1244349" cy="276999"/>
+          </a:xfrm>
+          <a:prstGeom prst="rect">
+            <a:avLst/>
+          </a:prstGeom>
+          <a:noFill/>
+        </p:spPr>
+        <p:txBody>
+          <a:bodyPr wrap="square" rtlCol="0">
+            <a:spAutoFit/>
+          </a:bodyPr>
+          <a:lstStyle/>
+          <a:p>
+            <a:r>
+              <a:rPr lang="en-US" altLang="zh-CN" sz="1200" dirty="0"/>
+              <a:t>Patch</a:t>
+            </a:r>
+            <a:r>
+              <a:rPr lang="zh-CN" altLang="en-US" sz="1200" dirty="0"/>
+              <a:t>文件路径</a:t>
+            </a:r>
+          </a:p>
+        </p:txBody>
+      </p:sp>
+      <p:sp>
+        <p:nvSpPr>
+          <p:cNvPr id="34" name="文本框 33">
+            <a:extLst>
+              <a:ext uri="{FF2B5EF4-FFF2-40B4-BE49-F238E27FC236}">
+                <a16:creationId xmlns:a16="http://schemas.microsoft.com/office/drawing/2014/main" id="{B3AB3C5A-F398-4021-92D7-33555A94A132}"/>
+              </a:ext>
+            </a:extLst>
+          </p:cNvPr>
+          <p:cNvSpPr txBox="1"/>
+          <p:nvPr/>
+        </p:nvSpPr>
+        <p:spPr>
+          <a:xfrm>
+            <a:off x="3907655" y="3580658"/>
+            <a:ext cx="689498" cy="369332"/>
+          </a:xfrm>
+          <a:prstGeom prst="rect">
+            <a:avLst/>
+          </a:prstGeom>
+          <a:noFill/>
+        </p:spPr>
+        <p:txBody>
+          <a:bodyPr wrap="square" rtlCol="0">
+            <a:spAutoFit/>
+          </a:bodyPr>
+          <a:lstStyle/>
+          <a:p>
+            <a:r>
+              <a:rPr lang="en-US" altLang="zh-CN" dirty="0"/>
+              <a:t>msg</a:t>
+            </a:r>
+            <a:endParaRPr lang="zh-CN" altLang="en-US" dirty="0"/>
+          </a:p>
+        </p:txBody>
+      </p:sp>
+      <p:sp>
+        <p:nvSpPr>
+          <p:cNvPr id="35" name="文本框 34">
+            <a:extLst>
+              <a:ext uri="{FF2B5EF4-FFF2-40B4-BE49-F238E27FC236}">
+                <a16:creationId xmlns:a16="http://schemas.microsoft.com/office/drawing/2014/main" id="{B649B13A-CADB-4D6B-B27A-0A4078E95FE5}"/>
+              </a:ext>
+            </a:extLst>
+          </p:cNvPr>
+          <p:cNvSpPr txBox="1"/>
+          <p:nvPr/>
+        </p:nvSpPr>
+        <p:spPr>
+          <a:xfrm>
+            <a:off x="1802167" y="2895939"/>
+            <a:ext cx="1287262" cy="369332"/>
+          </a:xfrm>
+          <a:prstGeom prst="rect">
+            <a:avLst/>
+          </a:prstGeom>
+          <a:noFill/>
+        </p:spPr>
+        <p:txBody>
+          <a:bodyPr wrap="square" rtlCol="0">
+            <a:spAutoFit/>
+          </a:bodyPr>
+          <a:lstStyle/>
+          <a:p>
+            <a:pPr marL="0" marR="0" lvl="0" indent="0" algn="ctr" defTabSz="914400" rtl="0" eaLnBrk="1" fontAlgn="auto" latinLnBrk="0" hangingPunct="1">
+              <a:lnSpc>
+                <a:spcPct val="100000"/>
+              </a:lnSpc>
+              <a:spcBef>
+                <a:spcPts val="0"/>
+              </a:spcBef>
+              <a:spcAft>
+                <a:spcPts val="0"/>
+              </a:spcAft>
+              <a:buClrTx/>
+              <a:buSzTx/>
+              <a:buFontTx/>
+              <a:buNone/>
+              <a:tabLst/>
+              <a:defRPr/>
+            </a:pPr>
+            <a:r>
+              <a:rPr lang="en-US" altLang="zh-CN" noProof="0" dirty="0" err="1">
+                <a:solidFill>
+                  <a:srgbClr val="FFFF00"/>
+                </a:solidFill>
+                <a:latin typeface="文泉驿微米黑" panose="020B0606030804020204" pitchFamily="34" charset="-128"/>
+                <a:ea typeface="文泉驿微米黑" panose="020B0606030804020204" pitchFamily="34" charset="-128"/>
+                <a:cs typeface="文泉驿微米黑" panose="020B0606030804020204" pitchFamily="34" charset="-128"/>
               </a:rPr>
-              <a:t>生产环境</a:t>
-            </a:r>
+              <a:t>A_B_patch</a:t>
+            </a:r>
+            <a:endParaRPr kumimoji="0" lang="zh-CN" altLang="en-US" sz="1800" b="0" i="0" u="none" strike="noStrike" kern="1200" cap="none" spc="0" normalizeH="0" baseline="0" noProof="0" dirty="0">
+              <a:ln>
+                <a:noFill/>
+              </a:ln>
+              <a:solidFill>
+                <a:srgbClr val="FFFF00"/>
+              </a:solidFill>
+              <a:effectLst/>
+              <a:uLnTx/>
+              <a:uFillTx/>
+              <a:latin typeface="文泉驿微米黑" panose="020B0606030804020204" pitchFamily="34" charset="-128"/>
+              <a:ea typeface="文泉驿微米黑" panose="020B0606030804020204" pitchFamily="34" charset="-128"/>
+              <a:cs typeface="文泉驿微米黑" panose="020B0606030804020204" pitchFamily="34" charset="-128"/>
+            </a:endParaRPr>
           </a:p>
         </p:txBody>
       </p:sp>
     </p:spTree>
+    <p:custDataLst>
+      <p:tags r:id="rId1"/>
+    </p:custDataLst>
     <p:extLst>
       <p:ext uri="{BB962C8B-B14F-4D97-AF65-F5344CB8AC3E}">
-        <p14:creationId xmlns:p14="http://schemas.microsoft.com/office/powerpoint/2010/main" val="3620930744"/>
+        <p14:creationId xmlns:p14="http://schemas.microsoft.com/office/powerpoint/2010/main" val="728347217"/>
       </p:ext>
     </p:extLst>
   </p:cSld>
   <p:clrMapOvr>
     <a:masterClrMapping/>
   </p:clrMapOvr>
-  <mc:AlternateContent xmlns:mc="http://schemas.openxmlformats.org/markup-compatibility/2006">
-    <mc:Choice xmlns:p14="http://schemas.microsoft.com/office/powerpoint/2010/main" Requires="p14">
-      <p:transition spd="slow" p14:dur="2000">
-        <p14:prism isContent="1"/>
+  <mc:AlternateContent xmlns:mc="http://schemas.openxmlformats.org/markup-compatibility/2006" xmlns:p159="http://schemas.microsoft.com/office/powerpoint/2015/09/main">
+    <mc:Choice Requires="p159">
+      <p:transition xmlns:p14="http://schemas.microsoft.com/office/powerpoint/2010/main" spd="slow" p14:dur="2000" advTm="18343">
+        <p159:morph option="byObject"/>
       </p:transition>
     </mc:Choice>
-    <mc:Fallback>
-      <p:transition spd="slow">
+    <mc:Fallback xmlns="">
+      <p:transition spd="slow" advTm="18343">
         <p:fade/>
       </p:transition>
     </mc:Fallback>
   </mc:AlternateContent>
+  <p:timing>
+    <p:tnLst>
+      <p:par>
+        <p:cTn id="1" dur="indefinite" restart="never" nodeType="tmRoot">
+          <p:childTnLst>
+            <p:seq concurrent="1" nextAc="seek">
+              <p:cTn id="2" dur="indefinite" nodeType="mainSeq">
+                <p:childTnLst>
+                  <p:par>
+                    <p:cTn id="3" fill="hold">
+                      <p:stCondLst>
+                        <p:cond delay="indefinite"/>
+                      </p:stCondLst>
+                      <p:childTnLst>
+                        <p:par>
+                          <p:cTn id="4" fill="hold">
+                            <p:stCondLst>
+                              <p:cond delay="0"/>
+                            </p:stCondLst>
+                            <p:childTnLst>
+                              <p:par>
+                                <p:cTn id="5" presetID="42" presetClass="entr" presetSubtype="0" fill="hold" grpId="0" nodeType="clickEffect">
+                                  <p:stCondLst>
+                                    <p:cond delay="0"/>
+                                  </p:stCondLst>
+                                  <p:childTnLst>
+                                    <p:set>
+                                      <p:cBhvr>
+                                        <p:cTn id="6" dur="1" fill="hold">
+                                          <p:stCondLst>
+                                            <p:cond delay="0"/>
+                                          </p:stCondLst>
+                                        </p:cTn>
+                                        <p:tgtEl>
+                                          <p:spTgt spid="4"/>
+                                        </p:tgtEl>
+                                        <p:attrNameLst>
+                                          <p:attrName>style.visibility</p:attrName>
+                                        </p:attrNameLst>
+                                      </p:cBhvr>
+                                      <p:to>
+                                        <p:strVal val="visible"/>
+                                      </p:to>
+                                    </p:set>
+                                    <p:animEffect transition="in" filter="fade">
+                                      <p:cBhvr>
+                                        <p:cTn id="7" dur="1000"/>
+                                        <p:tgtEl>
+                                          <p:spTgt spid="4"/>
+                                        </p:tgtEl>
+                                      </p:cBhvr>
+                                    </p:animEffect>
+                                    <p:anim calcmode="lin" valueType="num">
+                                      <p:cBhvr>
+                                        <p:cTn id="8" dur="1000" fill="hold"/>
+                                        <p:tgtEl>
+                                          <p:spTgt spid="4"/>
+                                        </p:tgtEl>
+                                        <p:attrNameLst>
+                                          <p:attrName>ppt_x</p:attrName>
+                                        </p:attrNameLst>
+                                      </p:cBhvr>
+                                      <p:tavLst>
+                                        <p:tav tm="0">
+                                          <p:val>
+                                            <p:strVal val="#ppt_x"/>
+                                          </p:val>
+                                        </p:tav>
+                                        <p:tav tm="100000">
+                                          <p:val>
+                                            <p:strVal val="#ppt_x"/>
+                                          </p:val>
+                                        </p:tav>
+                                      </p:tavLst>
+                                    </p:anim>
+                                    <p:anim calcmode="lin" valueType="num">
+                                      <p:cBhvr>
+                                        <p:cTn id="9" dur="1000" fill="hold"/>
+                                        <p:tgtEl>
+                                          <p:spTgt spid="4"/>
+                                        </p:tgtEl>
+                                        <p:attrNameLst>
+                                          <p:attrName>ppt_y</p:attrName>
+                                        </p:attrNameLst>
+                                      </p:cBhvr>
+                                      <p:tavLst>
+                                        <p:tav tm="0">
+                                          <p:val>
+                                            <p:strVal val="#ppt_y+.1"/>
+                                          </p:val>
+                                        </p:tav>
+                                        <p:tav tm="100000">
+                                          <p:val>
+                                            <p:strVal val="#ppt_y"/>
+                                          </p:val>
+                                        </p:tav>
+                                      </p:tavLst>
+                                    </p:anim>
+                                  </p:childTnLst>
+                                </p:cTn>
+                              </p:par>
+                            </p:childTnLst>
+                          </p:cTn>
+                        </p:par>
+                      </p:childTnLst>
+                    </p:cTn>
+                  </p:par>
+                  <p:par>
+                    <p:cTn id="10" fill="hold">
+                      <p:stCondLst>
+                        <p:cond delay="indefinite"/>
+                      </p:stCondLst>
+                      <p:childTnLst>
+                        <p:par>
+                          <p:cTn id="11" fill="hold">
+                            <p:stCondLst>
+                              <p:cond delay="0"/>
+                            </p:stCondLst>
+                            <p:childTnLst>
+                              <p:par>
+                                <p:cTn id="12" presetID="1" presetClass="entr" presetSubtype="0" fill="hold" grpId="0" nodeType="clickEffect">
+                                  <p:stCondLst>
+                                    <p:cond delay="0"/>
+                                  </p:stCondLst>
+                                  <p:childTnLst>
+                                    <p:set>
+                                      <p:cBhvr>
+                                        <p:cTn id="13" dur="1" fill="hold">
+                                          <p:stCondLst>
+                                            <p:cond delay="0"/>
+                                          </p:stCondLst>
+                                        </p:cTn>
+                                        <p:tgtEl>
+                                          <p:spTgt spid="7"/>
+                                        </p:tgtEl>
+                                        <p:attrNameLst>
+                                          <p:attrName>style.visibility</p:attrName>
+                                        </p:attrNameLst>
+                                      </p:cBhvr>
+                                      <p:to>
+                                        <p:strVal val="visible"/>
+                                      </p:to>
+                                    </p:set>
+                                  </p:childTnLst>
+                                </p:cTn>
+                              </p:par>
+                            </p:childTnLst>
+                          </p:cTn>
+                        </p:par>
+                      </p:childTnLst>
+                    </p:cTn>
+                  </p:par>
+                  <p:par>
+                    <p:cTn id="14" fill="hold">
+                      <p:stCondLst>
+                        <p:cond delay="indefinite"/>
+                      </p:stCondLst>
+                      <p:childTnLst>
+                        <p:par>
+                          <p:cTn id="15" fill="hold">
+                            <p:stCondLst>
+                              <p:cond delay="0"/>
+                            </p:stCondLst>
+                            <p:childTnLst>
+                              <p:par>
+                                <p:cTn id="16" presetID="42" presetClass="entr" presetSubtype="0" fill="hold" grpId="0" nodeType="clickEffect">
+                                  <p:stCondLst>
+                                    <p:cond delay="0"/>
+                                  </p:stCondLst>
+                                  <p:childTnLst>
+                                    <p:set>
+                                      <p:cBhvr>
+                                        <p:cTn id="17" dur="1" fill="hold">
+                                          <p:stCondLst>
+                                            <p:cond delay="0"/>
+                                          </p:stCondLst>
+                                        </p:cTn>
+                                        <p:tgtEl>
+                                          <p:spTgt spid="5"/>
+                                        </p:tgtEl>
+                                        <p:attrNameLst>
+                                          <p:attrName>style.visibility</p:attrName>
+                                        </p:attrNameLst>
+                                      </p:cBhvr>
+                                      <p:to>
+                                        <p:strVal val="visible"/>
+                                      </p:to>
+                                    </p:set>
+                                    <p:animEffect transition="in" filter="fade">
+                                      <p:cBhvr>
+                                        <p:cTn id="18" dur="1000"/>
+                                        <p:tgtEl>
+                                          <p:spTgt spid="5"/>
+                                        </p:tgtEl>
+                                      </p:cBhvr>
+                                    </p:animEffect>
+                                    <p:anim calcmode="lin" valueType="num">
+                                      <p:cBhvr>
+                                        <p:cTn id="19" dur="1000" fill="hold"/>
+                                        <p:tgtEl>
+                                          <p:spTgt spid="5"/>
+                                        </p:tgtEl>
+                                        <p:attrNameLst>
+                                          <p:attrName>ppt_x</p:attrName>
+                                        </p:attrNameLst>
+                                      </p:cBhvr>
+                                      <p:tavLst>
+                                        <p:tav tm="0">
+                                          <p:val>
+                                            <p:strVal val="#ppt_x"/>
+                                          </p:val>
+                                        </p:tav>
+                                        <p:tav tm="100000">
+                                          <p:val>
+                                            <p:strVal val="#ppt_x"/>
+                                          </p:val>
+                                        </p:tav>
+                                      </p:tavLst>
+                                    </p:anim>
+                                    <p:anim calcmode="lin" valueType="num">
+                                      <p:cBhvr>
+                                        <p:cTn id="20" dur="1000" fill="hold"/>
+                                        <p:tgtEl>
+                                          <p:spTgt spid="5"/>
+                                        </p:tgtEl>
+                                        <p:attrNameLst>
+                                          <p:attrName>ppt_y</p:attrName>
+                                        </p:attrNameLst>
+                                      </p:cBhvr>
+                                      <p:tavLst>
+                                        <p:tav tm="0">
+                                          <p:val>
+                                            <p:strVal val="#ppt_y+.1"/>
+                                          </p:val>
+                                        </p:tav>
+                                        <p:tav tm="100000">
+                                          <p:val>
+                                            <p:strVal val="#ppt_y"/>
+                                          </p:val>
+                                        </p:tav>
+                                      </p:tavLst>
+                                    </p:anim>
+                                  </p:childTnLst>
+                                </p:cTn>
+                              </p:par>
+                            </p:childTnLst>
+                          </p:cTn>
+                        </p:par>
+                      </p:childTnLst>
+                    </p:cTn>
+                  </p:par>
+                  <p:par>
+                    <p:cTn id="21" fill="hold">
+                      <p:stCondLst>
+                        <p:cond delay="indefinite"/>
+                      </p:stCondLst>
+                      <p:childTnLst>
+                        <p:par>
+                          <p:cTn id="22" fill="hold">
+                            <p:stCondLst>
+                              <p:cond delay="0"/>
+                            </p:stCondLst>
+                            <p:childTnLst>
+                              <p:par>
+                                <p:cTn id="23" presetID="1" presetClass="entr" presetSubtype="0" fill="hold" grpId="0" nodeType="clickEffect">
+                                  <p:stCondLst>
+                                    <p:cond delay="0"/>
+                                  </p:stCondLst>
+                                  <p:childTnLst>
+                                    <p:set>
+                                      <p:cBhvr>
+                                        <p:cTn id="24" dur="1" fill="hold">
+                                          <p:stCondLst>
+                                            <p:cond delay="0"/>
+                                          </p:stCondLst>
+                                        </p:cTn>
+                                        <p:tgtEl>
+                                          <p:spTgt spid="8"/>
+                                        </p:tgtEl>
+                                        <p:attrNameLst>
+                                          <p:attrName>style.visibility</p:attrName>
+                                        </p:attrNameLst>
+                                      </p:cBhvr>
+                                      <p:to>
+                                        <p:strVal val="visible"/>
+                                      </p:to>
+                                    </p:set>
+                                  </p:childTnLst>
+                                </p:cTn>
+                              </p:par>
+                            </p:childTnLst>
+                          </p:cTn>
+                        </p:par>
+                      </p:childTnLst>
+                    </p:cTn>
+                  </p:par>
+                  <p:par>
+                    <p:cTn id="25" fill="hold">
+                      <p:stCondLst>
+                        <p:cond delay="indefinite"/>
+                      </p:stCondLst>
+                      <p:childTnLst>
+                        <p:par>
+                          <p:cTn id="26" fill="hold">
+                            <p:stCondLst>
+                              <p:cond delay="0"/>
+                            </p:stCondLst>
+                            <p:childTnLst>
+                              <p:par>
+                                <p:cTn id="27" presetID="10" presetClass="entr" presetSubtype="0" fill="hold" grpId="0" nodeType="clickEffect">
+                                  <p:stCondLst>
+                                    <p:cond delay="0"/>
+                                  </p:stCondLst>
+                                  <p:childTnLst>
+                                    <p:set>
+                                      <p:cBhvr>
+                                        <p:cTn id="28" dur="1" fill="hold">
+                                          <p:stCondLst>
+                                            <p:cond delay="0"/>
+                                          </p:stCondLst>
+                                        </p:cTn>
+                                        <p:tgtEl>
+                                          <p:spTgt spid="9"/>
+                                        </p:tgtEl>
+                                        <p:attrNameLst>
+                                          <p:attrName>style.visibility</p:attrName>
+                                        </p:attrNameLst>
+                                      </p:cBhvr>
+                                      <p:to>
+                                        <p:strVal val="visible"/>
+                                      </p:to>
+                                    </p:set>
+                                    <p:animEffect transition="in" filter="fade">
+                                      <p:cBhvr>
+                                        <p:cTn id="29" dur="500"/>
+                                        <p:tgtEl>
+                                          <p:spTgt spid="9"/>
+                                        </p:tgtEl>
+                                      </p:cBhvr>
+                                    </p:animEffect>
+                                  </p:childTnLst>
+                                </p:cTn>
+                              </p:par>
+                            </p:childTnLst>
+                          </p:cTn>
+                        </p:par>
+                      </p:childTnLst>
+                    </p:cTn>
+                  </p:par>
+                  <p:par>
+                    <p:cTn id="30" fill="hold">
+                      <p:stCondLst>
+                        <p:cond delay="indefinite"/>
+                      </p:stCondLst>
+                      <p:childTnLst>
+                        <p:par>
+                          <p:cTn id="31" fill="hold">
+                            <p:stCondLst>
+                              <p:cond delay="0"/>
+                            </p:stCondLst>
+                            <p:childTnLst>
+                              <p:par>
+                                <p:cTn id="32" presetID="10" presetClass="entr" presetSubtype="0" fill="hold" grpId="0" nodeType="clickEffect">
+                                  <p:stCondLst>
+                                    <p:cond delay="0"/>
+                                  </p:stCondLst>
+                                  <p:childTnLst>
+                                    <p:set>
+                                      <p:cBhvr>
+                                        <p:cTn id="33" dur="1" fill="hold">
+                                          <p:stCondLst>
+                                            <p:cond delay="0"/>
+                                          </p:stCondLst>
+                                        </p:cTn>
+                                        <p:tgtEl>
+                                          <p:spTgt spid="10"/>
+                                        </p:tgtEl>
+                                        <p:attrNameLst>
+                                          <p:attrName>style.visibility</p:attrName>
+                                        </p:attrNameLst>
+                                      </p:cBhvr>
+                                      <p:to>
+                                        <p:strVal val="visible"/>
+                                      </p:to>
+                                    </p:set>
+                                    <p:animEffect transition="in" filter="fade">
+                                      <p:cBhvr>
+                                        <p:cTn id="34" dur="500"/>
+                                        <p:tgtEl>
+                                          <p:spTgt spid="10"/>
+                                        </p:tgtEl>
+                                      </p:cBhvr>
+                                    </p:animEffect>
+                                  </p:childTnLst>
+                                </p:cTn>
+                              </p:par>
+                            </p:childTnLst>
+                          </p:cTn>
+                        </p:par>
+                      </p:childTnLst>
+                    </p:cTn>
+                  </p:par>
+                  <p:par>
+                    <p:cTn id="35" fill="hold">
+                      <p:stCondLst>
+                        <p:cond delay="indefinite"/>
+                      </p:stCondLst>
+                      <p:childTnLst>
+                        <p:par>
+                          <p:cTn id="36" fill="hold">
+                            <p:stCondLst>
+                              <p:cond delay="0"/>
+                            </p:stCondLst>
+                            <p:childTnLst>
+                              <p:par>
+                                <p:cTn id="37" presetID="2" presetClass="entr" presetSubtype="4" fill="hold" grpId="0" nodeType="clickEffect">
+                                  <p:stCondLst>
+                                    <p:cond delay="0"/>
+                                  </p:stCondLst>
+                                  <p:childTnLst>
+                                    <p:set>
+                                      <p:cBhvr>
+                                        <p:cTn id="38" dur="1" fill="hold">
+                                          <p:stCondLst>
+                                            <p:cond delay="0"/>
+                                          </p:stCondLst>
+                                        </p:cTn>
+                                        <p:tgtEl>
+                                          <p:spTgt spid="11"/>
+                                        </p:tgtEl>
+                                        <p:attrNameLst>
+                                          <p:attrName>style.visibility</p:attrName>
+                                        </p:attrNameLst>
+                                      </p:cBhvr>
+                                      <p:to>
+                                        <p:strVal val="visible"/>
+                                      </p:to>
+                                    </p:set>
+                                    <p:anim calcmode="lin" valueType="num">
+                                      <p:cBhvr additive="base">
+                                        <p:cTn id="39" dur="500" fill="hold"/>
+                                        <p:tgtEl>
+                                          <p:spTgt spid="11"/>
+                                        </p:tgtEl>
+                                        <p:attrNameLst>
+                                          <p:attrName>ppt_x</p:attrName>
+                                        </p:attrNameLst>
+                                      </p:cBhvr>
+                                      <p:tavLst>
+                                        <p:tav tm="0">
+                                          <p:val>
+                                            <p:strVal val="#ppt_x"/>
+                                          </p:val>
+                                        </p:tav>
+                                        <p:tav tm="100000">
+                                          <p:val>
+                                            <p:strVal val="#ppt_x"/>
+                                          </p:val>
+                                        </p:tav>
+                                      </p:tavLst>
+                                    </p:anim>
+                                    <p:anim calcmode="lin" valueType="num">
+                                      <p:cBhvr additive="base">
+                                        <p:cTn id="40" dur="500" fill="hold"/>
+                                        <p:tgtEl>
+                                          <p:spTgt spid="11"/>
+                                        </p:tgtEl>
+                                        <p:attrNameLst>
+                                          <p:attrName>ppt_y</p:attrName>
+                                        </p:attrNameLst>
+                                      </p:cBhvr>
+                                      <p:tavLst>
+                                        <p:tav tm="0">
+                                          <p:val>
+                                            <p:strVal val="1+#ppt_h/2"/>
+                                          </p:val>
+                                        </p:tav>
+                                        <p:tav tm="100000">
+                                          <p:val>
+                                            <p:strVal val="#ppt_y"/>
+                                          </p:val>
+                                        </p:tav>
+                                      </p:tavLst>
+                                    </p:anim>
+                                  </p:childTnLst>
+                                </p:cTn>
+                              </p:par>
+                            </p:childTnLst>
+                          </p:cTn>
+                        </p:par>
+                      </p:childTnLst>
+                    </p:cTn>
+                  </p:par>
+                  <p:par>
+                    <p:cTn id="41" fill="hold">
+                      <p:stCondLst>
+                        <p:cond delay="indefinite"/>
+                      </p:stCondLst>
+                      <p:childTnLst>
+                        <p:par>
+                          <p:cTn id="42" fill="hold">
+                            <p:stCondLst>
+                              <p:cond delay="0"/>
+                            </p:stCondLst>
+                            <p:childTnLst>
+                              <p:par>
+                                <p:cTn id="43" presetID="10" presetClass="entr" presetSubtype="0" fill="hold" grpId="1" nodeType="clickEffect">
+                                  <p:stCondLst>
+                                    <p:cond delay="0"/>
+                                  </p:stCondLst>
+                                  <p:childTnLst>
+                                    <p:set>
+                                      <p:cBhvr>
+                                        <p:cTn id="44" dur="1" fill="hold">
+                                          <p:stCondLst>
+                                            <p:cond delay="0"/>
+                                          </p:stCondLst>
+                                        </p:cTn>
+                                        <p:tgtEl>
+                                          <p:spTgt spid="35">
+                                            <p:txEl>
+                                              <p:pRg st="0" end="0"/>
+                                            </p:txEl>
+                                          </p:spTgt>
+                                        </p:tgtEl>
+                                        <p:attrNameLst>
+                                          <p:attrName>style.visibility</p:attrName>
+                                        </p:attrNameLst>
+                                      </p:cBhvr>
+                                      <p:to>
+                                        <p:strVal val="visible"/>
+                                      </p:to>
+                                    </p:set>
+                                    <p:animEffect transition="in" filter="fade">
+                                      <p:cBhvr>
+                                        <p:cTn id="45" dur="500"/>
+                                        <p:tgtEl>
+                                          <p:spTgt spid="35">
+                                            <p:txEl>
+                                              <p:pRg st="0" end="0"/>
+                                            </p:txEl>
+                                          </p:spTgt>
+                                        </p:tgtEl>
+                                      </p:cBhvr>
+                                    </p:animEffect>
+                                  </p:childTnLst>
+                                </p:cTn>
+                              </p:par>
+                            </p:childTnLst>
+                          </p:cTn>
+                        </p:par>
+                      </p:childTnLst>
+                    </p:cTn>
+                  </p:par>
+                  <p:par>
+                    <p:cTn id="46" fill="hold">
+                      <p:stCondLst>
+                        <p:cond delay="indefinite"/>
+                      </p:stCondLst>
+                      <p:childTnLst>
+                        <p:par>
+                          <p:cTn id="47" fill="hold">
+                            <p:stCondLst>
+                              <p:cond delay="0"/>
+                            </p:stCondLst>
+                            <p:childTnLst>
+                              <p:par>
+                                <p:cTn id="48" presetID="10" presetClass="entr" presetSubtype="0" fill="hold" grpId="0" nodeType="clickEffect">
+                                  <p:stCondLst>
+                                    <p:cond delay="0"/>
+                                  </p:stCondLst>
+                                  <p:childTnLst>
+                                    <p:set>
+                                      <p:cBhvr>
+                                        <p:cTn id="49" dur="1" fill="hold">
+                                          <p:stCondLst>
+                                            <p:cond delay="0"/>
+                                          </p:stCondLst>
+                                        </p:cTn>
+                                        <p:tgtEl>
+                                          <p:spTgt spid="32"/>
+                                        </p:tgtEl>
+                                        <p:attrNameLst>
+                                          <p:attrName>style.visibility</p:attrName>
+                                        </p:attrNameLst>
+                                      </p:cBhvr>
+                                      <p:to>
+                                        <p:strVal val="visible"/>
+                                      </p:to>
+                                    </p:set>
+                                    <p:animEffect transition="in" filter="fade">
+                                      <p:cBhvr>
+                                        <p:cTn id="50" dur="500"/>
+                                        <p:tgtEl>
+                                          <p:spTgt spid="32"/>
+                                        </p:tgtEl>
+                                      </p:cBhvr>
+                                    </p:animEffect>
+                                  </p:childTnLst>
+                                </p:cTn>
+                              </p:par>
+                            </p:childTnLst>
+                          </p:cTn>
+                        </p:par>
+                      </p:childTnLst>
+                    </p:cTn>
+                  </p:par>
+                  <p:par>
+                    <p:cTn id="51" fill="hold">
+                      <p:stCondLst>
+                        <p:cond delay="indefinite"/>
+                      </p:stCondLst>
+                      <p:childTnLst>
+                        <p:par>
+                          <p:cTn id="52" fill="hold">
+                            <p:stCondLst>
+                              <p:cond delay="0"/>
+                            </p:stCondLst>
+                            <p:childTnLst>
+                              <p:par>
+                                <p:cTn id="53" presetID="10" presetClass="entr" presetSubtype="0" fill="hold" grpId="0" nodeType="clickEffect">
+                                  <p:stCondLst>
+                                    <p:cond delay="0"/>
+                                  </p:stCondLst>
+                                  <p:childTnLst>
+                                    <p:set>
+                                      <p:cBhvr>
+                                        <p:cTn id="54" dur="1" fill="hold">
+                                          <p:stCondLst>
+                                            <p:cond delay="0"/>
+                                          </p:stCondLst>
+                                        </p:cTn>
+                                        <p:tgtEl>
+                                          <p:spTgt spid="14"/>
+                                        </p:tgtEl>
+                                        <p:attrNameLst>
+                                          <p:attrName>style.visibility</p:attrName>
+                                        </p:attrNameLst>
+                                      </p:cBhvr>
+                                      <p:to>
+                                        <p:strVal val="visible"/>
+                                      </p:to>
+                                    </p:set>
+                                    <p:animEffect transition="in" filter="fade">
+                                      <p:cBhvr>
+                                        <p:cTn id="55" dur="500"/>
+                                        <p:tgtEl>
+                                          <p:spTgt spid="14"/>
+                                        </p:tgtEl>
+                                      </p:cBhvr>
+                                    </p:animEffect>
+                                  </p:childTnLst>
+                                </p:cTn>
+                              </p:par>
+                              <p:par>
+                                <p:cTn id="56" presetID="10" presetClass="entr" presetSubtype="0" fill="hold" nodeType="withEffect">
+                                  <p:stCondLst>
+                                    <p:cond delay="0"/>
+                                  </p:stCondLst>
+                                  <p:childTnLst>
+                                    <p:set>
+                                      <p:cBhvr>
+                                        <p:cTn id="57" dur="1" fill="hold">
+                                          <p:stCondLst>
+                                            <p:cond delay="0"/>
+                                          </p:stCondLst>
+                                        </p:cTn>
+                                        <p:tgtEl>
+                                          <p:spTgt spid="16"/>
+                                        </p:tgtEl>
+                                        <p:attrNameLst>
+                                          <p:attrName>style.visibility</p:attrName>
+                                        </p:attrNameLst>
+                                      </p:cBhvr>
+                                      <p:to>
+                                        <p:strVal val="visible"/>
+                                      </p:to>
+                                    </p:set>
+                                    <p:animEffect transition="in" filter="fade">
+                                      <p:cBhvr>
+                                        <p:cTn id="58" dur="500"/>
+                                        <p:tgtEl>
+                                          <p:spTgt spid="16"/>
+                                        </p:tgtEl>
+                                      </p:cBhvr>
+                                    </p:animEffect>
+                                  </p:childTnLst>
+                                </p:cTn>
+                              </p:par>
+                              <p:par>
+                                <p:cTn id="59" presetID="10" presetClass="entr" presetSubtype="0" fill="hold" nodeType="withEffect">
+                                  <p:stCondLst>
+                                    <p:cond delay="0"/>
+                                  </p:stCondLst>
+                                  <p:childTnLst>
+                                    <p:set>
+                                      <p:cBhvr>
+                                        <p:cTn id="60" dur="1" fill="hold">
+                                          <p:stCondLst>
+                                            <p:cond delay="0"/>
+                                          </p:stCondLst>
+                                        </p:cTn>
+                                        <p:tgtEl>
+                                          <p:spTgt spid="19"/>
+                                        </p:tgtEl>
+                                        <p:attrNameLst>
+                                          <p:attrName>style.visibility</p:attrName>
+                                        </p:attrNameLst>
+                                      </p:cBhvr>
+                                      <p:to>
+                                        <p:strVal val="visible"/>
+                                      </p:to>
+                                    </p:set>
+                                    <p:animEffect transition="in" filter="fade">
+                                      <p:cBhvr>
+                                        <p:cTn id="61" dur="500"/>
+                                        <p:tgtEl>
+                                          <p:spTgt spid="19"/>
+                                        </p:tgtEl>
+                                      </p:cBhvr>
+                                    </p:animEffect>
+                                  </p:childTnLst>
+                                </p:cTn>
+                              </p:par>
+                              <p:par>
+                                <p:cTn id="62" presetID="10" presetClass="entr" presetSubtype="0" fill="hold" nodeType="withEffect">
+                                  <p:stCondLst>
+                                    <p:cond delay="0"/>
+                                  </p:stCondLst>
+                                  <p:childTnLst>
+                                    <p:set>
+                                      <p:cBhvr>
+                                        <p:cTn id="63" dur="1" fill="hold">
+                                          <p:stCondLst>
+                                            <p:cond delay="0"/>
+                                          </p:stCondLst>
+                                        </p:cTn>
+                                        <p:tgtEl>
+                                          <p:spTgt spid="20"/>
+                                        </p:tgtEl>
+                                        <p:attrNameLst>
+                                          <p:attrName>style.visibility</p:attrName>
+                                        </p:attrNameLst>
+                                      </p:cBhvr>
+                                      <p:to>
+                                        <p:strVal val="visible"/>
+                                      </p:to>
+                                    </p:set>
+                                    <p:animEffect transition="in" filter="fade">
+                                      <p:cBhvr>
+                                        <p:cTn id="64" dur="500"/>
+                                        <p:tgtEl>
+                                          <p:spTgt spid="20"/>
+                                        </p:tgtEl>
+                                      </p:cBhvr>
+                                    </p:animEffect>
+                                  </p:childTnLst>
+                                </p:cTn>
+                              </p:par>
+                              <p:par>
+                                <p:cTn id="65" presetID="10" presetClass="entr" presetSubtype="0" fill="hold" nodeType="withEffect">
+                                  <p:stCondLst>
+                                    <p:cond delay="0"/>
+                                  </p:stCondLst>
+                                  <p:childTnLst>
+                                    <p:set>
+                                      <p:cBhvr>
+                                        <p:cTn id="66" dur="1" fill="hold">
+                                          <p:stCondLst>
+                                            <p:cond delay="0"/>
+                                          </p:stCondLst>
+                                        </p:cTn>
+                                        <p:tgtEl>
+                                          <p:spTgt spid="21"/>
+                                        </p:tgtEl>
+                                        <p:attrNameLst>
+                                          <p:attrName>style.visibility</p:attrName>
+                                        </p:attrNameLst>
+                                      </p:cBhvr>
+                                      <p:to>
+                                        <p:strVal val="visible"/>
+                                      </p:to>
+                                    </p:set>
+                                    <p:animEffect transition="in" filter="fade">
+                                      <p:cBhvr>
+                                        <p:cTn id="67" dur="500"/>
+                                        <p:tgtEl>
+                                          <p:spTgt spid="21"/>
+                                        </p:tgtEl>
+                                      </p:cBhvr>
+                                    </p:animEffect>
+                                  </p:childTnLst>
+                                </p:cTn>
+                              </p:par>
+                            </p:childTnLst>
+                          </p:cTn>
+                        </p:par>
+                      </p:childTnLst>
+                    </p:cTn>
+                  </p:par>
+                  <p:par>
+                    <p:cTn id="68" fill="hold">
+                      <p:stCondLst>
+                        <p:cond delay="indefinite"/>
+                      </p:stCondLst>
+                      <p:childTnLst>
+                        <p:par>
+                          <p:cTn id="69" fill="hold">
+                            <p:stCondLst>
+                              <p:cond delay="0"/>
+                            </p:stCondLst>
+                            <p:childTnLst>
+                              <p:par>
+                                <p:cTn id="70" presetID="10" presetClass="entr" presetSubtype="0" fill="hold" grpId="0" nodeType="clickEffect">
+                                  <p:stCondLst>
+                                    <p:cond delay="0"/>
+                                  </p:stCondLst>
+                                  <p:childTnLst>
+                                    <p:set>
+                                      <p:cBhvr>
+                                        <p:cTn id="71" dur="1" fill="hold">
+                                          <p:stCondLst>
+                                            <p:cond delay="0"/>
+                                          </p:stCondLst>
+                                        </p:cTn>
+                                        <p:tgtEl>
+                                          <p:spTgt spid="33"/>
+                                        </p:tgtEl>
+                                        <p:attrNameLst>
+                                          <p:attrName>style.visibility</p:attrName>
+                                        </p:attrNameLst>
+                                      </p:cBhvr>
+                                      <p:to>
+                                        <p:strVal val="visible"/>
+                                      </p:to>
+                                    </p:set>
+                                    <p:animEffect transition="in" filter="fade">
+                                      <p:cBhvr>
+                                        <p:cTn id="72" dur="500"/>
+                                        <p:tgtEl>
+                                          <p:spTgt spid="33"/>
+                                        </p:tgtEl>
+                                      </p:cBhvr>
+                                    </p:animEffect>
+                                  </p:childTnLst>
+                                </p:cTn>
+                              </p:par>
+                            </p:childTnLst>
+                          </p:cTn>
+                        </p:par>
+                      </p:childTnLst>
+                    </p:cTn>
+                  </p:par>
+                  <p:par>
+                    <p:cTn id="73" fill="hold">
+                      <p:stCondLst>
+                        <p:cond delay="indefinite"/>
+                      </p:stCondLst>
+                      <p:childTnLst>
+                        <p:par>
+                          <p:cTn id="74" fill="hold">
+                            <p:stCondLst>
+                              <p:cond delay="0"/>
+                            </p:stCondLst>
+                            <p:childTnLst>
+                              <p:par>
+                                <p:cTn id="75" presetID="63" presetClass="path" presetSubtype="0" accel="50000" decel="50000" fill="hold" grpId="0" nodeType="clickEffect">
+                                  <p:stCondLst>
+                                    <p:cond delay="0"/>
+                                  </p:stCondLst>
+                                  <p:childTnLst>
+                                    <p:animMotion origin="layout" path="M -4.58333E-6 -2.59259E-6 L 0.6086 0.0007 " pathEditMode="relative" rAng="0" ptsTypes="AA">
+                                      <p:cBhvr>
+                                        <p:cTn id="76" dur="2000" fill="hold"/>
+                                        <p:tgtEl>
+                                          <p:spTgt spid="35">
+                                            <p:txEl>
+                                              <p:pRg st="0" end="0"/>
+                                            </p:txEl>
+                                          </p:spTgt>
+                                        </p:tgtEl>
+                                        <p:attrNameLst>
+                                          <p:attrName>ppt_x</p:attrName>
+                                          <p:attrName>ppt_y</p:attrName>
+                                        </p:attrNameLst>
+                                      </p:cBhvr>
+                                      <p:rCtr x="30430" y="23"/>
+                                    </p:animMotion>
+                                  </p:childTnLst>
+                                </p:cTn>
+                              </p:par>
+                            </p:childTnLst>
+                          </p:cTn>
+                        </p:par>
+                      </p:childTnLst>
+                    </p:cTn>
+                  </p:par>
+                  <p:par>
+                    <p:cTn id="77" fill="hold">
+                      <p:stCondLst>
+                        <p:cond delay="indefinite"/>
+                      </p:stCondLst>
+                      <p:childTnLst>
+                        <p:par>
+                          <p:cTn id="78" fill="hold">
+                            <p:stCondLst>
+                              <p:cond delay="0"/>
+                            </p:stCondLst>
+                            <p:childTnLst>
+                              <p:par>
+                                <p:cTn id="79" presetID="10" presetClass="entr" presetSubtype="0" fill="hold" grpId="0" nodeType="clickEffect">
+                                  <p:stCondLst>
+                                    <p:cond delay="0"/>
+                                  </p:stCondLst>
+                                  <p:childTnLst>
+                                    <p:set>
+                                      <p:cBhvr>
+                                        <p:cTn id="80" dur="1" fill="hold">
+                                          <p:stCondLst>
+                                            <p:cond delay="0"/>
+                                          </p:stCondLst>
+                                        </p:cTn>
+                                        <p:tgtEl>
+                                          <p:spTgt spid="12"/>
+                                        </p:tgtEl>
+                                        <p:attrNameLst>
+                                          <p:attrName>style.visibility</p:attrName>
+                                        </p:attrNameLst>
+                                      </p:cBhvr>
+                                      <p:to>
+                                        <p:strVal val="visible"/>
+                                      </p:to>
+                                    </p:set>
+                                    <p:animEffect transition="in" filter="fade">
+                                      <p:cBhvr>
+                                        <p:cTn id="81" dur="500"/>
+                                        <p:tgtEl>
+                                          <p:spTgt spid="12"/>
+                                        </p:tgtEl>
+                                      </p:cBhvr>
+                                    </p:animEffect>
+                                  </p:childTnLst>
+                                </p:cTn>
+                              </p:par>
+                            </p:childTnLst>
+                          </p:cTn>
+                        </p:par>
+                      </p:childTnLst>
+                    </p:cTn>
+                  </p:par>
+                  <p:par>
+                    <p:cTn id="82" fill="hold">
+                      <p:stCondLst>
+                        <p:cond delay="indefinite"/>
+                      </p:stCondLst>
+                      <p:childTnLst>
+                        <p:par>
+                          <p:cTn id="83" fill="hold">
+                            <p:stCondLst>
+                              <p:cond delay="0"/>
+                            </p:stCondLst>
+                            <p:childTnLst>
+                              <p:par>
+                                <p:cTn id="84" presetID="10" presetClass="entr" presetSubtype="0" fill="hold" grpId="0" nodeType="clickEffect">
+                                  <p:stCondLst>
+                                    <p:cond delay="0"/>
+                                  </p:stCondLst>
+                                  <p:childTnLst>
+                                    <p:set>
+                                      <p:cBhvr>
+                                        <p:cTn id="85" dur="1" fill="hold">
+                                          <p:stCondLst>
+                                            <p:cond delay="0"/>
+                                          </p:stCondLst>
+                                        </p:cTn>
+                                        <p:tgtEl>
+                                          <p:spTgt spid="26"/>
+                                        </p:tgtEl>
+                                        <p:attrNameLst>
+                                          <p:attrName>style.visibility</p:attrName>
+                                        </p:attrNameLst>
+                                      </p:cBhvr>
+                                      <p:to>
+                                        <p:strVal val="visible"/>
+                                      </p:to>
+                                    </p:set>
+                                    <p:animEffect transition="in" filter="fade">
+                                      <p:cBhvr>
+                                        <p:cTn id="86" dur="500"/>
+                                        <p:tgtEl>
+                                          <p:spTgt spid="26"/>
+                                        </p:tgtEl>
+                                      </p:cBhvr>
+                                    </p:animEffect>
+                                  </p:childTnLst>
+                                </p:cTn>
+                              </p:par>
+                            </p:childTnLst>
+                          </p:cTn>
+                        </p:par>
+                      </p:childTnLst>
+                    </p:cTn>
+                  </p:par>
+                  <p:par>
+                    <p:cTn id="87" fill="hold">
+                      <p:stCondLst>
+                        <p:cond delay="indefinite"/>
+                      </p:stCondLst>
+                      <p:childTnLst>
+                        <p:par>
+                          <p:cTn id="88" fill="hold">
+                            <p:stCondLst>
+                              <p:cond delay="0"/>
+                            </p:stCondLst>
+                            <p:childTnLst>
+                              <p:par>
+                                <p:cTn id="89" presetID="10" presetClass="entr" presetSubtype="0" fill="hold" grpId="0" nodeType="clickEffect">
+                                  <p:stCondLst>
+                                    <p:cond delay="0"/>
+                                  </p:stCondLst>
+                                  <p:childTnLst>
+                                    <p:set>
+                                      <p:cBhvr>
+                                        <p:cTn id="90" dur="1" fill="hold">
+                                          <p:stCondLst>
+                                            <p:cond delay="0"/>
+                                          </p:stCondLst>
+                                        </p:cTn>
+                                        <p:tgtEl>
+                                          <p:spTgt spid="27"/>
+                                        </p:tgtEl>
+                                        <p:attrNameLst>
+                                          <p:attrName>style.visibility</p:attrName>
+                                        </p:attrNameLst>
+                                      </p:cBhvr>
+                                      <p:to>
+                                        <p:strVal val="visible"/>
+                                      </p:to>
+                                    </p:set>
+                                    <p:animEffect transition="in" filter="fade">
+                                      <p:cBhvr>
+                                        <p:cTn id="91" dur="500"/>
+                                        <p:tgtEl>
+                                          <p:spTgt spid="27"/>
+                                        </p:tgtEl>
+                                      </p:cBhvr>
+                                    </p:animEffect>
+                                  </p:childTnLst>
+                                </p:cTn>
+                              </p:par>
+                              <p:par>
+                                <p:cTn id="92" presetID="10" presetClass="entr" presetSubtype="0" fill="hold" nodeType="withEffect">
+                                  <p:stCondLst>
+                                    <p:cond delay="0"/>
+                                  </p:stCondLst>
+                                  <p:childTnLst>
+                                    <p:set>
+                                      <p:cBhvr>
+                                        <p:cTn id="93" dur="1" fill="hold">
+                                          <p:stCondLst>
+                                            <p:cond delay="0"/>
+                                          </p:stCondLst>
+                                        </p:cTn>
+                                        <p:tgtEl>
+                                          <p:spTgt spid="28"/>
+                                        </p:tgtEl>
+                                        <p:attrNameLst>
+                                          <p:attrName>style.visibility</p:attrName>
+                                        </p:attrNameLst>
+                                      </p:cBhvr>
+                                      <p:to>
+                                        <p:strVal val="visible"/>
+                                      </p:to>
+                                    </p:set>
+                                    <p:animEffect transition="in" filter="fade">
+                                      <p:cBhvr>
+                                        <p:cTn id="94" dur="500"/>
+                                        <p:tgtEl>
+                                          <p:spTgt spid="28"/>
+                                        </p:tgtEl>
+                                      </p:cBhvr>
+                                    </p:animEffect>
+                                  </p:childTnLst>
+                                </p:cTn>
+                              </p:par>
+                              <p:par>
+                                <p:cTn id="95" presetID="10" presetClass="entr" presetSubtype="0" fill="hold" nodeType="withEffect">
+                                  <p:stCondLst>
+                                    <p:cond delay="0"/>
+                                  </p:stCondLst>
+                                  <p:childTnLst>
+                                    <p:set>
+                                      <p:cBhvr>
+                                        <p:cTn id="96" dur="1" fill="hold">
+                                          <p:stCondLst>
+                                            <p:cond delay="0"/>
+                                          </p:stCondLst>
+                                        </p:cTn>
+                                        <p:tgtEl>
+                                          <p:spTgt spid="29"/>
+                                        </p:tgtEl>
+                                        <p:attrNameLst>
+                                          <p:attrName>style.visibility</p:attrName>
+                                        </p:attrNameLst>
+                                      </p:cBhvr>
+                                      <p:to>
+                                        <p:strVal val="visible"/>
+                                      </p:to>
+                                    </p:set>
+                                    <p:animEffect transition="in" filter="fade">
+                                      <p:cBhvr>
+                                        <p:cTn id="97" dur="500"/>
+                                        <p:tgtEl>
+                                          <p:spTgt spid="29"/>
+                                        </p:tgtEl>
+                                      </p:cBhvr>
+                                    </p:animEffect>
+                                  </p:childTnLst>
+                                </p:cTn>
+                              </p:par>
+                              <p:par>
+                                <p:cTn id="98" presetID="10" presetClass="entr" presetSubtype="0" fill="hold" nodeType="withEffect">
+                                  <p:stCondLst>
+                                    <p:cond delay="0"/>
+                                  </p:stCondLst>
+                                  <p:childTnLst>
+                                    <p:set>
+                                      <p:cBhvr>
+                                        <p:cTn id="99" dur="1" fill="hold">
+                                          <p:stCondLst>
+                                            <p:cond delay="0"/>
+                                          </p:stCondLst>
+                                        </p:cTn>
+                                        <p:tgtEl>
+                                          <p:spTgt spid="31"/>
+                                        </p:tgtEl>
+                                        <p:attrNameLst>
+                                          <p:attrName>style.visibility</p:attrName>
+                                        </p:attrNameLst>
+                                      </p:cBhvr>
+                                      <p:to>
+                                        <p:strVal val="visible"/>
+                                      </p:to>
+                                    </p:set>
+                                    <p:animEffect transition="in" filter="fade">
+                                      <p:cBhvr>
+                                        <p:cTn id="100" dur="500"/>
+                                        <p:tgtEl>
+                                          <p:spTgt spid="31"/>
+                                        </p:tgtEl>
+                                      </p:cBhvr>
+                                    </p:animEffect>
+                                  </p:childTnLst>
+                                </p:cTn>
+                              </p:par>
+                              <p:par>
+                                <p:cTn id="101" presetID="10" presetClass="entr" presetSubtype="0" fill="hold" nodeType="withEffect">
+                                  <p:stCondLst>
+                                    <p:cond delay="0"/>
+                                  </p:stCondLst>
+                                  <p:childTnLst>
+                                    <p:set>
+                                      <p:cBhvr>
+                                        <p:cTn id="102" dur="1" fill="hold">
+                                          <p:stCondLst>
+                                            <p:cond delay="0"/>
+                                          </p:stCondLst>
+                                        </p:cTn>
+                                        <p:tgtEl>
+                                          <p:spTgt spid="30"/>
+                                        </p:tgtEl>
+                                        <p:attrNameLst>
+                                          <p:attrName>style.visibility</p:attrName>
+                                        </p:attrNameLst>
+                                      </p:cBhvr>
+                                      <p:to>
+                                        <p:strVal val="visible"/>
+                                      </p:to>
+                                    </p:set>
+                                    <p:animEffect transition="in" filter="fade">
+                                      <p:cBhvr>
+                                        <p:cTn id="103" dur="500"/>
+                                        <p:tgtEl>
+                                          <p:spTgt spid="30"/>
+                                        </p:tgtEl>
+                                      </p:cBhvr>
+                                    </p:animEffect>
+                                  </p:childTnLst>
+                                </p:cTn>
+                              </p:par>
+                            </p:childTnLst>
+                          </p:cTn>
+                        </p:par>
+                      </p:childTnLst>
+                    </p:cTn>
+                  </p:par>
+                  <p:par>
+                    <p:cTn id="104" fill="hold">
+                      <p:stCondLst>
+                        <p:cond delay="indefinite"/>
+                      </p:stCondLst>
+                      <p:childTnLst>
+                        <p:par>
+                          <p:cTn id="105" fill="hold">
+                            <p:stCondLst>
+                              <p:cond delay="0"/>
+                            </p:stCondLst>
+                            <p:childTnLst>
+                              <p:par>
+                                <p:cTn id="106" presetID="10" presetClass="entr" presetSubtype="0" fill="hold" grpId="0" nodeType="clickEffect">
+                                  <p:stCondLst>
+                                    <p:cond delay="0"/>
+                                  </p:stCondLst>
+                                  <p:childTnLst>
+                                    <p:set>
+                                      <p:cBhvr>
+                                        <p:cTn id="107" dur="1" fill="hold">
+                                          <p:stCondLst>
+                                            <p:cond delay="0"/>
+                                          </p:stCondLst>
+                                        </p:cTn>
+                                        <p:tgtEl>
+                                          <p:spTgt spid="34"/>
+                                        </p:tgtEl>
+                                        <p:attrNameLst>
+                                          <p:attrName>style.visibility</p:attrName>
+                                        </p:attrNameLst>
+                                      </p:cBhvr>
+                                      <p:to>
+                                        <p:strVal val="visible"/>
+                                      </p:to>
+                                    </p:set>
+                                    <p:animEffect transition="in" filter="fade">
+                                      <p:cBhvr>
+                                        <p:cTn id="108" dur="500"/>
+                                        <p:tgtEl>
+                                          <p:spTgt spid="34"/>
+                                        </p:tgtEl>
+                                      </p:cBhvr>
+                                    </p:animEffect>
+                                  </p:childTnLst>
+                                </p:cTn>
+                              </p:par>
+                            </p:childTnLst>
+                          </p:cTn>
+                        </p:par>
+                      </p:childTnLst>
+                    </p:cTn>
+                  </p:par>
+                </p:childTnLst>
+              </p:cTn>
+              <p:prevCondLst>
+                <p:cond evt="onPrev" delay="0">
+                  <p:tgtEl>
+                    <p:sldTgt/>
+                  </p:tgtEl>
+                </p:cond>
+              </p:prevCondLst>
+              <p:nextCondLst>
+                <p:cond evt="onNext" delay="0">
+                  <p:tgtEl>
+                    <p:sldTgt/>
+                  </p:tgtEl>
+                </p:cond>
+              </p:nextCondLst>
+            </p:seq>
+          </p:childTnLst>
+        </p:cTn>
+      </p:par>
+    </p:tnLst>
+    <p:bldLst>
+      <p:bldP spid="4" grpId="0" animBg="1"/>
+      <p:bldP spid="5" grpId="0" animBg="1"/>
+      <p:bldP spid="7" grpId="0"/>
+      <p:bldP spid="8" grpId="0"/>
+      <p:bldP spid="9" grpId="0"/>
+      <p:bldP spid="10" grpId="0"/>
+      <p:bldP spid="11" grpId="0"/>
+      <p:bldP spid="12" grpId="0"/>
+      <p:bldP spid="14" grpId="0" animBg="1"/>
+      <p:bldP spid="26" grpId="0"/>
+      <p:bldP spid="27" grpId="0" animBg="1"/>
+      <p:bldP spid="32" grpId="0"/>
+      <p:bldP spid="33" grpId="0"/>
+      <p:bldP spid="34" grpId="0"/>
+      <p:bldP spid="35" grpId="0" build="p"/>
+      <p:bldP spid="35" grpId="1" build="allAtOnce"/>
+    </p:bldLst>
+  </p:timing>
 </p:sld>
 </file>
 
@@ -6436,37 +7261,14 @@
           <a:bodyPr rtlCol="0" anchor="ctr"/>
           <a:lstStyle/>
           <a:p>
-            <a:pPr marL="0" marR="0" lvl="0" indent="0" algn="ctr" defTabSz="914400" rtl="0" eaLnBrk="1" fontAlgn="auto" latinLnBrk="0" hangingPunct="1">
-              <a:lnSpc>
-                <a:spcPct val="100000"/>
-              </a:lnSpc>
-              <a:spcBef>
-                <a:spcPts val="0"/>
-              </a:spcBef>
-              <a:spcAft>
-                <a:spcPts val="0"/>
-              </a:spcAft>
-              <a:buClrTx/>
-              <a:buSzTx/>
-              <a:buFontTx/>
-              <a:buNone/>
-              <a:tabLst/>
-              <a:defRPr/>
-            </a:pPr>
-            <a:r>
-              <a:rPr kumimoji="0" lang="zh-CN" altLang="en-US" sz="1400" b="0" i="0" u="none" strike="noStrike" kern="1200" cap="none" spc="0" normalizeH="0" baseline="0" noProof="0" dirty="0">
-                <a:ln>
-                  <a:noFill/>
-                </a:ln>
+            <a:pPr lvl="0" algn="ctr"/>
+            <a:r>
+              <a:rPr lang="zh-CN" altLang="en-US" sz="1400" dirty="0">
                 <a:solidFill>
                   <a:prstClr val="black"/>
                 </a:solidFill>
-                <a:effectLst/>
-                <a:uLnTx/>
-                <a:uFillTx/>
                 <a:latin typeface="思源黑体 Regular" panose="020B0500000000000000" pitchFamily="34" charset="-128"/>
                 <a:ea typeface="思源黑体 Regular" panose="020B0500000000000000" pitchFamily="34" charset="-128"/>
-                <a:cs typeface="+mn-cs"/>
               </a:rPr>
               <a:t>初始化</a:t>
             </a:r>
@@ -6517,10 +7319,10 @@
       </p:cxnSp>
       <p:sp>
         <p:nvSpPr>
-          <p:cNvPr id="19" name="流程图: 决策 18">
-            <a:extLst>
-              <a:ext uri="{FF2B5EF4-FFF2-40B4-BE49-F238E27FC236}">
-                <a16:creationId xmlns:a16="http://schemas.microsoft.com/office/drawing/2014/main" id="{B4926D99-66E5-4296-8B29-9F14204E7E1B}"/>
+          <p:cNvPr id="18" name="流程图: 过程 17">
+            <a:extLst>
+              <a:ext uri="{FF2B5EF4-FFF2-40B4-BE49-F238E27FC236}">
+                <a16:creationId xmlns:a16="http://schemas.microsoft.com/office/drawing/2014/main" id="{DDC19DB7-E385-4C39-AD78-BA8DF6932E30}"/>
               </a:ext>
             </a:extLst>
           </p:cNvPr>
@@ -6529,10 +7331,10 @@
         </p:nvSpPr>
         <p:spPr>
           <a:xfrm>
-            <a:off x="443881" y="1473871"/>
-            <a:ext cx="1890943" cy="1020932"/>
-          </a:xfrm>
-          <a:prstGeom prst="flowChartDecision">
+            <a:off x="790111" y="3604334"/>
+            <a:ext cx="1269506" cy="932155"/>
+          </a:xfrm>
+          <a:prstGeom prst="flowChartProcess">
             <a:avLst/>
           </a:prstGeom>
         </p:spPr>
@@ -6554,73 +7356,81 @@
           <a:bodyPr rtlCol="0" anchor="ctr"/>
           <a:lstStyle/>
           <a:p>
-            <a:pPr marL="0" marR="0" lvl="0" indent="0" algn="ctr" defTabSz="914400" rtl="0" eaLnBrk="1" fontAlgn="auto" latinLnBrk="0" hangingPunct="1">
-              <a:lnSpc>
-                <a:spcPct val="100000"/>
-              </a:lnSpc>
-              <a:spcBef>
-                <a:spcPts val="0"/>
-              </a:spcBef>
-              <a:spcAft>
-                <a:spcPts val="0"/>
-              </a:spcAft>
-              <a:buClrTx/>
-              <a:buSzTx/>
-              <a:buFontTx/>
-              <a:buNone/>
-              <a:tabLst/>
-              <a:defRPr/>
-            </a:pPr>
-            <a:r>
-              <a:rPr lang="en-US" altLang="zh-CN" sz="1600" dirty="0" err="1">
-                <a:solidFill>
-                  <a:prstClr val="black"/>
-                </a:solidFill>
+            <a:pPr algn="ctr"/>
+            <a:r>
+              <a:rPr lang="en-US" altLang="zh-CN" sz="1600" dirty="0">
                 <a:latin typeface="思源黑体 Regular" panose="020B0500000000000000" pitchFamily="34" charset="-128"/>
                 <a:ea typeface="思源黑体 Regular" panose="020B0500000000000000" pitchFamily="34" charset="-128"/>
               </a:rPr>
-              <a:t>task_queue</a:t>
+              <a:t>Fork</a:t>
             </a:r>
             <a:r>
               <a:rPr lang="zh-CN" altLang="en-US" sz="1600" dirty="0">
-                <a:solidFill>
-                  <a:prstClr val="black"/>
-                </a:solidFill>
                 <a:latin typeface="思源黑体 Regular" panose="020B0500000000000000" pitchFamily="34" charset="-128"/>
                 <a:ea typeface="思源黑体 Regular" panose="020B0500000000000000" pitchFamily="34" charset="-128"/>
               </a:rPr>
-              <a:t>有消息</a:t>
-            </a:r>
-            <a:r>
-              <a:rPr kumimoji="0" lang="en-US" altLang="zh-CN" sz="1600" b="0" i="0" u="none" strike="noStrike" kern="1200" cap="none" spc="0" normalizeH="0" baseline="0" noProof="0" dirty="0">
-                <a:ln>
-                  <a:noFill/>
-                </a:ln>
-                <a:solidFill>
-                  <a:prstClr val="black"/>
-                </a:solidFill>
-                <a:effectLst/>
-                <a:uLnTx/>
-                <a:uFillTx/>
+              <a:t>子线程并监听目录</a:t>
+            </a:r>
+          </a:p>
+        </p:txBody>
+      </p:sp>
+      <p:sp>
+        <p:nvSpPr>
+          <p:cNvPr id="19" name="流程图: 决策 18">
+            <a:extLst>
+              <a:ext uri="{FF2B5EF4-FFF2-40B4-BE49-F238E27FC236}">
+                <a16:creationId xmlns:a16="http://schemas.microsoft.com/office/drawing/2014/main" id="{B4926D99-66E5-4296-8B29-9F14204E7E1B}"/>
+              </a:ext>
+            </a:extLst>
+          </p:cNvPr>
+          <p:cNvSpPr/>
+          <p:nvPr/>
+        </p:nvSpPr>
+        <p:spPr>
+          <a:xfrm>
+            <a:off x="443881" y="1473871"/>
+            <a:ext cx="1890943" cy="1020932"/>
+          </a:xfrm>
+          <a:prstGeom prst="flowChartDecision">
+            <a:avLst/>
+          </a:prstGeom>
+        </p:spPr>
+        <p:style>
+          <a:lnRef idx="1">
+            <a:schemeClr val="accent2"/>
+          </a:lnRef>
+          <a:fillRef idx="2">
+            <a:schemeClr val="accent2"/>
+          </a:fillRef>
+          <a:effectRef idx="1">
+            <a:schemeClr val="accent2"/>
+          </a:effectRef>
+          <a:fontRef idx="minor">
+            <a:schemeClr val="dk1"/>
+          </a:fontRef>
+        </p:style>
+        <p:txBody>
+          <a:bodyPr rtlCol="0" anchor="ctr"/>
+          <a:lstStyle/>
+          <a:p>
+            <a:pPr algn="ctr"/>
+            <a:r>
+              <a:rPr lang="zh-CN" altLang="en-US" sz="1600" dirty="0">
                 <a:latin typeface="思源黑体 Regular" panose="020B0500000000000000" pitchFamily="34" charset="-128"/>
                 <a:ea typeface="思源黑体 Regular" panose="020B0500000000000000" pitchFamily="34" charset="-128"/>
-                <a:cs typeface="+mn-cs"/>
+              </a:rPr>
+              <a:t>子线程</a:t>
+            </a:r>
+            <a:r>
+              <a:rPr lang="en-US" altLang="zh-CN" sz="1600" dirty="0">
+                <a:latin typeface="思源黑体 Regular" panose="020B0500000000000000" pitchFamily="34" charset="-128"/>
+                <a:ea typeface="思源黑体 Regular" panose="020B0500000000000000" pitchFamily="34" charset="-128"/>
               </a:rPr>
               <a:t>?</a:t>
             </a:r>
-            <a:endParaRPr kumimoji="0" lang="zh-CN" altLang="en-US" sz="1600" b="0" i="0" u="none" strike="noStrike" kern="1200" cap="none" spc="0" normalizeH="0" baseline="0" noProof="0" dirty="0">
-              <a:ln>
-                <a:noFill/>
-              </a:ln>
-              <a:solidFill>
-                <a:prstClr val="black"/>
-              </a:solidFill>
-              <a:effectLst/>
-              <a:uLnTx/>
-              <a:uFillTx/>
+            <a:endParaRPr lang="zh-CN" altLang="en-US" sz="1600" dirty="0">
               <a:latin typeface="思源黑体 Regular" panose="020B0500000000000000" pitchFamily="34" charset="-128"/>
               <a:ea typeface="思源黑体 Regular" panose="020B0500000000000000" pitchFamily="34" charset="-128"/>
-              <a:cs typeface="+mn-cs"/>
             </a:endParaRPr>
           </a:p>
         </p:txBody>
@@ -6666,6 +7476,47 @@
           </a:fontRef>
         </p:style>
       </p:cxnSp>
+      <p:cxnSp>
+        <p:nvCxnSpPr>
+          <p:cNvPr id="23" name="直接箭头连接符 22">
+            <a:extLst>
+              <a:ext uri="{FF2B5EF4-FFF2-40B4-BE49-F238E27FC236}">
+                <a16:creationId xmlns:a16="http://schemas.microsoft.com/office/drawing/2014/main" id="{C3CC6091-1721-4B68-A6CD-84EF77AB12AA}"/>
+              </a:ext>
+            </a:extLst>
+          </p:cNvPr>
+          <p:cNvCxnSpPr>
+            <a:stCxn id="19" idx="2"/>
+          </p:cNvCxnSpPr>
+          <p:nvPr/>
+        </p:nvCxnSpPr>
+        <p:spPr>
+          <a:xfrm flipH="1">
+            <a:off x="1389352" y="2494803"/>
+            <a:ext cx="1" cy="1109531"/>
+          </a:xfrm>
+          <a:prstGeom prst="straightConnector1">
+            <a:avLst/>
+          </a:prstGeom>
+          <a:ln>
+            <a:tailEnd type="triangle"/>
+          </a:ln>
+        </p:spPr>
+        <p:style>
+          <a:lnRef idx="1">
+            <a:schemeClr val="accent2"/>
+          </a:lnRef>
+          <a:fillRef idx="0">
+            <a:schemeClr val="accent2"/>
+          </a:fillRef>
+          <a:effectRef idx="0">
+            <a:schemeClr val="accent2"/>
+          </a:effectRef>
+          <a:fontRef idx="minor">
+            <a:schemeClr val="tx1"/>
+          </a:fontRef>
+        </p:style>
+      </p:cxnSp>
       <p:sp>
         <p:nvSpPr>
           <p:cNvPr id="24" name="文本框 23">
@@ -6694,54 +7545,12 @@
           </a:bodyPr>
           <a:lstStyle/>
           <a:p>
-            <a:pPr marL="0" marR="0" lvl="0" indent="0" algn="ctr" defTabSz="914400" rtl="0" eaLnBrk="1" fontAlgn="auto" latinLnBrk="0" hangingPunct="1">
-              <a:lnSpc>
-                <a:spcPct val="100000"/>
-              </a:lnSpc>
-              <a:spcBef>
-                <a:spcPts val="0"/>
-              </a:spcBef>
-              <a:spcAft>
-                <a:spcPts val="0"/>
-              </a:spcAft>
-              <a:buClrTx/>
-              <a:buSzTx/>
-              <a:buFontTx/>
-              <a:buNone/>
-              <a:tabLst/>
-              <a:defRPr/>
-            </a:pPr>
-            <a:r>
-              <a:rPr kumimoji="0" lang="en-US" altLang="zh-CN" sz="1800" b="0" i="0" u="none" strike="noStrike" kern="1200" cap="none" spc="0" normalizeH="0" baseline="0" noProof="0" dirty="0">
-                <a:ln>
-                  <a:noFill/>
-                </a:ln>
-                <a:solidFill>
-                  <a:prstClr val="black"/>
-                </a:solidFill>
-                <a:effectLst/>
-                <a:uLnTx/>
-                <a:uFillTx/>
-                <a:latin typeface="等线" panose="020F0502020204030204"/>
-                <a:ea typeface="等线" panose="02010600030101010101" pitchFamily="2" charset="-122"/>
-                <a:cs typeface="+mn-cs"/>
-              </a:rPr>
+            <a:pPr algn="ctr"/>
+            <a:r>
+              <a:rPr lang="en-US" altLang="zh-CN" dirty="0"/>
               <a:t>Y</a:t>
             </a:r>
-            <a:endParaRPr kumimoji="0" lang="zh-CN" altLang="en-US" sz="1800" b="0" i="0" u="none" strike="noStrike" kern="1200" cap="none" spc="0" normalizeH="0" baseline="0" noProof="0" dirty="0">
-              <a:ln>
-                <a:noFill/>
-              </a:ln>
-              <a:solidFill>
-                <a:prstClr val="black"/>
-              </a:solidFill>
-              <a:effectLst/>
-              <a:uLnTx/>
-              <a:uFillTx/>
-              <a:latin typeface="等线" panose="020F0502020204030204"/>
-              <a:ea typeface="等线" panose="02010600030101010101" pitchFamily="2" charset="-122"/>
-              <a:cs typeface="+mn-cs"/>
-            </a:endParaRPr>
+            <a:endParaRPr lang="zh-CN" altLang="en-US" dirty="0"/>
           </a:p>
         </p:txBody>
       </p:sp>
@@ -6759,7 +7568,7 @@
         </p:nvSpPr>
         <p:spPr>
           <a:xfrm>
-            <a:off x="572608" y="2409587"/>
+            <a:off x="1389352" y="2782774"/>
             <a:ext cx="435003" cy="369332"/>
           </a:xfrm>
           <a:prstGeom prst="rect">
@@ -6773,63 +7582,20 @@
           </a:bodyPr>
           <a:lstStyle/>
           <a:p>
-            <a:pPr marL="0" marR="0" lvl="0" indent="0" algn="l" defTabSz="914400" rtl="0" eaLnBrk="1" fontAlgn="auto" latinLnBrk="0" hangingPunct="1">
-              <a:lnSpc>
-                <a:spcPct val="100000"/>
-              </a:lnSpc>
-              <a:spcBef>
-                <a:spcPts val="0"/>
-              </a:spcBef>
-              <a:spcAft>
-                <a:spcPts val="0"/>
-              </a:spcAft>
-              <a:buClrTx/>
-              <a:buSzTx/>
-              <a:buFontTx/>
-              <a:buNone/>
-              <a:tabLst/>
-              <a:defRPr/>
-            </a:pPr>
-            <a:r>
-              <a:rPr kumimoji="0" lang="en-US" altLang="zh-CN" sz="1800" b="0" i="0" u="none" strike="noStrike" kern="1200" cap="none" spc="0" normalizeH="0" baseline="0" noProof="0" dirty="0">
-                <a:ln>
-                  <a:noFill/>
-                </a:ln>
-                <a:solidFill>
-                  <a:prstClr val="black"/>
-                </a:solidFill>
-                <a:effectLst/>
-                <a:uLnTx/>
-                <a:uFillTx/>
-                <a:latin typeface="等线" panose="020F0502020204030204"/>
-                <a:ea typeface="等线" panose="02010600030101010101" pitchFamily="2" charset="-122"/>
-                <a:cs typeface="+mn-cs"/>
-              </a:rPr>
+            <a:r>
+              <a:rPr lang="en-US" altLang="zh-CN" dirty="0"/>
               <a:t>N</a:t>
             </a:r>
-            <a:endParaRPr kumimoji="0" lang="zh-CN" altLang="en-US" sz="1800" b="0" i="0" u="none" strike="noStrike" kern="1200" cap="none" spc="0" normalizeH="0" baseline="0" noProof="0" dirty="0">
-              <a:ln>
-                <a:noFill/>
-              </a:ln>
-              <a:solidFill>
-                <a:prstClr val="black"/>
-              </a:solidFill>
-              <a:effectLst/>
-              <a:uLnTx/>
-              <a:uFillTx/>
-              <a:latin typeface="等线" panose="020F0502020204030204"/>
-              <a:ea typeface="等线" panose="02010600030101010101" pitchFamily="2" charset="-122"/>
-              <a:cs typeface="+mn-cs"/>
-            </a:endParaRPr>
-          </a:p>
-        </p:txBody>
-      </p:sp>
-      <p:sp>
-        <p:nvSpPr>
-          <p:cNvPr id="36" name="流程图: 过程 35">
-            <a:extLst>
-              <a:ext uri="{FF2B5EF4-FFF2-40B4-BE49-F238E27FC236}">
-                <a16:creationId xmlns:a16="http://schemas.microsoft.com/office/drawing/2014/main" id="{ED069B88-08BB-46B3-A7D3-57BC78AFB686}"/>
+            <a:endParaRPr lang="zh-CN" altLang="en-US" dirty="0"/>
+          </a:p>
+        </p:txBody>
+      </p:sp>
+      <p:sp>
+        <p:nvSpPr>
+          <p:cNvPr id="27" name="流程图: 决策 26">
+            <a:extLst>
+              <a:ext uri="{FF2B5EF4-FFF2-40B4-BE49-F238E27FC236}">
+                <a16:creationId xmlns:a16="http://schemas.microsoft.com/office/drawing/2014/main" id="{53D735CD-4AC6-488A-B8DC-09DFFD03A816}"/>
               </a:ext>
             </a:extLst>
           </p:cNvPr>
@@ -6838,10 +7604,10 @@
         </p:nvSpPr>
         <p:spPr>
           <a:xfrm>
-            <a:off x="3497802" y="1566998"/>
-            <a:ext cx="1358283" cy="834678"/>
-          </a:xfrm>
-          <a:prstGeom prst="flowChartProcess">
+            <a:off x="479392" y="5221728"/>
+            <a:ext cx="1890943" cy="1020932"/>
+          </a:xfrm>
+          <a:prstGeom prst="flowChartDecision">
             <a:avLst/>
           </a:prstGeom>
         </p:spPr>
@@ -6863,120 +7629,145 @@
           <a:bodyPr rtlCol="0" anchor="ctr"/>
           <a:lstStyle/>
           <a:p>
-            <a:pPr marL="0" marR="0" lvl="0" indent="0" algn="ctr" defTabSz="914400" rtl="0" eaLnBrk="1" fontAlgn="auto" latinLnBrk="0" hangingPunct="1">
-              <a:lnSpc>
-                <a:spcPct val="100000"/>
-              </a:lnSpc>
-              <a:spcBef>
-                <a:spcPts val="0"/>
-              </a:spcBef>
-              <a:spcAft>
-                <a:spcPts val="0"/>
-              </a:spcAft>
-              <a:buClrTx/>
-              <a:buSzTx/>
-              <a:buFontTx/>
-              <a:buNone/>
-              <a:tabLst/>
-              <a:defRPr/>
-            </a:pPr>
-            <a:r>
-              <a:rPr lang="en-US" altLang="zh-CN" sz="1600" dirty="0">
-                <a:solidFill>
-                  <a:prstClr val="black"/>
-                </a:solidFill>
+            <a:pPr algn="ctr"/>
+            <a:r>
+              <a:rPr lang="zh-CN" altLang="en-US" sz="1600" dirty="0">
                 <a:latin typeface="思源黑体 Regular" panose="020B0500000000000000" pitchFamily="34" charset="-128"/>
                 <a:ea typeface="思源黑体 Regular" panose="020B0500000000000000" pitchFamily="34" charset="-128"/>
               </a:rPr>
-              <a:t>s</a:t>
-            </a:r>
-            <a:r>
-              <a:rPr kumimoji="0" lang="en-US" altLang="zh-CN" sz="1600" b="0" i="0" u="none" strike="noStrike" kern="1200" cap="none" spc="0" normalizeH="0" baseline="0" noProof="0" dirty="0">
-                <a:ln>
-                  <a:noFill/>
-                </a:ln>
-                <a:solidFill>
-                  <a:prstClr val="black"/>
-                </a:solidFill>
-                <a:effectLst/>
-                <a:uLnTx/>
-                <a:uFillTx/>
-                <a:latin typeface="思源黑体 Regular" panose="020B0500000000000000" pitchFamily="34" charset="-128"/>
-                <a:ea typeface="思源黑体 Regular" panose="020B0500000000000000" pitchFamily="34" charset="-128"/>
-                <a:cs typeface="+mn-cs"/>
-              </a:rPr>
-              <a:t>ftp</a:t>
-            </a:r>
-            <a:r>
-              <a:rPr kumimoji="0" lang="zh-CN" altLang="en-US" sz="1600" b="0" i="0" u="none" strike="noStrike" kern="1200" cap="none" spc="0" normalizeH="0" baseline="0" noProof="0" dirty="0">
-                <a:ln>
-                  <a:noFill/>
-                </a:ln>
-                <a:solidFill>
-                  <a:prstClr val="black"/>
-                </a:solidFill>
-                <a:effectLst/>
-                <a:uLnTx/>
-                <a:uFillTx/>
-                <a:latin typeface="思源黑体 Regular" panose="020B0500000000000000" pitchFamily="34" charset="-128"/>
-                <a:ea typeface="思源黑体 Regular" panose="020B0500000000000000" pitchFamily="34" charset="-128"/>
-                <a:cs typeface="+mn-cs"/>
-              </a:rPr>
-              <a:t>从生产环境</a:t>
-            </a:r>
-            <a:r>
-              <a:rPr lang="zh-CN" altLang="en-US" sz="1600" dirty="0">
-                <a:solidFill>
-                  <a:prstClr val="black"/>
-                </a:solidFill>
-                <a:latin typeface="思源黑体 Regular" panose="020B0500000000000000" pitchFamily="34" charset="-128"/>
-                <a:ea typeface="思源黑体 Regular" panose="020B0500000000000000" pitchFamily="34" charset="-128"/>
-              </a:rPr>
-              <a:t>下载</a:t>
-            </a:r>
-            <a:r>
-              <a:rPr lang="en-US" altLang="zh-CN" sz="1600" dirty="0">
-                <a:solidFill>
-                  <a:prstClr val="black"/>
-                </a:solidFill>
-                <a:latin typeface="思源黑体 Regular" panose="020B0500000000000000" pitchFamily="34" charset="-128"/>
-                <a:ea typeface="思源黑体 Regular" panose="020B0500000000000000" pitchFamily="34" charset="-128"/>
-              </a:rPr>
-              <a:t>patch</a:t>
-            </a:r>
-            <a:r>
-              <a:rPr lang="zh-CN" altLang="en-US" sz="1600" dirty="0">
-                <a:solidFill>
-                  <a:prstClr val="black"/>
-                </a:solidFill>
-                <a:latin typeface="思源黑体 Regular" panose="020B0500000000000000" pitchFamily="34" charset="-128"/>
-                <a:ea typeface="思源黑体 Regular" panose="020B0500000000000000" pitchFamily="34" charset="-128"/>
-              </a:rPr>
-              <a:t>文件</a:t>
-            </a:r>
-            <a:endParaRPr kumimoji="0" lang="zh-CN" altLang="en-US" sz="1600" b="0" i="0" u="none" strike="noStrike" kern="1200" cap="none" spc="0" normalizeH="0" baseline="0" noProof="0" dirty="0">
-              <a:ln>
-                <a:noFill/>
-              </a:ln>
-              <a:solidFill>
-                <a:prstClr val="black"/>
-              </a:solidFill>
-              <a:effectLst/>
-              <a:uLnTx/>
-              <a:uFillTx/>
-              <a:latin typeface="思源黑体 Regular" panose="020B0500000000000000" pitchFamily="34" charset="-128"/>
-              <a:ea typeface="思源黑体 Regular" panose="020B0500000000000000" pitchFamily="34" charset="-128"/>
-              <a:cs typeface="+mn-cs"/>
-            </a:endParaRPr>
-          </a:p>
-        </p:txBody>
-      </p:sp>
-      <p:sp>
-        <p:nvSpPr>
-          <p:cNvPr id="48" name="流程图: 过程 47">
-            <a:extLst>
-              <a:ext uri="{FF2B5EF4-FFF2-40B4-BE49-F238E27FC236}">
-                <a16:creationId xmlns:a16="http://schemas.microsoft.com/office/drawing/2014/main" id="{86F2BE5E-A363-4450-87F7-B351CA00076E}"/>
+              <a:t>目录变化</a:t>
+            </a:r>
+          </a:p>
+        </p:txBody>
+      </p:sp>
+      <p:cxnSp>
+        <p:nvCxnSpPr>
+          <p:cNvPr id="28" name="直接箭头连接符 27">
+            <a:extLst>
+              <a:ext uri="{FF2B5EF4-FFF2-40B4-BE49-F238E27FC236}">
+                <a16:creationId xmlns:a16="http://schemas.microsoft.com/office/drawing/2014/main" id="{8ABCFF16-5166-4571-BD11-2A75A4A5CD17}"/>
+              </a:ext>
+            </a:extLst>
+          </p:cNvPr>
+          <p:cNvCxnSpPr>
+            <a:cxnSpLocks/>
+            <a:endCxn id="27" idx="0"/>
+          </p:cNvCxnSpPr>
+          <p:nvPr/>
+        </p:nvCxnSpPr>
+        <p:spPr>
+          <a:xfrm>
+            <a:off x="1424863" y="4536489"/>
+            <a:ext cx="1" cy="685239"/>
+          </a:xfrm>
+          <a:prstGeom prst="straightConnector1">
+            <a:avLst/>
+          </a:prstGeom>
+          <a:ln>
+            <a:tailEnd type="triangle"/>
+          </a:ln>
+        </p:spPr>
+        <p:style>
+          <a:lnRef idx="1">
+            <a:schemeClr val="accent2"/>
+          </a:lnRef>
+          <a:fillRef idx="0">
+            <a:schemeClr val="accent2"/>
+          </a:fillRef>
+          <a:effectRef idx="0">
+            <a:schemeClr val="accent2"/>
+          </a:effectRef>
+          <a:fontRef idx="minor">
+            <a:schemeClr val="tx1"/>
+          </a:fontRef>
+        </p:style>
+      </p:cxnSp>
+      <p:cxnSp>
+        <p:nvCxnSpPr>
+          <p:cNvPr id="31" name="连接符: 肘形 30">
+            <a:extLst>
+              <a:ext uri="{FF2B5EF4-FFF2-40B4-BE49-F238E27FC236}">
+                <a16:creationId xmlns:a16="http://schemas.microsoft.com/office/drawing/2014/main" id="{8BFC1BEF-2C62-4F48-80D7-F1DC49A61AD9}"/>
+              </a:ext>
+            </a:extLst>
+          </p:cNvPr>
+          <p:cNvCxnSpPr>
+            <a:stCxn id="27" idx="1"/>
+            <a:endCxn id="18" idx="1"/>
+          </p:cNvCxnSpPr>
+          <p:nvPr/>
+        </p:nvCxnSpPr>
+        <p:spPr>
+          <a:xfrm rot="10800000" flipH="1">
+            <a:off x="479391" y="4070412"/>
+            <a:ext cx="310719" cy="1661782"/>
+          </a:xfrm>
+          <a:prstGeom prst="bentConnector3">
+            <a:avLst>
+              <a:gd name="adj1" fmla="val -73571"/>
+            </a:avLst>
+          </a:prstGeom>
+          <a:ln>
+            <a:tailEnd type="triangle"/>
+          </a:ln>
+        </p:spPr>
+        <p:style>
+          <a:lnRef idx="1">
+            <a:schemeClr val="accent2"/>
+          </a:lnRef>
+          <a:fillRef idx="0">
+            <a:schemeClr val="accent2"/>
+          </a:fillRef>
+          <a:effectRef idx="0">
+            <a:schemeClr val="accent2"/>
+          </a:effectRef>
+          <a:fontRef idx="minor">
+            <a:schemeClr val="tx1"/>
+          </a:fontRef>
+        </p:style>
+      </p:cxnSp>
+      <p:sp>
+        <p:nvSpPr>
+          <p:cNvPr id="33" name="文本框 32">
+            <a:extLst>
+              <a:ext uri="{FF2B5EF4-FFF2-40B4-BE49-F238E27FC236}">
+                <a16:creationId xmlns:a16="http://schemas.microsoft.com/office/drawing/2014/main" id="{2F26D1A4-98AC-4600-AA9A-F8F0054DF8A9}"/>
+              </a:ext>
+            </a:extLst>
+          </p:cNvPr>
+          <p:cNvSpPr txBox="1"/>
+          <p:nvPr/>
+        </p:nvSpPr>
+        <p:spPr>
+          <a:xfrm>
+            <a:off x="102089" y="4716637"/>
+            <a:ext cx="754601" cy="369332"/>
+          </a:xfrm>
+          <a:prstGeom prst="rect">
+            <a:avLst/>
+          </a:prstGeom>
+          <a:noFill/>
+        </p:spPr>
+        <p:txBody>
+          <a:bodyPr wrap="square" rtlCol="0">
+            <a:spAutoFit/>
+          </a:bodyPr>
+          <a:lstStyle/>
+          <a:p>
+            <a:pPr algn="ctr"/>
+            <a:r>
+              <a:rPr lang="en-US" altLang="zh-CN" dirty="0"/>
+              <a:t>N</a:t>
+            </a:r>
+          </a:p>
+        </p:txBody>
+      </p:sp>
+      <p:sp>
+        <p:nvSpPr>
+          <p:cNvPr id="36" name="流程图: 过程 35">
+            <a:extLst>
+              <a:ext uri="{FF2B5EF4-FFF2-40B4-BE49-F238E27FC236}">
+                <a16:creationId xmlns:a16="http://schemas.microsoft.com/office/drawing/2014/main" id="{ED069B88-08BB-46B3-A7D3-57BC78AFB686}"/>
               </a:ext>
             </a:extLst>
           </p:cNvPr>
@@ -6985,8 +7776,8 @@
         </p:nvSpPr>
         <p:spPr>
           <a:xfrm>
-            <a:off x="6285392" y="3809994"/>
-            <a:ext cx="1944206" cy="834678"/>
+            <a:off x="3497802" y="1566998"/>
+            <a:ext cx="1358283" cy="834678"/>
           </a:xfrm>
           <a:prstGeom prst="flowChartProcess">
             <a:avLst/>
@@ -7010,76 +7801,243 @@
           <a:bodyPr rtlCol="0" anchor="ctr"/>
           <a:lstStyle/>
           <a:p>
-            <a:pPr marL="0" marR="0" lvl="0" indent="0" algn="ctr" defTabSz="914400" rtl="0" eaLnBrk="1" fontAlgn="auto" latinLnBrk="0" hangingPunct="1">
-              <a:lnSpc>
-                <a:spcPct val="100000"/>
-              </a:lnSpc>
-              <a:spcBef>
-                <a:spcPts val="0"/>
-              </a:spcBef>
-              <a:spcAft>
-                <a:spcPts val="0"/>
-              </a:spcAft>
-              <a:buClrTx/>
-              <a:buSzTx/>
-              <a:buFontTx/>
-              <a:buNone/>
-              <a:tabLst/>
-              <a:defRPr/>
-            </a:pPr>
+            <a:pPr algn="ctr"/>
             <a:r>
               <a:rPr lang="zh-CN" altLang="en-US" sz="1600" dirty="0">
-                <a:solidFill>
-                  <a:prstClr val="black"/>
-                </a:solidFill>
                 <a:latin typeface="思源黑体 Regular" panose="020B0500000000000000" pitchFamily="34" charset="-128"/>
                 <a:ea typeface="思源黑体 Regular" panose="020B0500000000000000" pitchFamily="34" charset="-128"/>
               </a:rPr>
-              <a:t>向</a:t>
-            </a:r>
-            <a:r>
-              <a:rPr lang="en-US" altLang="zh-CN" sz="1600" dirty="0" err="1">
-                <a:solidFill>
-                  <a:prstClr val="black"/>
-                </a:solidFill>
+              <a:t>子线程监听父线程消息</a:t>
+            </a:r>
+          </a:p>
+        </p:txBody>
+      </p:sp>
+      <p:cxnSp>
+        <p:nvCxnSpPr>
+          <p:cNvPr id="37" name="直接箭头连接符 36">
+            <a:extLst>
+              <a:ext uri="{FF2B5EF4-FFF2-40B4-BE49-F238E27FC236}">
+                <a16:creationId xmlns:a16="http://schemas.microsoft.com/office/drawing/2014/main" id="{60DEF98D-2D37-42E0-BD37-953EB17CF345}"/>
+              </a:ext>
+            </a:extLst>
+          </p:cNvPr>
+          <p:cNvCxnSpPr/>
+          <p:nvPr/>
+        </p:nvCxnSpPr>
+        <p:spPr>
+          <a:xfrm>
+            <a:off x="4856085" y="1984337"/>
+            <a:ext cx="1162978" cy="0"/>
+          </a:xfrm>
+          <a:prstGeom prst="straightConnector1">
+            <a:avLst/>
+          </a:prstGeom>
+          <a:ln>
+            <a:tailEnd type="triangle"/>
+          </a:ln>
+        </p:spPr>
+        <p:style>
+          <a:lnRef idx="1">
+            <a:schemeClr val="accent2"/>
+          </a:lnRef>
+          <a:fillRef idx="0">
+            <a:schemeClr val="accent2"/>
+          </a:fillRef>
+          <a:effectRef idx="0">
+            <a:schemeClr val="accent2"/>
+          </a:effectRef>
+          <a:fontRef idx="minor">
+            <a:schemeClr val="tx1"/>
+          </a:fontRef>
+        </p:style>
+      </p:cxnSp>
+      <p:sp>
+        <p:nvSpPr>
+          <p:cNvPr id="38" name="流程图: 决策 37">
+            <a:extLst>
+              <a:ext uri="{FF2B5EF4-FFF2-40B4-BE49-F238E27FC236}">
+                <a16:creationId xmlns:a16="http://schemas.microsoft.com/office/drawing/2014/main" id="{83FCEAD4-A9CD-4F68-99E8-7540960B6BE1}"/>
+              </a:ext>
+            </a:extLst>
+          </p:cNvPr>
+          <p:cNvSpPr/>
+          <p:nvPr/>
+        </p:nvSpPr>
+        <p:spPr>
+          <a:xfrm>
+            <a:off x="6019063" y="1473871"/>
+            <a:ext cx="1890943" cy="1020932"/>
+          </a:xfrm>
+          <a:prstGeom prst="flowChartDecision">
+            <a:avLst/>
+          </a:prstGeom>
+        </p:spPr>
+        <p:style>
+          <a:lnRef idx="1">
+            <a:schemeClr val="accent2"/>
+          </a:lnRef>
+          <a:fillRef idx="2">
+            <a:schemeClr val="accent2"/>
+          </a:fillRef>
+          <a:effectRef idx="1">
+            <a:schemeClr val="accent2"/>
+          </a:effectRef>
+          <a:fontRef idx="minor">
+            <a:schemeClr val="dk1"/>
+          </a:fontRef>
+        </p:style>
+        <p:txBody>
+          <a:bodyPr rtlCol="0" anchor="ctr"/>
+          <a:lstStyle/>
+          <a:p>
+            <a:pPr algn="ctr"/>
+            <a:r>
+              <a:rPr lang="zh-CN" altLang="en-US" sz="1600" dirty="0">
                 <a:latin typeface="思源黑体 Regular" panose="020B0500000000000000" pitchFamily="34" charset="-128"/>
                 <a:ea typeface="思源黑体 Regular" panose="020B0500000000000000" pitchFamily="34" charset="-128"/>
               </a:rPr>
-              <a:t>Message_queue</a:t>
-            </a:r>
-            <a:r>
-              <a:rPr lang="zh-CN" altLang="en-US" sz="1600" dirty="0">
-                <a:solidFill>
-                  <a:prstClr val="black"/>
-                </a:solidFill>
+              <a:t>消息</a:t>
+            </a:r>
+            <a:r>
+              <a:rPr lang="en-US" altLang="zh-CN" sz="1600" dirty="0">
                 <a:latin typeface="思源黑体 Regular" panose="020B0500000000000000" pitchFamily="34" charset="-128"/>
                 <a:ea typeface="思源黑体 Regular" panose="020B0500000000000000" pitchFamily="34" charset="-128"/>
               </a:rPr>
-              <a:t>发送消息</a:t>
-            </a:r>
-            <a:endParaRPr kumimoji="0" lang="zh-CN" altLang="en-US" sz="1600" b="0" i="0" u="none" strike="noStrike" kern="1200" cap="none" spc="0" normalizeH="0" baseline="0" noProof="0" dirty="0">
-              <a:ln>
-                <a:noFill/>
-              </a:ln>
-              <a:solidFill>
-                <a:prstClr val="black"/>
-              </a:solidFill>
-              <a:effectLst/>
-              <a:uLnTx/>
-              <a:uFillTx/>
+              <a:t>?</a:t>
+            </a:r>
+            <a:endParaRPr lang="zh-CN" altLang="en-US" sz="1600" dirty="0">
               <a:latin typeface="思源黑体 Regular" panose="020B0500000000000000" pitchFamily="34" charset="-128"/>
               <a:ea typeface="思源黑体 Regular" panose="020B0500000000000000" pitchFamily="34" charset="-128"/>
-              <a:cs typeface="+mn-cs"/>
             </a:endParaRPr>
           </a:p>
         </p:txBody>
       </p:sp>
       <p:cxnSp>
         <p:nvCxnSpPr>
-          <p:cNvPr id="54" name="直接箭头连接符 53">
-            <a:extLst>
-              <a:ext uri="{FF2B5EF4-FFF2-40B4-BE49-F238E27FC236}">
-                <a16:creationId xmlns:a16="http://schemas.microsoft.com/office/drawing/2014/main" id="{FC51DFE3-1F1C-4C6D-BA81-9F6B70023EFB}"/>
+          <p:cNvPr id="39" name="连接符: 肘形 38">
+            <a:extLst>
+              <a:ext uri="{FF2B5EF4-FFF2-40B4-BE49-F238E27FC236}">
+                <a16:creationId xmlns:a16="http://schemas.microsoft.com/office/drawing/2014/main" id="{2F90552F-FAE1-4FE3-84A5-3520E1A33A95}"/>
+              </a:ext>
+            </a:extLst>
+          </p:cNvPr>
+          <p:cNvCxnSpPr>
+            <a:cxnSpLocks/>
+            <a:stCxn id="38" idx="3"/>
+            <a:endCxn id="36" idx="0"/>
+          </p:cNvCxnSpPr>
+          <p:nvPr/>
+        </p:nvCxnSpPr>
+        <p:spPr>
+          <a:xfrm flipH="1" flipV="1">
+            <a:off x="4176944" y="1566998"/>
+            <a:ext cx="3733062" cy="417339"/>
+          </a:xfrm>
+          <a:prstGeom prst="bentConnector4">
+            <a:avLst>
+              <a:gd name="adj1" fmla="val -6124"/>
+              <a:gd name="adj2" fmla="val 177090"/>
+            </a:avLst>
+          </a:prstGeom>
+          <a:ln>
+            <a:tailEnd type="triangle"/>
+          </a:ln>
+        </p:spPr>
+        <p:style>
+          <a:lnRef idx="1">
+            <a:schemeClr val="accent2"/>
+          </a:lnRef>
+          <a:fillRef idx="0">
+            <a:schemeClr val="accent2"/>
+          </a:fillRef>
+          <a:effectRef idx="0">
+            <a:schemeClr val="accent2"/>
+          </a:effectRef>
+          <a:fontRef idx="minor">
+            <a:schemeClr val="tx1"/>
+          </a:fontRef>
+        </p:style>
+      </p:cxnSp>
+      <p:sp>
+        <p:nvSpPr>
+          <p:cNvPr id="43" name="文本框 42">
+            <a:extLst>
+              <a:ext uri="{FF2B5EF4-FFF2-40B4-BE49-F238E27FC236}">
+                <a16:creationId xmlns:a16="http://schemas.microsoft.com/office/drawing/2014/main" id="{9A0730DA-F7C3-4DD0-B0F8-7AB4BE550A65}"/>
+              </a:ext>
+            </a:extLst>
+          </p:cNvPr>
+          <p:cNvSpPr txBox="1"/>
+          <p:nvPr/>
+        </p:nvSpPr>
+        <p:spPr>
+          <a:xfrm>
+            <a:off x="5641762" y="846766"/>
+            <a:ext cx="754601" cy="369332"/>
+          </a:xfrm>
+          <a:prstGeom prst="rect">
+            <a:avLst/>
+          </a:prstGeom>
+          <a:noFill/>
+        </p:spPr>
+        <p:txBody>
+          <a:bodyPr wrap="square" rtlCol="0">
+            <a:spAutoFit/>
+          </a:bodyPr>
+          <a:lstStyle/>
+          <a:p>
+            <a:pPr algn="ctr"/>
+            <a:r>
+              <a:rPr lang="en-US" altLang="zh-CN" dirty="0"/>
+              <a:t>N</a:t>
+            </a:r>
+            <a:endParaRPr lang="zh-CN" altLang="en-US" dirty="0"/>
+          </a:p>
+        </p:txBody>
+      </p:sp>
+      <p:sp>
+        <p:nvSpPr>
+          <p:cNvPr id="44" name="文本框 43">
+            <a:extLst>
+              <a:ext uri="{FF2B5EF4-FFF2-40B4-BE49-F238E27FC236}">
+                <a16:creationId xmlns:a16="http://schemas.microsoft.com/office/drawing/2014/main" id="{6B72DDD8-3981-4235-A38A-84573D43CF8A}"/>
+              </a:ext>
+            </a:extLst>
+          </p:cNvPr>
+          <p:cNvSpPr txBox="1"/>
+          <p:nvPr/>
+        </p:nvSpPr>
+        <p:spPr>
+          <a:xfrm>
+            <a:off x="6840244" y="2752576"/>
+            <a:ext cx="754601" cy="369332"/>
+          </a:xfrm>
+          <a:prstGeom prst="rect">
+            <a:avLst/>
+          </a:prstGeom>
+          <a:noFill/>
+        </p:spPr>
+        <p:txBody>
+          <a:bodyPr wrap="square" rtlCol="0">
+            <a:spAutoFit/>
+          </a:bodyPr>
+          <a:lstStyle/>
+          <a:p>
+            <a:pPr algn="ctr"/>
+            <a:r>
+              <a:rPr lang="en-US" altLang="zh-CN" dirty="0"/>
+              <a:t>Y</a:t>
+            </a:r>
+            <a:endParaRPr lang="zh-CN" altLang="en-US" dirty="0"/>
+          </a:p>
+        </p:txBody>
+      </p:sp>
+      <p:cxnSp>
+        <p:nvCxnSpPr>
+          <p:cNvPr id="45" name="直接箭头连接符 44">
+            <a:extLst>
+              <a:ext uri="{FF2B5EF4-FFF2-40B4-BE49-F238E27FC236}">
+                <a16:creationId xmlns:a16="http://schemas.microsoft.com/office/drawing/2014/main" id="{13A99FE1-0B0F-466C-82C0-EDD06AE00B17}"/>
               </a:ext>
             </a:extLst>
           </p:cNvPr>
@@ -7090,8 +8048,278 @@
         </p:nvCxnSpPr>
         <p:spPr>
           <a:xfrm>
-            <a:off x="4176944" y="2409587"/>
-            <a:ext cx="0" cy="1353844"/>
+            <a:off x="6964534" y="2494803"/>
+            <a:ext cx="0" cy="1029632"/>
+          </a:xfrm>
+          <a:prstGeom prst="straightConnector1">
+            <a:avLst/>
+          </a:prstGeom>
+          <a:ln>
+            <a:tailEnd type="triangle"/>
+          </a:ln>
+        </p:spPr>
+        <p:style>
+          <a:lnRef idx="1">
+            <a:schemeClr val="accent2"/>
+          </a:lnRef>
+          <a:fillRef idx="0">
+            <a:schemeClr val="accent2"/>
+          </a:fillRef>
+          <a:effectRef idx="0">
+            <a:schemeClr val="accent2"/>
+          </a:effectRef>
+          <a:fontRef idx="minor">
+            <a:schemeClr val="tx1"/>
+          </a:fontRef>
+        </p:style>
+      </p:cxnSp>
+      <p:sp>
+        <p:nvSpPr>
+          <p:cNvPr id="48" name="流程图: 过程 47">
+            <a:extLst>
+              <a:ext uri="{FF2B5EF4-FFF2-40B4-BE49-F238E27FC236}">
+                <a16:creationId xmlns:a16="http://schemas.microsoft.com/office/drawing/2014/main" id="{86F2BE5E-A363-4450-87F7-B351CA00076E}"/>
+              </a:ext>
+            </a:extLst>
+          </p:cNvPr>
+          <p:cNvSpPr/>
+          <p:nvPr/>
+        </p:nvSpPr>
+        <p:spPr>
+          <a:xfrm>
+            <a:off x="6285392" y="3524435"/>
+            <a:ext cx="1358283" cy="834678"/>
+          </a:xfrm>
+          <a:prstGeom prst="flowChartProcess">
+            <a:avLst/>
+          </a:prstGeom>
+        </p:spPr>
+        <p:style>
+          <a:lnRef idx="1">
+            <a:schemeClr val="accent2"/>
+          </a:lnRef>
+          <a:fillRef idx="2">
+            <a:schemeClr val="accent2"/>
+          </a:fillRef>
+          <a:effectRef idx="1">
+            <a:schemeClr val="accent2"/>
+          </a:effectRef>
+          <a:fontRef idx="minor">
+            <a:schemeClr val="dk1"/>
+          </a:fontRef>
+        </p:style>
+        <p:txBody>
+          <a:bodyPr rtlCol="0" anchor="ctr"/>
+          <a:lstStyle/>
+          <a:p>
+            <a:pPr algn="ctr"/>
+            <a:r>
+              <a:rPr lang="zh-CN" altLang="en-US" sz="1400" dirty="0">
+                <a:latin typeface="思源黑体 Regular" panose="020B0500000000000000" pitchFamily="34" charset="-128"/>
+                <a:ea typeface="思源黑体 Regular" panose="020B0500000000000000" pitchFamily="34" charset="-128"/>
+              </a:rPr>
+              <a:t>子线程</a:t>
+            </a:r>
+            <a:r>
+              <a:rPr lang="en-US" altLang="zh-CN" sz="1400" dirty="0" err="1">
+                <a:latin typeface="思源黑体 Regular" panose="020B0500000000000000" pitchFamily="34" charset="-128"/>
+                <a:ea typeface="思源黑体 Regular" panose="020B0500000000000000" pitchFamily="34" charset="-128"/>
+              </a:rPr>
+              <a:t>execSync</a:t>
+            </a:r>
+            <a:r>
+              <a:rPr lang="en-US" altLang="zh-CN" sz="1400" dirty="0">
+                <a:latin typeface="思源黑体 Regular" panose="020B0500000000000000" pitchFamily="34" charset="-128"/>
+                <a:ea typeface="思源黑体 Regular" panose="020B0500000000000000" pitchFamily="34" charset="-128"/>
+              </a:rPr>
+              <a:t> diff</a:t>
+            </a:r>
+            <a:r>
+              <a:rPr lang="zh-CN" altLang="en-US" sz="1400" dirty="0">
+                <a:latin typeface="思源黑体 Regular" panose="020B0500000000000000" pitchFamily="34" charset="-128"/>
+                <a:ea typeface="思源黑体 Regular" panose="020B0500000000000000" pitchFamily="34" charset="-128"/>
+              </a:rPr>
+              <a:t>目录生成</a:t>
+            </a:r>
+            <a:r>
+              <a:rPr lang="en-US" altLang="zh-CN" sz="1400" dirty="0">
+                <a:latin typeface="思源黑体 Regular" panose="020B0500000000000000" pitchFamily="34" charset="-128"/>
+                <a:ea typeface="思源黑体 Regular" panose="020B0500000000000000" pitchFamily="34" charset="-128"/>
+              </a:rPr>
+              <a:t>patch</a:t>
+            </a:r>
+            <a:r>
+              <a:rPr lang="zh-CN" altLang="en-US" sz="1400" dirty="0">
+                <a:latin typeface="思源黑体 Regular" panose="020B0500000000000000" pitchFamily="34" charset="-128"/>
+                <a:ea typeface="思源黑体 Regular" panose="020B0500000000000000" pitchFamily="34" charset="-128"/>
+              </a:rPr>
+              <a:t>文件</a:t>
+            </a:r>
+          </a:p>
+        </p:txBody>
+      </p:sp>
+      <p:sp>
+        <p:nvSpPr>
+          <p:cNvPr id="49" name="流程图: 过程 48">
+            <a:extLst>
+              <a:ext uri="{FF2B5EF4-FFF2-40B4-BE49-F238E27FC236}">
+                <a16:creationId xmlns:a16="http://schemas.microsoft.com/office/drawing/2014/main" id="{92C17DE0-FCEF-4313-BFC8-18C3B2F9203A}"/>
+              </a:ext>
+            </a:extLst>
+          </p:cNvPr>
+          <p:cNvSpPr/>
+          <p:nvPr/>
+        </p:nvSpPr>
+        <p:spPr>
+          <a:xfrm>
+            <a:off x="3497802" y="5314855"/>
+            <a:ext cx="1358283" cy="834678"/>
+          </a:xfrm>
+          <a:prstGeom prst="flowChartProcess">
+            <a:avLst/>
+          </a:prstGeom>
+        </p:spPr>
+        <p:style>
+          <a:lnRef idx="1">
+            <a:schemeClr val="accent2"/>
+          </a:lnRef>
+          <a:fillRef idx="2">
+            <a:schemeClr val="accent2"/>
+          </a:fillRef>
+          <a:effectRef idx="1">
+            <a:schemeClr val="accent2"/>
+          </a:effectRef>
+          <a:fontRef idx="minor">
+            <a:schemeClr val="dk1"/>
+          </a:fontRef>
+        </p:style>
+        <p:txBody>
+          <a:bodyPr rtlCol="0" anchor="ctr"/>
+          <a:lstStyle/>
+          <a:p>
+            <a:pPr algn="ctr"/>
+            <a:r>
+              <a:rPr lang="zh-CN" altLang="en-US" sz="1600" dirty="0">
+                <a:latin typeface="思源黑体 Regular" panose="020B0500000000000000" pitchFamily="34" charset="-128"/>
+                <a:ea typeface="思源黑体 Regular" panose="020B0500000000000000" pitchFamily="34" charset="-128"/>
+              </a:rPr>
+              <a:t>新加的</a:t>
+            </a:r>
+            <a:r>
+              <a:rPr lang="en-US" altLang="zh-CN" sz="1600" dirty="0">
+                <a:latin typeface="思源黑体 Regular" panose="020B0500000000000000" pitchFamily="34" charset="-128"/>
+                <a:ea typeface="思源黑体 Regular" panose="020B0500000000000000" pitchFamily="34" charset="-128"/>
+              </a:rPr>
+              <a:t>B</a:t>
+            </a:r>
+            <a:r>
+              <a:rPr lang="zh-CN" altLang="en-US" sz="1600" dirty="0">
+                <a:latin typeface="思源黑体 Regular" panose="020B0500000000000000" pitchFamily="34" charset="-128"/>
+                <a:ea typeface="思源黑体 Regular" panose="020B0500000000000000" pitchFamily="34" charset="-128"/>
+              </a:rPr>
+              <a:t>目录路径传递给子线程</a:t>
+            </a:r>
+          </a:p>
+        </p:txBody>
+      </p:sp>
+      <p:cxnSp>
+        <p:nvCxnSpPr>
+          <p:cNvPr id="50" name="直接箭头连接符 49">
+            <a:extLst>
+              <a:ext uri="{FF2B5EF4-FFF2-40B4-BE49-F238E27FC236}">
+                <a16:creationId xmlns:a16="http://schemas.microsoft.com/office/drawing/2014/main" id="{49ADCD37-F4EF-425E-BDF2-57DCF60FE249}"/>
+              </a:ext>
+            </a:extLst>
+          </p:cNvPr>
+          <p:cNvCxnSpPr>
+            <a:cxnSpLocks/>
+            <a:endCxn id="49" idx="1"/>
+          </p:cNvCxnSpPr>
+          <p:nvPr/>
+        </p:nvCxnSpPr>
+        <p:spPr>
+          <a:xfrm>
+            <a:off x="2370335" y="5732194"/>
+            <a:ext cx="1127467" cy="0"/>
+          </a:xfrm>
+          <a:prstGeom prst="straightConnector1">
+            <a:avLst/>
+          </a:prstGeom>
+          <a:ln>
+            <a:tailEnd type="triangle"/>
+          </a:ln>
+        </p:spPr>
+        <p:style>
+          <a:lnRef idx="1">
+            <a:schemeClr val="accent2"/>
+          </a:lnRef>
+          <a:fillRef idx="0">
+            <a:schemeClr val="accent2"/>
+          </a:fillRef>
+          <a:effectRef idx="0">
+            <a:schemeClr val="accent2"/>
+          </a:effectRef>
+          <a:fontRef idx="minor">
+            <a:schemeClr val="tx1"/>
+          </a:fontRef>
+        </p:style>
+      </p:cxnSp>
+      <p:sp>
+        <p:nvSpPr>
+          <p:cNvPr id="52" name="文本框 51">
+            <a:extLst>
+              <a:ext uri="{FF2B5EF4-FFF2-40B4-BE49-F238E27FC236}">
+                <a16:creationId xmlns:a16="http://schemas.microsoft.com/office/drawing/2014/main" id="{33AB587C-14F2-4028-91C0-699608F54801}"/>
+              </a:ext>
+            </a:extLst>
+          </p:cNvPr>
+          <p:cNvSpPr txBox="1"/>
+          <p:nvPr/>
+        </p:nvSpPr>
+        <p:spPr>
+          <a:xfrm>
+            <a:off x="2454677" y="5387730"/>
+            <a:ext cx="754601" cy="369332"/>
+          </a:xfrm>
+          <a:prstGeom prst="rect">
+            <a:avLst/>
+          </a:prstGeom>
+          <a:noFill/>
+        </p:spPr>
+        <p:txBody>
+          <a:bodyPr wrap="square" rtlCol="0">
+            <a:spAutoFit/>
+          </a:bodyPr>
+          <a:lstStyle/>
+          <a:p>
+            <a:pPr algn="ctr"/>
+            <a:r>
+              <a:rPr lang="en-US" altLang="zh-CN" dirty="0"/>
+              <a:t>Y</a:t>
+            </a:r>
+            <a:endParaRPr lang="zh-CN" altLang="en-US" dirty="0"/>
+          </a:p>
+        </p:txBody>
+      </p:sp>
+      <p:cxnSp>
+        <p:nvCxnSpPr>
+          <p:cNvPr id="54" name="直接箭头连接符 53">
+            <a:extLst>
+              <a:ext uri="{FF2B5EF4-FFF2-40B4-BE49-F238E27FC236}">
+                <a16:creationId xmlns:a16="http://schemas.microsoft.com/office/drawing/2014/main" id="{FC51DFE3-1F1C-4C6D-BA81-9F6B70023EFB}"/>
+              </a:ext>
+            </a:extLst>
+          </p:cNvPr>
+          <p:cNvCxnSpPr>
+            <a:stCxn id="49" idx="0"/>
+            <a:endCxn id="36" idx="2"/>
+          </p:cNvCxnSpPr>
+          <p:nvPr/>
+        </p:nvCxnSpPr>
+        <p:spPr>
+          <a:xfrm flipV="1">
+            <a:off x="4176944" y="2401676"/>
+            <a:ext cx="0" cy="2913179"/>
           </a:xfrm>
           <a:prstGeom prst="straightConnector1">
             <a:avLst/>
@@ -7125,14 +8353,14 @@
             </a:extLst>
           </p:cNvPr>
           <p:cNvCxnSpPr>
-            <a:cxnSpLocks/>
+            <a:stCxn id="48" idx="2"/>
           </p:cNvCxnSpPr>
           <p:nvPr/>
         </p:nvCxnSpPr>
         <p:spPr>
           <a:xfrm>
-            <a:off x="7269336" y="4607724"/>
-            <a:ext cx="0" cy="882410"/>
+            <a:off x="6964534" y="4359113"/>
+            <a:ext cx="0" cy="726856"/>
           </a:xfrm>
           <a:prstGeom prst="straightConnector1">
             <a:avLst/>
@@ -7158,68 +8386,104 @@
       </p:cxnSp>
       <p:sp>
         <p:nvSpPr>
-          <p:cNvPr id="2" name="文本框 1">
-            <a:extLst>
-              <a:ext uri="{FF2B5EF4-FFF2-40B4-BE49-F238E27FC236}">
-                <a16:creationId xmlns:a16="http://schemas.microsoft.com/office/drawing/2014/main" id="{E2EC4891-D328-4AAE-8D6E-34814481F439}"/>
-              </a:ext>
-            </a:extLst>
-          </p:cNvPr>
-          <p:cNvSpPr txBox="1"/>
+          <p:cNvPr id="57" name="流程图: 过程 56">
+            <a:extLst>
+              <a:ext uri="{FF2B5EF4-FFF2-40B4-BE49-F238E27FC236}">
+                <a16:creationId xmlns:a16="http://schemas.microsoft.com/office/drawing/2014/main" id="{DCD7FE48-BB08-4857-BFDC-51D1020BBB63}"/>
+              </a:ext>
+            </a:extLst>
+          </p:cNvPr>
+          <p:cNvSpPr/>
           <p:nvPr/>
         </p:nvSpPr>
         <p:spPr>
           <a:xfrm>
-            <a:off x="5277776" y="244761"/>
-            <a:ext cx="1482572" cy="369332"/>
-          </a:xfrm>
-          <a:prstGeom prst="rect">
+            <a:off x="6285392" y="5059622"/>
+            <a:ext cx="1393791" cy="861025"/>
+          </a:xfrm>
+          <a:prstGeom prst="flowChartProcess">
             <a:avLst/>
           </a:prstGeom>
-          <a:noFill/>
-        </p:spPr>
-        <p:txBody>
-          <a:bodyPr wrap="square" rtlCol="0">
-            <a:spAutoFit/>
-          </a:bodyPr>
+        </p:spPr>
+        <p:style>
+          <a:lnRef idx="1">
+            <a:schemeClr val="accent2"/>
+          </a:lnRef>
+          <a:fillRef idx="2">
+            <a:schemeClr val="accent2"/>
+          </a:fillRef>
+          <a:effectRef idx="1">
+            <a:schemeClr val="accent2"/>
+          </a:effectRef>
+          <a:fontRef idx="minor">
+            <a:schemeClr val="dk1"/>
+          </a:fontRef>
+        </p:style>
+        <p:txBody>
+          <a:bodyPr rtlCol="0" anchor="ctr"/>
           <a:lstStyle/>
           <a:p>
             <a:pPr algn="ctr"/>
             <a:r>
-              <a:rPr lang="zh-CN" altLang="en-US" dirty="0">
-                <a:latin typeface="等距更纱黑体 SC" panose="02000509000000000000" pitchFamily="49" charset="-122"/>
-                <a:ea typeface="等距更纱黑体 SC" panose="02000509000000000000" pitchFamily="49" charset="-122"/>
+              <a:rPr lang="zh-CN" altLang="en-US" sz="1400" dirty="0">
+                <a:latin typeface="思源黑体 Regular" panose="020B0500000000000000" pitchFamily="34" charset="-128"/>
+                <a:ea typeface="思源黑体 Regular" panose="020B0500000000000000" pitchFamily="34" charset="-128"/>
               </a:rPr>
-              <a:t>灾备</a:t>
+              <a:t>向消息队列</a:t>
+            </a:r>
+            <a:r>
+              <a:rPr lang="en-US" altLang="zh-CN" sz="1400" dirty="0" err="1">
+                <a:latin typeface="思源黑体 Regular" panose="020B0500000000000000" pitchFamily="34" charset="-128"/>
+                <a:ea typeface="思源黑体 Regular" panose="020B0500000000000000" pitchFamily="34" charset="-128"/>
+              </a:rPr>
+              <a:t>task_queue</a:t>
+            </a:r>
+            <a:r>
+              <a:rPr lang="zh-CN" altLang="en-US" sz="1400" dirty="0">
+                <a:latin typeface="思源黑体 Regular" panose="020B0500000000000000" pitchFamily="34" charset="-128"/>
+                <a:ea typeface="思源黑体 Regular" panose="020B0500000000000000" pitchFamily="34" charset="-128"/>
+              </a:rPr>
+              <a:t>传送</a:t>
+            </a:r>
+            <a:r>
+              <a:rPr lang="en-US" altLang="zh-CN" sz="1400" dirty="0">
+                <a:latin typeface="思源黑体 Regular" panose="020B0500000000000000" pitchFamily="34" charset="-128"/>
+                <a:ea typeface="思源黑体 Regular" panose="020B0500000000000000" pitchFamily="34" charset="-128"/>
+              </a:rPr>
+              <a:t>patch</a:t>
+            </a:r>
+            <a:r>
+              <a:rPr lang="zh-CN" altLang="en-US" sz="1400" dirty="0">
+                <a:latin typeface="思源黑体 Regular" panose="020B0500000000000000" pitchFamily="34" charset="-128"/>
+                <a:ea typeface="思源黑体 Regular" panose="020B0500000000000000" pitchFamily="34" charset="-128"/>
+              </a:rPr>
+              <a:t>文件路径</a:t>
             </a:r>
           </a:p>
         </p:txBody>
       </p:sp>
       <p:cxnSp>
         <p:nvCxnSpPr>
-          <p:cNvPr id="4" name="连接符: 肘形 3">
-            <a:extLst>
-              <a:ext uri="{FF2B5EF4-FFF2-40B4-BE49-F238E27FC236}">
-                <a16:creationId xmlns:a16="http://schemas.microsoft.com/office/drawing/2014/main" id="{F55D7BB6-3D44-44C2-AE95-E02C74077321}"/>
+          <p:cNvPr id="59" name="直接箭头连接符 58">
+            <a:extLst>
+              <a:ext uri="{FF2B5EF4-FFF2-40B4-BE49-F238E27FC236}">
+                <a16:creationId xmlns:a16="http://schemas.microsoft.com/office/drawing/2014/main" id="{D2CAB0C4-6917-4A7B-9D01-6073A1BF5362}"/>
               </a:ext>
             </a:extLst>
           </p:cNvPr>
           <p:cNvCxnSpPr>
-            <a:stCxn id="19" idx="2"/>
-            <a:endCxn id="19" idx="1"/>
+            <a:cxnSpLocks/>
+            <a:stCxn id="57" idx="3"/>
           </p:cNvCxnSpPr>
           <p:nvPr/>
         </p:nvCxnSpPr>
         <p:spPr>
-          <a:xfrm rot="5400000" flipH="1">
-            <a:off x="661384" y="1766834"/>
-            <a:ext cx="510466" cy="945472"/>
-          </a:xfrm>
-          <a:prstGeom prst="bentConnector4">
-            <a:avLst>
-              <a:gd name="adj1" fmla="val -44783"/>
-              <a:gd name="adj2" fmla="val 124178"/>
-            </a:avLst>
+          <a:xfrm>
+            <a:off x="7679183" y="5490135"/>
+            <a:ext cx="1038689" cy="0"/>
+          </a:xfrm>
+          <a:prstGeom prst="straightConnector1">
+            <a:avLst/>
           </a:prstGeom>
           <a:ln>
             <a:tailEnd type="triangle"/>
@@ -7242,10 +8506,10 @@
       </p:cxnSp>
       <p:sp>
         <p:nvSpPr>
-          <p:cNvPr id="46" name="流程图: 过程 45">
-            <a:extLst>
-              <a:ext uri="{FF2B5EF4-FFF2-40B4-BE49-F238E27FC236}">
-                <a16:creationId xmlns:a16="http://schemas.microsoft.com/office/drawing/2014/main" id="{9EB90F25-0892-4047-871B-1912BBD390D9}"/>
+          <p:cNvPr id="61" name="流程图: 决策 60">
+            <a:extLst>
+              <a:ext uri="{FF2B5EF4-FFF2-40B4-BE49-F238E27FC236}">
+                <a16:creationId xmlns:a16="http://schemas.microsoft.com/office/drawing/2014/main" id="{ABF56EFE-3EDE-4A5C-AC89-8CE1BB974DC3}"/>
               </a:ext>
             </a:extLst>
           </p:cNvPr>
@@ -7254,10 +8518,10 @@
         </p:nvSpPr>
         <p:spPr>
           <a:xfrm>
-            <a:off x="3431220" y="3763431"/>
-            <a:ext cx="1491446" cy="927805"/>
-          </a:xfrm>
-          <a:prstGeom prst="flowChartProcess">
+            <a:off x="8717872" y="4985707"/>
+            <a:ext cx="1873186" cy="1008856"/>
+          </a:xfrm>
+          <a:prstGeom prst="flowChartDecision">
             <a:avLst/>
           </a:prstGeom>
         </p:spPr>
@@ -7279,128 +8543,60 @@
           <a:bodyPr rtlCol="0" anchor="ctr"/>
           <a:lstStyle/>
           <a:p>
-            <a:pPr marL="0" marR="0" lvl="0" indent="0" algn="ctr" defTabSz="914400" rtl="0" eaLnBrk="1" fontAlgn="auto" latinLnBrk="0" hangingPunct="1">
-              <a:lnSpc>
-                <a:spcPct val="100000"/>
-              </a:lnSpc>
-              <a:spcBef>
-                <a:spcPts val="0"/>
-              </a:spcBef>
-              <a:spcAft>
-                <a:spcPts val="0"/>
-              </a:spcAft>
-              <a:buClrTx/>
-              <a:buSzTx/>
-              <a:buFontTx/>
-              <a:buNone/>
-              <a:tabLst/>
-              <a:defRPr/>
-            </a:pPr>
-            <a:r>
-              <a:rPr lang="en-US" altLang="zh-CN" sz="1600" dirty="0" err="1">
-                <a:solidFill>
-                  <a:prstClr val="black"/>
-                </a:solidFill>
+            <a:pPr algn="ctr"/>
+            <a:r>
+              <a:rPr lang="zh-CN" altLang="en-US" sz="1100" dirty="0">
                 <a:latin typeface="思源黑体 Regular" panose="020B0500000000000000" pitchFamily="34" charset="-128"/>
                 <a:ea typeface="思源黑体 Regular" panose="020B0500000000000000" pitchFamily="34" charset="-128"/>
               </a:rPr>
-              <a:t>execSync</a:t>
-            </a:r>
-            <a:r>
-              <a:rPr lang="en-US" altLang="zh-CN" sz="1600" dirty="0">
-                <a:solidFill>
-                  <a:prstClr val="black"/>
-                </a:solidFill>
+              <a:t>从消息队列</a:t>
+            </a:r>
+            <a:r>
+              <a:rPr lang="en-US" altLang="zh-CN" sz="1100" dirty="0" err="1">
                 <a:latin typeface="思源黑体 Regular" panose="020B0500000000000000" pitchFamily="34" charset="-128"/>
                 <a:ea typeface="思源黑体 Regular" panose="020B0500000000000000" pitchFamily="34" charset="-128"/>
               </a:rPr>
-              <a:t> </a:t>
-            </a:r>
-            <a:r>
-              <a:rPr lang="zh-CN" altLang="en-US" sz="1600" dirty="0">
-                <a:solidFill>
-                  <a:prstClr val="black"/>
-                </a:solidFill>
+              <a:t>message_queue</a:t>
+            </a:r>
+            <a:r>
+              <a:rPr lang="zh-CN" altLang="en-US" sz="1100" dirty="0">
                 <a:latin typeface="思源黑体 Regular" panose="020B0500000000000000" pitchFamily="34" charset="-128"/>
                 <a:ea typeface="思源黑体 Regular" panose="020B0500000000000000" pitchFamily="34" charset="-128"/>
               </a:rPr>
-              <a:t>将</a:t>
-            </a:r>
-            <a:r>
-              <a:rPr lang="en-US" altLang="zh-CN" sz="1600" dirty="0">
-                <a:solidFill>
-                  <a:prstClr val="black"/>
-                </a:solidFill>
+              <a:t>获取消息</a:t>
+            </a:r>
+            <a:r>
+              <a:rPr lang="en-US" altLang="zh-CN" sz="1100" dirty="0">
                 <a:latin typeface="思源黑体 Regular" panose="020B0500000000000000" pitchFamily="34" charset="-128"/>
                 <a:ea typeface="思源黑体 Regular" panose="020B0500000000000000" pitchFamily="34" charset="-128"/>
               </a:rPr>
-              <a:t>patch</a:t>
-            </a:r>
-            <a:r>
-              <a:rPr lang="zh-CN" altLang="en-US" sz="1600" dirty="0">
-                <a:solidFill>
-                  <a:prstClr val="black"/>
-                </a:solidFill>
-                <a:latin typeface="思源黑体 Regular" panose="020B0500000000000000" pitchFamily="34" charset="-128"/>
-                <a:ea typeface="思源黑体 Regular" panose="020B0500000000000000" pitchFamily="34" charset="-128"/>
-              </a:rPr>
-              <a:t>文件应用到</a:t>
-            </a:r>
-            <a:r>
-              <a:rPr lang="en-US" altLang="zh-CN" sz="1600" dirty="0">
-                <a:solidFill>
-                  <a:prstClr val="black"/>
-                </a:solidFill>
-                <a:latin typeface="思源黑体 Regular" panose="020B0500000000000000" pitchFamily="34" charset="-128"/>
-                <a:ea typeface="思源黑体 Regular" panose="020B0500000000000000" pitchFamily="34" charset="-128"/>
-              </a:rPr>
-              <a:t>A</a:t>
-            </a:r>
-            <a:r>
-              <a:rPr lang="zh-CN" altLang="en-US" sz="1600" dirty="0">
-                <a:solidFill>
-                  <a:prstClr val="black"/>
-                </a:solidFill>
-                <a:latin typeface="思源黑体 Regular" panose="020B0500000000000000" pitchFamily="34" charset="-128"/>
-                <a:ea typeface="思源黑体 Regular" panose="020B0500000000000000" pitchFamily="34" charset="-128"/>
-              </a:rPr>
-              <a:t>目录</a:t>
-            </a:r>
-            <a:endParaRPr kumimoji="0" lang="zh-CN" altLang="en-US" sz="1600" b="0" i="0" u="none" strike="noStrike" kern="1200" cap="none" spc="0" normalizeH="0" baseline="0" noProof="0" dirty="0">
-              <a:ln>
-                <a:noFill/>
-              </a:ln>
-              <a:solidFill>
-                <a:prstClr val="black"/>
-              </a:solidFill>
-              <a:effectLst/>
-              <a:uLnTx/>
-              <a:uFillTx/>
+              <a:t>?</a:t>
+            </a:r>
+            <a:endParaRPr lang="zh-CN" altLang="en-US" sz="1100" dirty="0">
               <a:latin typeface="思源黑体 Regular" panose="020B0500000000000000" pitchFamily="34" charset="-128"/>
               <a:ea typeface="思源黑体 Regular" panose="020B0500000000000000" pitchFamily="34" charset="-128"/>
-              <a:cs typeface="+mn-cs"/>
             </a:endParaRPr>
           </a:p>
         </p:txBody>
       </p:sp>
       <p:cxnSp>
         <p:nvCxnSpPr>
-          <p:cNvPr id="8" name="直接箭头连接符 7">
-            <a:extLst>
-              <a:ext uri="{FF2B5EF4-FFF2-40B4-BE49-F238E27FC236}">
-                <a16:creationId xmlns:a16="http://schemas.microsoft.com/office/drawing/2014/main" id="{61398F00-AF78-4A16-94B8-0A87CAAEF51F}"/>
+          <p:cNvPr id="67" name="直接箭头连接符 66">
+            <a:extLst>
+              <a:ext uri="{FF2B5EF4-FFF2-40B4-BE49-F238E27FC236}">
+                <a16:creationId xmlns:a16="http://schemas.microsoft.com/office/drawing/2014/main" id="{346A9D07-8420-49CA-91FC-92043CF9DCA3}"/>
               </a:ext>
             </a:extLst>
           </p:cNvPr>
           <p:cNvCxnSpPr>
-            <a:stCxn id="46" idx="3"/>
+            <a:stCxn id="61" idx="0"/>
           </p:cNvCxnSpPr>
           <p:nvPr/>
         </p:nvCxnSpPr>
         <p:spPr>
           <a:xfrm flipV="1">
-            <a:off x="4922666" y="4227333"/>
-            <a:ext cx="1362726" cy="1"/>
+            <a:off x="9654465" y="4070411"/>
+            <a:ext cx="0" cy="915296"/>
           </a:xfrm>
           <a:prstGeom prst="straightConnector1">
             <a:avLst/>
@@ -7426,10 +8622,126 @@
       </p:cxnSp>
       <p:sp>
         <p:nvSpPr>
-          <p:cNvPr id="11" name="流程图: 终止 10">
-            <a:extLst>
-              <a:ext uri="{FF2B5EF4-FFF2-40B4-BE49-F238E27FC236}">
-                <a16:creationId xmlns:a16="http://schemas.microsoft.com/office/drawing/2014/main" id="{6DFF2CD1-8020-4EFA-A464-01D25E421185}"/>
+          <p:cNvPr id="68" name="文本框 67">
+            <a:extLst>
+              <a:ext uri="{FF2B5EF4-FFF2-40B4-BE49-F238E27FC236}">
+                <a16:creationId xmlns:a16="http://schemas.microsoft.com/office/drawing/2014/main" id="{25EEE0D5-DFE3-43AF-8C32-62480A80CC34}"/>
+              </a:ext>
+            </a:extLst>
+          </p:cNvPr>
+          <p:cNvSpPr txBox="1"/>
+          <p:nvPr/>
+        </p:nvSpPr>
+        <p:spPr>
+          <a:xfrm>
+            <a:off x="9105530" y="4423058"/>
+            <a:ext cx="754601" cy="369332"/>
+          </a:xfrm>
+          <a:prstGeom prst="rect">
+            <a:avLst/>
+          </a:prstGeom>
+          <a:noFill/>
+        </p:spPr>
+        <p:txBody>
+          <a:bodyPr wrap="square" rtlCol="0">
+            <a:spAutoFit/>
+          </a:bodyPr>
+          <a:lstStyle/>
+          <a:p>
+            <a:pPr algn="ctr"/>
+            <a:r>
+              <a:rPr lang="en-US" altLang="zh-CN" dirty="0"/>
+              <a:t>Y</a:t>
+            </a:r>
+            <a:endParaRPr lang="zh-CN" altLang="en-US" dirty="0"/>
+          </a:p>
+        </p:txBody>
+      </p:sp>
+      <p:sp>
+        <p:nvSpPr>
+          <p:cNvPr id="69" name="文本框 68">
+            <a:extLst>
+              <a:ext uri="{FF2B5EF4-FFF2-40B4-BE49-F238E27FC236}">
+                <a16:creationId xmlns:a16="http://schemas.microsoft.com/office/drawing/2014/main" id="{B5B4B3BB-ECFE-4B1D-866A-63DB045618EE}"/>
+              </a:ext>
+            </a:extLst>
+          </p:cNvPr>
+          <p:cNvSpPr txBox="1"/>
+          <p:nvPr/>
+        </p:nvSpPr>
+        <p:spPr>
+          <a:xfrm>
+            <a:off x="10116101" y="6242660"/>
+            <a:ext cx="435003" cy="369332"/>
+          </a:xfrm>
+          <a:prstGeom prst="rect">
+            <a:avLst/>
+          </a:prstGeom>
+          <a:noFill/>
+        </p:spPr>
+        <p:txBody>
+          <a:bodyPr wrap="square" rtlCol="0">
+            <a:spAutoFit/>
+          </a:bodyPr>
+          <a:lstStyle/>
+          <a:p>
+            <a:r>
+              <a:rPr lang="en-US" altLang="zh-CN" dirty="0"/>
+              <a:t>N</a:t>
+            </a:r>
+            <a:endParaRPr lang="zh-CN" altLang="en-US" dirty="0"/>
+          </a:p>
+        </p:txBody>
+      </p:sp>
+      <p:cxnSp>
+        <p:nvCxnSpPr>
+          <p:cNvPr id="71" name="连接符: 肘形 70">
+            <a:extLst>
+              <a:ext uri="{FF2B5EF4-FFF2-40B4-BE49-F238E27FC236}">
+                <a16:creationId xmlns:a16="http://schemas.microsoft.com/office/drawing/2014/main" id="{A847EBCC-EF2E-4029-9385-FD78A27A653D}"/>
+              </a:ext>
+            </a:extLst>
+          </p:cNvPr>
+          <p:cNvCxnSpPr>
+            <a:cxnSpLocks/>
+            <a:stCxn id="61" idx="2"/>
+            <a:endCxn id="61" idx="3"/>
+          </p:cNvCxnSpPr>
+          <p:nvPr/>
+        </p:nvCxnSpPr>
+        <p:spPr>
+          <a:xfrm rot="5400000" flipH="1" flipV="1">
+            <a:off x="9870547" y="5274052"/>
+            <a:ext cx="504428" cy="936593"/>
+          </a:xfrm>
+          <a:prstGeom prst="bentConnector4">
+            <a:avLst>
+              <a:gd name="adj1" fmla="val -45319"/>
+              <a:gd name="adj2" fmla="val 124408"/>
+            </a:avLst>
+          </a:prstGeom>
+        </p:spPr>
+        <p:style>
+          <a:lnRef idx="1">
+            <a:schemeClr val="accent2"/>
+          </a:lnRef>
+          <a:fillRef idx="0">
+            <a:schemeClr val="accent2"/>
+          </a:fillRef>
+          <a:effectRef idx="0">
+            <a:schemeClr val="accent2"/>
+          </a:effectRef>
+          <a:fontRef idx="minor">
+            <a:schemeClr val="tx1"/>
+          </a:fontRef>
+        </p:style>
+      </p:cxnSp>
+      <p:sp>
+        <p:nvSpPr>
+          <p:cNvPr id="73" name="流程图: 过程 72">
+            <a:extLst>
+              <a:ext uri="{FF2B5EF4-FFF2-40B4-BE49-F238E27FC236}">
+                <a16:creationId xmlns:a16="http://schemas.microsoft.com/office/drawing/2014/main" id="{D87B1C62-74D5-424C-81B1-3460529F49FD}"/>
               </a:ext>
             </a:extLst>
           </p:cNvPr>
@@ -7438,10 +8750,10 @@
         </p:nvSpPr>
         <p:spPr>
           <a:xfrm>
-            <a:off x="6378606" y="5490134"/>
-            <a:ext cx="1757777" cy="797730"/>
-          </a:xfrm>
-          <a:prstGeom prst="flowChartTerminator">
+            <a:off x="8975322" y="3235733"/>
+            <a:ext cx="1358283" cy="834678"/>
+          </a:xfrm>
+          <a:prstGeom prst="flowChartProcess">
             <a:avLst/>
           </a:prstGeom>
         </p:spPr>
@@ -7469,21 +8781,228 @@
                 <a:latin typeface="思源黑体 Regular" panose="020B0500000000000000" pitchFamily="34" charset="-128"/>
                 <a:ea typeface="思源黑体 Regular" panose="020B0500000000000000" pitchFamily="34" charset="-128"/>
               </a:rPr>
-              <a:t>一个</a:t>
-            </a:r>
-            <a:r>
-              <a:rPr lang="en-US" altLang="zh-CN" sz="1600" dirty="0">
-                <a:latin typeface="思源黑体 Regular" panose="020B0500000000000000" pitchFamily="34" charset="-128"/>
-                <a:ea typeface="思源黑体 Regular" panose="020B0500000000000000" pitchFamily="34" charset="-128"/>
-              </a:rPr>
-              <a:t>patch</a:t>
-            </a:r>
+              <a:t>子线程向父线程发送消息</a:t>
+            </a:r>
+          </a:p>
+        </p:txBody>
+      </p:sp>
+      <p:cxnSp>
+        <p:nvCxnSpPr>
+          <p:cNvPr id="75" name="直接箭头连接符 74">
+            <a:extLst>
+              <a:ext uri="{FF2B5EF4-FFF2-40B4-BE49-F238E27FC236}">
+                <a16:creationId xmlns:a16="http://schemas.microsoft.com/office/drawing/2014/main" id="{7F06F96D-0809-429D-BAED-B2FB9668A043}"/>
+              </a:ext>
+            </a:extLst>
+          </p:cNvPr>
+          <p:cNvCxnSpPr>
+            <a:cxnSpLocks/>
+          </p:cNvCxnSpPr>
+          <p:nvPr/>
+        </p:nvCxnSpPr>
+        <p:spPr>
+          <a:xfrm flipV="1">
+            <a:off x="9654463" y="2401676"/>
+            <a:ext cx="0" cy="834678"/>
+          </a:xfrm>
+          <a:prstGeom prst="straightConnector1">
+            <a:avLst/>
+          </a:prstGeom>
+          <a:ln>
+            <a:tailEnd type="triangle"/>
+          </a:ln>
+        </p:spPr>
+        <p:style>
+          <a:lnRef idx="1">
+            <a:schemeClr val="accent2"/>
+          </a:lnRef>
+          <a:fillRef idx="0">
+            <a:schemeClr val="accent2"/>
+          </a:fillRef>
+          <a:effectRef idx="0">
+            <a:schemeClr val="accent2"/>
+          </a:effectRef>
+          <a:fontRef idx="minor">
+            <a:schemeClr val="tx1"/>
+          </a:fontRef>
+        </p:style>
+      </p:cxnSp>
+      <p:sp>
+        <p:nvSpPr>
+          <p:cNvPr id="78" name="流程图: 过程 77">
+            <a:extLst>
+              <a:ext uri="{FF2B5EF4-FFF2-40B4-BE49-F238E27FC236}">
+                <a16:creationId xmlns:a16="http://schemas.microsoft.com/office/drawing/2014/main" id="{9A5C9780-A090-471B-A1BB-A29C75DBCFD7}"/>
+              </a:ext>
+            </a:extLst>
+          </p:cNvPr>
+          <p:cNvSpPr/>
+          <p:nvPr/>
+        </p:nvSpPr>
+        <p:spPr>
+          <a:xfrm>
+            <a:off x="8908740" y="1473871"/>
+            <a:ext cx="1491446" cy="927805"/>
+          </a:xfrm>
+          <a:prstGeom prst="flowChartProcess">
+            <a:avLst/>
+          </a:prstGeom>
+        </p:spPr>
+        <p:style>
+          <a:lnRef idx="1">
+            <a:schemeClr val="accent2"/>
+          </a:lnRef>
+          <a:fillRef idx="2">
+            <a:schemeClr val="accent2"/>
+          </a:fillRef>
+          <a:effectRef idx="1">
+            <a:schemeClr val="accent2"/>
+          </a:effectRef>
+          <a:fontRef idx="minor">
+            <a:schemeClr val="dk1"/>
+          </a:fontRef>
+        </p:style>
+        <p:txBody>
+          <a:bodyPr rtlCol="0" anchor="ctr"/>
+          <a:lstStyle/>
+          <a:p>
+            <a:pPr algn="ctr"/>
             <a:r>
               <a:rPr lang="zh-CN" altLang="en-US" sz="1600" dirty="0">
                 <a:latin typeface="思源黑体 Regular" panose="020B0500000000000000" pitchFamily="34" charset="-128"/>
                 <a:ea typeface="思源黑体 Regular" panose="020B0500000000000000" pitchFamily="34" charset="-128"/>
               </a:rPr>
-              <a:t>周期结束</a:t>
+              <a:t>父线程收到消息</a:t>
+            </a:r>
+          </a:p>
+        </p:txBody>
+      </p:sp>
+      <p:cxnSp>
+        <p:nvCxnSpPr>
+          <p:cNvPr id="80" name="直接箭头连接符 79">
+            <a:extLst>
+              <a:ext uri="{FF2B5EF4-FFF2-40B4-BE49-F238E27FC236}">
+                <a16:creationId xmlns:a16="http://schemas.microsoft.com/office/drawing/2014/main" id="{2828B2EF-83B4-4625-9803-E9C99B0F8294}"/>
+              </a:ext>
+            </a:extLst>
+          </p:cNvPr>
+          <p:cNvCxnSpPr>
+            <a:cxnSpLocks/>
+          </p:cNvCxnSpPr>
+          <p:nvPr/>
+        </p:nvCxnSpPr>
+        <p:spPr>
+          <a:xfrm flipV="1">
+            <a:off x="9654463" y="861223"/>
+            <a:ext cx="0" cy="621437"/>
+          </a:xfrm>
+          <a:prstGeom prst="straightConnector1">
+            <a:avLst/>
+          </a:prstGeom>
+          <a:ln>
+            <a:tailEnd type="triangle"/>
+          </a:ln>
+        </p:spPr>
+        <p:style>
+          <a:lnRef idx="1">
+            <a:schemeClr val="accent2"/>
+          </a:lnRef>
+          <a:fillRef idx="0">
+            <a:schemeClr val="accent2"/>
+          </a:fillRef>
+          <a:effectRef idx="0">
+            <a:schemeClr val="accent2"/>
+          </a:effectRef>
+          <a:fontRef idx="minor">
+            <a:schemeClr val="tx1"/>
+          </a:fontRef>
+        </p:style>
+      </p:cxnSp>
+      <p:sp>
+        <p:nvSpPr>
+          <p:cNvPr id="82" name="流程图: 终止 81">
+            <a:extLst>
+              <a:ext uri="{FF2B5EF4-FFF2-40B4-BE49-F238E27FC236}">
+                <a16:creationId xmlns:a16="http://schemas.microsoft.com/office/drawing/2014/main" id="{B95855C5-7884-4C4F-A292-7671766DD539}"/>
+              </a:ext>
+            </a:extLst>
+          </p:cNvPr>
+          <p:cNvSpPr/>
+          <p:nvPr/>
+        </p:nvSpPr>
+        <p:spPr>
+          <a:xfrm>
+            <a:off x="8866572" y="151775"/>
+            <a:ext cx="1575782" cy="713601"/>
+          </a:xfrm>
+          <a:prstGeom prst="flowChartTerminator">
+            <a:avLst/>
+          </a:prstGeom>
+        </p:spPr>
+        <p:style>
+          <a:lnRef idx="1">
+            <a:schemeClr val="accent2"/>
+          </a:lnRef>
+          <a:fillRef idx="2">
+            <a:schemeClr val="accent2"/>
+          </a:fillRef>
+          <a:effectRef idx="1">
+            <a:schemeClr val="accent2"/>
+          </a:effectRef>
+          <a:fontRef idx="minor">
+            <a:schemeClr val="dk1"/>
+          </a:fontRef>
+        </p:style>
+        <p:txBody>
+          <a:bodyPr rtlCol="0" anchor="ctr"/>
+          <a:lstStyle/>
+          <a:p>
+            <a:pPr algn="ctr"/>
+            <a:r>
+              <a:rPr lang="zh-CN" altLang="en-US" sz="1600" dirty="0">
+                <a:latin typeface="思源黑体 Regular" panose="020B0500000000000000" pitchFamily="34" charset="-128"/>
+                <a:ea typeface="思源黑体 Regular" panose="020B0500000000000000" pitchFamily="34" charset="-128"/>
+              </a:rPr>
+              <a:t>一个监听周期结束</a:t>
+            </a:r>
+          </a:p>
+        </p:txBody>
+      </p:sp>
+      <p:sp>
+        <p:nvSpPr>
+          <p:cNvPr id="83" name="文本框 82">
+            <a:extLst>
+              <a:ext uri="{FF2B5EF4-FFF2-40B4-BE49-F238E27FC236}">
+                <a16:creationId xmlns:a16="http://schemas.microsoft.com/office/drawing/2014/main" id="{F506B11E-998E-4423-B069-96A71A4D4F95}"/>
+              </a:ext>
+            </a:extLst>
+          </p:cNvPr>
+          <p:cNvSpPr txBox="1"/>
+          <p:nvPr/>
+        </p:nvSpPr>
+        <p:spPr>
+          <a:xfrm>
+            <a:off x="4529094" y="185567"/>
+            <a:ext cx="1890943" cy="369332"/>
+          </a:xfrm>
+          <a:prstGeom prst="rect">
+            <a:avLst/>
+          </a:prstGeom>
+          <a:noFill/>
+        </p:spPr>
+        <p:txBody>
+          <a:bodyPr wrap="square" rtlCol="0">
+            <a:spAutoFit/>
+          </a:bodyPr>
+          <a:lstStyle/>
+          <a:p>
+            <a:pPr algn="ctr"/>
+            <a:r>
+              <a:rPr lang="zh-CN" altLang="en-US" dirty="0">
+                <a:latin typeface="等距更纱黑体 SC" panose="02000509000000000000" pitchFamily="49" charset="-122"/>
+                <a:ea typeface="等距更纱黑体 SC" panose="02000509000000000000" pitchFamily="49" charset="-122"/>
+              </a:rPr>
+              <a:t>生产环境</a:t>
             </a:r>
           </a:p>
         </p:txBody>
@@ -7491,20 +9010,20 @@
     </p:spTree>
     <p:extLst>
       <p:ext uri="{BB962C8B-B14F-4D97-AF65-F5344CB8AC3E}">
-        <p14:creationId xmlns:p14="http://schemas.microsoft.com/office/powerpoint/2010/main" val="2884048573"/>
+        <p14:creationId xmlns:p14="http://schemas.microsoft.com/office/powerpoint/2010/main" val="3620930744"/>
       </p:ext>
     </p:extLst>
   </p:cSld>
   <p:clrMapOvr>
     <a:masterClrMapping/>
   </p:clrMapOvr>
-  <mc:AlternateContent xmlns:mc="http://schemas.openxmlformats.org/markup-compatibility/2006">
-    <mc:Choice xmlns:p14="http://schemas.microsoft.com/office/powerpoint/2010/main" Requires="p14">
-      <p:transition spd="slow" p14:dur="2000">
-        <p14:prism isContent="1"/>
+  <mc:AlternateContent xmlns:mc="http://schemas.openxmlformats.org/markup-compatibility/2006" xmlns:p159="http://schemas.microsoft.com/office/powerpoint/2015/09/main">
+    <mc:Choice Requires="p159">
+      <p:transition xmlns:p14="http://schemas.microsoft.com/office/powerpoint/2010/main" spd="slow" p14:dur="2000">
+        <p159:morph option="byObject"/>
       </p:transition>
     </mc:Choice>
-    <mc:Fallback>
+    <mc:Fallback xmlns="">
       <p:transition spd="slow">
         <p:fade/>
       </p:transition>
@@ -7530,20 +9049,1129 @@
           <a:chExt cx="0" cy="0"/>
         </a:xfrm>
       </p:grpSpPr>
+      <p:sp>
+        <p:nvSpPr>
+          <p:cNvPr id="14" name="流程图: 准备 13">
+            <a:extLst>
+              <a:ext uri="{FF2B5EF4-FFF2-40B4-BE49-F238E27FC236}">
+                <a16:creationId xmlns:a16="http://schemas.microsoft.com/office/drawing/2014/main" id="{BD8A289C-9308-4BC6-8D4E-53CBDAED1D6E}"/>
+              </a:ext>
+            </a:extLst>
+          </p:cNvPr>
+          <p:cNvSpPr/>
+          <p:nvPr/>
+        </p:nvSpPr>
+        <p:spPr>
+          <a:xfrm>
+            <a:off x="790111" y="248575"/>
+            <a:ext cx="1198485" cy="612648"/>
+          </a:xfrm>
+          <a:prstGeom prst="flowChartPreparation">
+            <a:avLst/>
+          </a:prstGeom>
+        </p:spPr>
+        <p:style>
+          <a:lnRef idx="1">
+            <a:schemeClr val="accent2"/>
+          </a:lnRef>
+          <a:fillRef idx="2">
+            <a:schemeClr val="accent2"/>
+          </a:fillRef>
+          <a:effectRef idx="1">
+            <a:schemeClr val="accent2"/>
+          </a:effectRef>
+          <a:fontRef idx="minor">
+            <a:schemeClr val="dk1"/>
+          </a:fontRef>
+        </p:style>
+        <p:txBody>
+          <a:bodyPr rtlCol="0" anchor="ctr"/>
+          <a:lstStyle/>
+          <a:p>
+            <a:pPr marL="0" marR="0" lvl="0" indent="0" algn="ctr" defTabSz="914400" rtl="0" eaLnBrk="1" fontAlgn="auto" latinLnBrk="0" hangingPunct="1">
+              <a:lnSpc>
+                <a:spcPct val="100000"/>
+              </a:lnSpc>
+              <a:spcBef>
+                <a:spcPts val="0"/>
+              </a:spcBef>
+              <a:spcAft>
+                <a:spcPts val="0"/>
+              </a:spcAft>
+              <a:buClrTx/>
+              <a:buSzTx/>
+              <a:buFontTx/>
+              <a:buNone/>
+              <a:tabLst/>
+              <a:defRPr/>
+            </a:pPr>
+            <a:r>
+              <a:rPr kumimoji="0" lang="zh-CN" altLang="en-US" sz="1400" b="0" i="0" u="none" strike="noStrike" kern="1200" cap="none" spc="0" normalizeH="0" baseline="0" noProof="0" dirty="0">
+                <a:ln>
+                  <a:noFill/>
+                </a:ln>
+                <a:solidFill>
+                  <a:prstClr val="black"/>
+                </a:solidFill>
+                <a:effectLst/>
+                <a:uLnTx/>
+                <a:uFillTx/>
+                <a:latin typeface="思源黑体 Regular" panose="020B0500000000000000" pitchFamily="34" charset="-128"/>
+                <a:ea typeface="思源黑体 Regular" panose="020B0500000000000000" pitchFamily="34" charset="-128"/>
+                <a:cs typeface="+mn-cs"/>
+              </a:rPr>
+              <a:t>初始化</a:t>
+            </a:r>
+          </a:p>
+        </p:txBody>
+      </p:sp>
+      <p:cxnSp>
+        <p:nvCxnSpPr>
+          <p:cNvPr id="16" name="直接箭头连接符 15">
+            <a:extLst>
+              <a:ext uri="{FF2B5EF4-FFF2-40B4-BE49-F238E27FC236}">
+                <a16:creationId xmlns:a16="http://schemas.microsoft.com/office/drawing/2014/main" id="{226D3F4C-550A-4269-89F2-262D12C01BA1}"/>
+              </a:ext>
+            </a:extLst>
+          </p:cNvPr>
+          <p:cNvCxnSpPr>
+            <a:cxnSpLocks/>
+            <a:stCxn id="14" idx="2"/>
+          </p:cNvCxnSpPr>
+          <p:nvPr/>
+        </p:nvCxnSpPr>
+        <p:spPr>
+          <a:xfrm>
+            <a:off x="1389354" y="861223"/>
+            <a:ext cx="0" cy="612648"/>
+          </a:xfrm>
+          <a:prstGeom prst="straightConnector1">
+            <a:avLst/>
+          </a:prstGeom>
+          <a:ln>
+            <a:tailEnd type="triangle"/>
+          </a:ln>
+        </p:spPr>
+        <p:style>
+          <a:lnRef idx="1">
+            <a:schemeClr val="accent2"/>
+          </a:lnRef>
+          <a:fillRef idx="0">
+            <a:schemeClr val="accent2"/>
+          </a:fillRef>
+          <a:effectRef idx="0">
+            <a:schemeClr val="accent2"/>
+          </a:effectRef>
+          <a:fontRef idx="minor">
+            <a:schemeClr val="tx1"/>
+          </a:fontRef>
+        </p:style>
+      </p:cxnSp>
+      <p:sp>
+        <p:nvSpPr>
+          <p:cNvPr id="19" name="流程图: 决策 18">
+            <a:extLst>
+              <a:ext uri="{FF2B5EF4-FFF2-40B4-BE49-F238E27FC236}">
+                <a16:creationId xmlns:a16="http://schemas.microsoft.com/office/drawing/2014/main" id="{B4926D99-66E5-4296-8B29-9F14204E7E1B}"/>
+              </a:ext>
+            </a:extLst>
+          </p:cNvPr>
+          <p:cNvSpPr/>
+          <p:nvPr/>
+        </p:nvSpPr>
+        <p:spPr>
+          <a:xfrm>
+            <a:off x="443881" y="1473871"/>
+            <a:ext cx="1890943" cy="1020932"/>
+          </a:xfrm>
+          <a:prstGeom prst="flowChartDecision">
+            <a:avLst/>
+          </a:prstGeom>
+        </p:spPr>
+        <p:style>
+          <a:lnRef idx="1">
+            <a:schemeClr val="accent2"/>
+          </a:lnRef>
+          <a:fillRef idx="2">
+            <a:schemeClr val="accent2"/>
+          </a:fillRef>
+          <a:effectRef idx="1">
+            <a:schemeClr val="accent2"/>
+          </a:effectRef>
+          <a:fontRef idx="minor">
+            <a:schemeClr val="dk1"/>
+          </a:fontRef>
+        </p:style>
+        <p:txBody>
+          <a:bodyPr rtlCol="0" anchor="ctr"/>
+          <a:lstStyle/>
+          <a:p>
+            <a:pPr marL="0" marR="0" lvl="0" indent="0" algn="ctr" defTabSz="914400" rtl="0" eaLnBrk="1" fontAlgn="auto" latinLnBrk="0" hangingPunct="1">
+              <a:lnSpc>
+                <a:spcPct val="100000"/>
+              </a:lnSpc>
+              <a:spcBef>
+                <a:spcPts val="0"/>
+              </a:spcBef>
+              <a:spcAft>
+                <a:spcPts val="0"/>
+              </a:spcAft>
+              <a:buClrTx/>
+              <a:buSzTx/>
+              <a:buFontTx/>
+              <a:buNone/>
+              <a:tabLst/>
+              <a:defRPr/>
+            </a:pPr>
+            <a:r>
+              <a:rPr lang="en-US" altLang="zh-CN" sz="1600" dirty="0" err="1">
+                <a:solidFill>
+                  <a:prstClr val="black"/>
+                </a:solidFill>
+                <a:latin typeface="思源黑体 Regular" panose="020B0500000000000000" pitchFamily="34" charset="-128"/>
+                <a:ea typeface="思源黑体 Regular" panose="020B0500000000000000" pitchFamily="34" charset="-128"/>
+              </a:rPr>
+              <a:t>task_queue</a:t>
+            </a:r>
+            <a:r>
+              <a:rPr lang="zh-CN" altLang="en-US" sz="1600" dirty="0">
+                <a:solidFill>
+                  <a:prstClr val="black"/>
+                </a:solidFill>
+                <a:latin typeface="思源黑体 Regular" panose="020B0500000000000000" pitchFamily="34" charset="-128"/>
+                <a:ea typeface="思源黑体 Regular" panose="020B0500000000000000" pitchFamily="34" charset="-128"/>
+              </a:rPr>
+              <a:t>有消息</a:t>
+            </a:r>
+            <a:r>
+              <a:rPr kumimoji="0" lang="en-US" altLang="zh-CN" sz="1600" b="0" i="0" u="none" strike="noStrike" kern="1200" cap="none" spc="0" normalizeH="0" baseline="0" noProof="0" dirty="0">
+                <a:ln>
+                  <a:noFill/>
+                </a:ln>
+                <a:solidFill>
+                  <a:prstClr val="black"/>
+                </a:solidFill>
+                <a:effectLst/>
+                <a:uLnTx/>
+                <a:uFillTx/>
+                <a:latin typeface="思源黑体 Regular" panose="020B0500000000000000" pitchFamily="34" charset="-128"/>
+                <a:ea typeface="思源黑体 Regular" panose="020B0500000000000000" pitchFamily="34" charset="-128"/>
+                <a:cs typeface="+mn-cs"/>
+              </a:rPr>
+              <a:t>?</a:t>
+            </a:r>
+            <a:endParaRPr kumimoji="0" lang="zh-CN" altLang="en-US" sz="1600" b="0" i="0" u="none" strike="noStrike" kern="1200" cap="none" spc="0" normalizeH="0" baseline="0" noProof="0" dirty="0">
+              <a:ln>
+                <a:noFill/>
+              </a:ln>
+              <a:solidFill>
+                <a:prstClr val="black"/>
+              </a:solidFill>
+              <a:effectLst/>
+              <a:uLnTx/>
+              <a:uFillTx/>
+              <a:latin typeface="思源黑体 Regular" panose="020B0500000000000000" pitchFamily="34" charset="-128"/>
+              <a:ea typeface="思源黑体 Regular" panose="020B0500000000000000" pitchFamily="34" charset="-128"/>
+              <a:cs typeface="+mn-cs"/>
+            </a:endParaRPr>
+          </a:p>
+        </p:txBody>
+      </p:sp>
+      <p:cxnSp>
+        <p:nvCxnSpPr>
+          <p:cNvPr id="21" name="直接箭头连接符 20">
+            <a:extLst>
+              <a:ext uri="{FF2B5EF4-FFF2-40B4-BE49-F238E27FC236}">
+                <a16:creationId xmlns:a16="http://schemas.microsoft.com/office/drawing/2014/main" id="{19B317AF-8C5E-4A26-A749-CF9C1A919157}"/>
+              </a:ext>
+            </a:extLst>
+          </p:cNvPr>
+          <p:cNvCxnSpPr>
+            <a:stCxn id="19" idx="3"/>
+          </p:cNvCxnSpPr>
+          <p:nvPr/>
+        </p:nvCxnSpPr>
+        <p:spPr>
+          <a:xfrm>
+            <a:off x="2334824" y="1984337"/>
+            <a:ext cx="1162978" cy="0"/>
+          </a:xfrm>
+          <a:prstGeom prst="straightConnector1">
+            <a:avLst/>
+          </a:prstGeom>
+          <a:ln>
+            <a:tailEnd type="triangle"/>
+          </a:ln>
+        </p:spPr>
+        <p:style>
+          <a:lnRef idx="1">
+            <a:schemeClr val="accent2"/>
+          </a:lnRef>
+          <a:fillRef idx="0">
+            <a:schemeClr val="accent2"/>
+          </a:fillRef>
+          <a:effectRef idx="0">
+            <a:schemeClr val="accent2"/>
+          </a:effectRef>
+          <a:fontRef idx="minor">
+            <a:schemeClr val="tx1"/>
+          </a:fontRef>
+        </p:style>
+      </p:cxnSp>
+      <p:sp>
+        <p:nvSpPr>
+          <p:cNvPr id="24" name="文本框 23">
+            <a:extLst>
+              <a:ext uri="{FF2B5EF4-FFF2-40B4-BE49-F238E27FC236}">
+                <a16:creationId xmlns:a16="http://schemas.microsoft.com/office/drawing/2014/main" id="{C24ED09F-33AE-4AF0-A1C0-4514EA7FB964}"/>
+              </a:ext>
+            </a:extLst>
+          </p:cNvPr>
+          <p:cNvSpPr txBox="1"/>
+          <p:nvPr/>
+        </p:nvSpPr>
+        <p:spPr>
+          <a:xfrm>
+            <a:off x="2405849" y="1580225"/>
+            <a:ext cx="754601" cy="369332"/>
+          </a:xfrm>
+          <a:prstGeom prst="rect">
+            <a:avLst/>
+          </a:prstGeom>
+          <a:noFill/>
+        </p:spPr>
+        <p:txBody>
+          <a:bodyPr wrap="square" rtlCol="0">
+            <a:spAutoFit/>
+          </a:bodyPr>
+          <a:lstStyle/>
+          <a:p>
+            <a:pPr marL="0" marR="0" lvl="0" indent="0" algn="ctr" defTabSz="914400" rtl="0" eaLnBrk="1" fontAlgn="auto" latinLnBrk="0" hangingPunct="1">
+              <a:lnSpc>
+                <a:spcPct val="100000"/>
+              </a:lnSpc>
+              <a:spcBef>
+                <a:spcPts val="0"/>
+              </a:spcBef>
+              <a:spcAft>
+                <a:spcPts val="0"/>
+              </a:spcAft>
+              <a:buClrTx/>
+              <a:buSzTx/>
+              <a:buFontTx/>
+              <a:buNone/>
+              <a:tabLst/>
+              <a:defRPr/>
+            </a:pPr>
+            <a:r>
+              <a:rPr kumimoji="0" lang="en-US" altLang="zh-CN" sz="1800" b="0" i="0" u="none" strike="noStrike" kern="1200" cap="none" spc="0" normalizeH="0" baseline="0" noProof="0" dirty="0">
+                <a:ln>
+                  <a:noFill/>
+                </a:ln>
+                <a:solidFill>
+                  <a:prstClr val="black"/>
+                </a:solidFill>
+                <a:effectLst/>
+                <a:uLnTx/>
+                <a:uFillTx/>
+                <a:latin typeface="等线" panose="020F0502020204030204"/>
+                <a:ea typeface="等线" panose="02010600030101010101" pitchFamily="2" charset="-122"/>
+                <a:cs typeface="+mn-cs"/>
+              </a:rPr>
+              <a:t>Y</a:t>
+            </a:r>
+            <a:endParaRPr kumimoji="0" lang="zh-CN" altLang="en-US" sz="1800" b="0" i="0" u="none" strike="noStrike" kern="1200" cap="none" spc="0" normalizeH="0" baseline="0" noProof="0" dirty="0">
+              <a:ln>
+                <a:noFill/>
+              </a:ln>
+              <a:solidFill>
+                <a:prstClr val="black"/>
+              </a:solidFill>
+              <a:effectLst/>
+              <a:uLnTx/>
+              <a:uFillTx/>
+              <a:latin typeface="等线" panose="020F0502020204030204"/>
+              <a:ea typeface="等线" panose="02010600030101010101" pitchFamily="2" charset="-122"/>
+              <a:cs typeface="+mn-cs"/>
+            </a:endParaRPr>
+          </a:p>
+        </p:txBody>
+      </p:sp>
+      <p:sp>
+        <p:nvSpPr>
+          <p:cNvPr id="26" name="文本框 25">
+            <a:extLst>
+              <a:ext uri="{FF2B5EF4-FFF2-40B4-BE49-F238E27FC236}">
+                <a16:creationId xmlns:a16="http://schemas.microsoft.com/office/drawing/2014/main" id="{18A87392-4D11-4426-AA47-061FFF736F7F}"/>
+              </a:ext>
+            </a:extLst>
+          </p:cNvPr>
+          <p:cNvSpPr txBox="1"/>
+          <p:nvPr/>
+        </p:nvSpPr>
+        <p:spPr>
+          <a:xfrm>
+            <a:off x="572608" y="2409587"/>
+            <a:ext cx="435003" cy="369332"/>
+          </a:xfrm>
+          <a:prstGeom prst="rect">
+            <a:avLst/>
+          </a:prstGeom>
+          <a:noFill/>
+        </p:spPr>
+        <p:txBody>
+          <a:bodyPr wrap="square" rtlCol="0">
+            <a:spAutoFit/>
+          </a:bodyPr>
+          <a:lstStyle/>
+          <a:p>
+            <a:pPr marL="0" marR="0" lvl="0" indent="0" algn="l" defTabSz="914400" rtl="0" eaLnBrk="1" fontAlgn="auto" latinLnBrk="0" hangingPunct="1">
+              <a:lnSpc>
+                <a:spcPct val="100000"/>
+              </a:lnSpc>
+              <a:spcBef>
+                <a:spcPts val="0"/>
+              </a:spcBef>
+              <a:spcAft>
+                <a:spcPts val="0"/>
+              </a:spcAft>
+              <a:buClrTx/>
+              <a:buSzTx/>
+              <a:buFontTx/>
+              <a:buNone/>
+              <a:tabLst/>
+              <a:defRPr/>
+            </a:pPr>
+            <a:r>
+              <a:rPr kumimoji="0" lang="en-US" altLang="zh-CN" sz="1800" b="0" i="0" u="none" strike="noStrike" kern="1200" cap="none" spc="0" normalizeH="0" baseline="0" noProof="0" dirty="0">
+                <a:ln>
+                  <a:noFill/>
+                </a:ln>
+                <a:solidFill>
+                  <a:prstClr val="black"/>
+                </a:solidFill>
+                <a:effectLst/>
+                <a:uLnTx/>
+                <a:uFillTx/>
+                <a:latin typeface="等线" panose="020F0502020204030204"/>
+                <a:ea typeface="等线" panose="02010600030101010101" pitchFamily="2" charset="-122"/>
+                <a:cs typeface="+mn-cs"/>
+              </a:rPr>
+              <a:t>N</a:t>
+            </a:r>
+            <a:endParaRPr kumimoji="0" lang="zh-CN" altLang="en-US" sz="1800" b="0" i="0" u="none" strike="noStrike" kern="1200" cap="none" spc="0" normalizeH="0" baseline="0" noProof="0" dirty="0">
+              <a:ln>
+                <a:noFill/>
+              </a:ln>
+              <a:solidFill>
+                <a:prstClr val="black"/>
+              </a:solidFill>
+              <a:effectLst/>
+              <a:uLnTx/>
+              <a:uFillTx/>
+              <a:latin typeface="等线" panose="020F0502020204030204"/>
+              <a:ea typeface="等线" panose="02010600030101010101" pitchFamily="2" charset="-122"/>
+              <a:cs typeface="+mn-cs"/>
+            </a:endParaRPr>
+          </a:p>
+        </p:txBody>
+      </p:sp>
+      <p:sp>
+        <p:nvSpPr>
+          <p:cNvPr id="36" name="流程图: 过程 35">
+            <a:extLst>
+              <a:ext uri="{FF2B5EF4-FFF2-40B4-BE49-F238E27FC236}">
+                <a16:creationId xmlns:a16="http://schemas.microsoft.com/office/drawing/2014/main" id="{ED069B88-08BB-46B3-A7D3-57BC78AFB686}"/>
+              </a:ext>
+            </a:extLst>
+          </p:cNvPr>
+          <p:cNvSpPr/>
+          <p:nvPr/>
+        </p:nvSpPr>
+        <p:spPr>
+          <a:xfrm>
+            <a:off x="3497802" y="1566998"/>
+            <a:ext cx="1358283" cy="834678"/>
+          </a:xfrm>
+          <a:prstGeom prst="flowChartProcess">
+            <a:avLst/>
+          </a:prstGeom>
+        </p:spPr>
+        <p:style>
+          <a:lnRef idx="1">
+            <a:schemeClr val="accent2"/>
+          </a:lnRef>
+          <a:fillRef idx="2">
+            <a:schemeClr val="accent2"/>
+          </a:fillRef>
+          <a:effectRef idx="1">
+            <a:schemeClr val="accent2"/>
+          </a:effectRef>
+          <a:fontRef idx="minor">
+            <a:schemeClr val="dk1"/>
+          </a:fontRef>
+        </p:style>
+        <p:txBody>
+          <a:bodyPr rtlCol="0" anchor="ctr"/>
+          <a:lstStyle/>
+          <a:p>
+            <a:pPr marL="0" marR="0" lvl="0" indent="0" algn="ctr" defTabSz="914400" rtl="0" eaLnBrk="1" fontAlgn="auto" latinLnBrk="0" hangingPunct="1">
+              <a:lnSpc>
+                <a:spcPct val="100000"/>
+              </a:lnSpc>
+              <a:spcBef>
+                <a:spcPts val="0"/>
+              </a:spcBef>
+              <a:spcAft>
+                <a:spcPts val="0"/>
+              </a:spcAft>
+              <a:buClrTx/>
+              <a:buSzTx/>
+              <a:buFontTx/>
+              <a:buNone/>
+              <a:tabLst/>
+              <a:defRPr/>
+            </a:pPr>
+            <a:r>
+              <a:rPr lang="en-US" altLang="zh-CN" sz="1600" dirty="0">
+                <a:solidFill>
+                  <a:prstClr val="black"/>
+                </a:solidFill>
+                <a:latin typeface="思源黑体 Regular" panose="020B0500000000000000" pitchFamily="34" charset="-128"/>
+                <a:ea typeface="思源黑体 Regular" panose="020B0500000000000000" pitchFamily="34" charset="-128"/>
+              </a:rPr>
+              <a:t>s</a:t>
+            </a:r>
+            <a:r>
+              <a:rPr kumimoji="0" lang="en-US" altLang="zh-CN" sz="1600" b="0" i="0" u="none" strike="noStrike" kern="1200" cap="none" spc="0" normalizeH="0" baseline="0" noProof="0" dirty="0">
+                <a:ln>
+                  <a:noFill/>
+                </a:ln>
+                <a:solidFill>
+                  <a:prstClr val="black"/>
+                </a:solidFill>
+                <a:effectLst/>
+                <a:uLnTx/>
+                <a:uFillTx/>
+                <a:latin typeface="思源黑体 Regular" panose="020B0500000000000000" pitchFamily="34" charset="-128"/>
+                <a:ea typeface="思源黑体 Regular" panose="020B0500000000000000" pitchFamily="34" charset="-128"/>
+                <a:cs typeface="+mn-cs"/>
+              </a:rPr>
+              <a:t>ftp</a:t>
+            </a:r>
+            <a:r>
+              <a:rPr kumimoji="0" lang="zh-CN" altLang="en-US" sz="1600" b="0" i="0" u="none" strike="noStrike" kern="1200" cap="none" spc="0" normalizeH="0" baseline="0" noProof="0" dirty="0">
+                <a:ln>
+                  <a:noFill/>
+                </a:ln>
+                <a:solidFill>
+                  <a:prstClr val="black"/>
+                </a:solidFill>
+                <a:effectLst/>
+                <a:uLnTx/>
+                <a:uFillTx/>
+                <a:latin typeface="思源黑体 Regular" panose="020B0500000000000000" pitchFamily="34" charset="-128"/>
+                <a:ea typeface="思源黑体 Regular" panose="020B0500000000000000" pitchFamily="34" charset="-128"/>
+                <a:cs typeface="+mn-cs"/>
+              </a:rPr>
+              <a:t>从生产环境</a:t>
+            </a:r>
+            <a:r>
+              <a:rPr lang="zh-CN" altLang="en-US" sz="1600" dirty="0">
+                <a:solidFill>
+                  <a:prstClr val="black"/>
+                </a:solidFill>
+                <a:latin typeface="思源黑体 Regular" panose="020B0500000000000000" pitchFamily="34" charset="-128"/>
+                <a:ea typeface="思源黑体 Regular" panose="020B0500000000000000" pitchFamily="34" charset="-128"/>
+              </a:rPr>
+              <a:t>下载</a:t>
+            </a:r>
+            <a:r>
+              <a:rPr lang="en-US" altLang="zh-CN" sz="1600" dirty="0">
+                <a:solidFill>
+                  <a:prstClr val="black"/>
+                </a:solidFill>
+                <a:latin typeface="思源黑体 Regular" panose="020B0500000000000000" pitchFamily="34" charset="-128"/>
+                <a:ea typeface="思源黑体 Regular" panose="020B0500000000000000" pitchFamily="34" charset="-128"/>
+              </a:rPr>
+              <a:t>patch</a:t>
+            </a:r>
+            <a:r>
+              <a:rPr lang="zh-CN" altLang="en-US" sz="1600" dirty="0">
+                <a:solidFill>
+                  <a:prstClr val="black"/>
+                </a:solidFill>
+                <a:latin typeface="思源黑体 Regular" panose="020B0500000000000000" pitchFamily="34" charset="-128"/>
+                <a:ea typeface="思源黑体 Regular" panose="020B0500000000000000" pitchFamily="34" charset="-128"/>
+              </a:rPr>
+              <a:t>文件</a:t>
+            </a:r>
+            <a:endParaRPr kumimoji="0" lang="zh-CN" altLang="en-US" sz="1600" b="0" i="0" u="none" strike="noStrike" kern="1200" cap="none" spc="0" normalizeH="0" baseline="0" noProof="0" dirty="0">
+              <a:ln>
+                <a:noFill/>
+              </a:ln>
+              <a:solidFill>
+                <a:prstClr val="black"/>
+              </a:solidFill>
+              <a:effectLst/>
+              <a:uLnTx/>
+              <a:uFillTx/>
+              <a:latin typeface="思源黑体 Regular" panose="020B0500000000000000" pitchFamily="34" charset="-128"/>
+              <a:ea typeface="思源黑体 Regular" panose="020B0500000000000000" pitchFamily="34" charset="-128"/>
+              <a:cs typeface="+mn-cs"/>
+            </a:endParaRPr>
+          </a:p>
+        </p:txBody>
+      </p:sp>
+      <p:sp>
+        <p:nvSpPr>
+          <p:cNvPr id="48" name="流程图: 过程 47">
+            <a:extLst>
+              <a:ext uri="{FF2B5EF4-FFF2-40B4-BE49-F238E27FC236}">
+                <a16:creationId xmlns:a16="http://schemas.microsoft.com/office/drawing/2014/main" id="{86F2BE5E-A363-4450-87F7-B351CA00076E}"/>
+              </a:ext>
+            </a:extLst>
+          </p:cNvPr>
+          <p:cNvSpPr/>
+          <p:nvPr/>
+        </p:nvSpPr>
+        <p:spPr>
+          <a:xfrm>
+            <a:off x="6285392" y="3809994"/>
+            <a:ext cx="1944206" cy="834678"/>
+          </a:xfrm>
+          <a:prstGeom prst="flowChartProcess">
+            <a:avLst/>
+          </a:prstGeom>
+        </p:spPr>
+        <p:style>
+          <a:lnRef idx="1">
+            <a:schemeClr val="accent2"/>
+          </a:lnRef>
+          <a:fillRef idx="2">
+            <a:schemeClr val="accent2"/>
+          </a:fillRef>
+          <a:effectRef idx="1">
+            <a:schemeClr val="accent2"/>
+          </a:effectRef>
+          <a:fontRef idx="minor">
+            <a:schemeClr val="dk1"/>
+          </a:fontRef>
+        </p:style>
+        <p:txBody>
+          <a:bodyPr rtlCol="0" anchor="ctr"/>
+          <a:lstStyle/>
+          <a:p>
+            <a:pPr marL="0" marR="0" lvl="0" indent="0" algn="ctr" defTabSz="914400" rtl="0" eaLnBrk="1" fontAlgn="auto" latinLnBrk="0" hangingPunct="1">
+              <a:lnSpc>
+                <a:spcPct val="100000"/>
+              </a:lnSpc>
+              <a:spcBef>
+                <a:spcPts val="0"/>
+              </a:spcBef>
+              <a:spcAft>
+                <a:spcPts val="0"/>
+              </a:spcAft>
+              <a:buClrTx/>
+              <a:buSzTx/>
+              <a:buFontTx/>
+              <a:buNone/>
+              <a:tabLst/>
+              <a:defRPr/>
+            </a:pPr>
+            <a:r>
+              <a:rPr lang="zh-CN" altLang="en-US" sz="1600" dirty="0">
+                <a:solidFill>
+                  <a:prstClr val="black"/>
+                </a:solidFill>
+                <a:latin typeface="思源黑体 Regular" panose="020B0500000000000000" pitchFamily="34" charset="-128"/>
+                <a:ea typeface="思源黑体 Regular" panose="020B0500000000000000" pitchFamily="34" charset="-128"/>
+              </a:rPr>
+              <a:t>向</a:t>
+            </a:r>
+            <a:r>
+              <a:rPr lang="en-US" altLang="zh-CN" sz="1600" dirty="0" err="1">
+                <a:solidFill>
+                  <a:prstClr val="black"/>
+                </a:solidFill>
+                <a:latin typeface="思源黑体 Regular" panose="020B0500000000000000" pitchFamily="34" charset="-128"/>
+                <a:ea typeface="思源黑体 Regular" panose="020B0500000000000000" pitchFamily="34" charset="-128"/>
+              </a:rPr>
+              <a:t>Message_queue</a:t>
+            </a:r>
+            <a:r>
+              <a:rPr lang="zh-CN" altLang="en-US" sz="1600" dirty="0">
+                <a:solidFill>
+                  <a:prstClr val="black"/>
+                </a:solidFill>
+                <a:latin typeface="思源黑体 Regular" panose="020B0500000000000000" pitchFamily="34" charset="-128"/>
+                <a:ea typeface="思源黑体 Regular" panose="020B0500000000000000" pitchFamily="34" charset="-128"/>
+              </a:rPr>
+              <a:t>发送消息</a:t>
+            </a:r>
+            <a:endParaRPr kumimoji="0" lang="zh-CN" altLang="en-US" sz="1600" b="0" i="0" u="none" strike="noStrike" kern="1200" cap="none" spc="0" normalizeH="0" baseline="0" noProof="0" dirty="0">
+              <a:ln>
+                <a:noFill/>
+              </a:ln>
+              <a:solidFill>
+                <a:prstClr val="black"/>
+              </a:solidFill>
+              <a:effectLst/>
+              <a:uLnTx/>
+              <a:uFillTx/>
+              <a:latin typeface="思源黑体 Regular" panose="020B0500000000000000" pitchFamily="34" charset="-128"/>
+              <a:ea typeface="思源黑体 Regular" panose="020B0500000000000000" pitchFamily="34" charset="-128"/>
+              <a:cs typeface="+mn-cs"/>
+            </a:endParaRPr>
+          </a:p>
+        </p:txBody>
+      </p:sp>
+      <p:cxnSp>
+        <p:nvCxnSpPr>
+          <p:cNvPr id="54" name="直接箭头连接符 53">
+            <a:extLst>
+              <a:ext uri="{FF2B5EF4-FFF2-40B4-BE49-F238E27FC236}">
+                <a16:creationId xmlns:a16="http://schemas.microsoft.com/office/drawing/2014/main" id="{FC51DFE3-1F1C-4C6D-BA81-9F6B70023EFB}"/>
+              </a:ext>
+            </a:extLst>
+          </p:cNvPr>
+          <p:cNvCxnSpPr>
+            <a:cxnSpLocks/>
+          </p:cNvCxnSpPr>
+          <p:nvPr/>
+        </p:nvCxnSpPr>
+        <p:spPr>
+          <a:xfrm>
+            <a:off x="4176944" y="2409587"/>
+            <a:ext cx="0" cy="1353844"/>
+          </a:xfrm>
+          <a:prstGeom prst="straightConnector1">
+            <a:avLst/>
+          </a:prstGeom>
+          <a:ln>
+            <a:tailEnd type="triangle"/>
+          </a:ln>
+        </p:spPr>
+        <p:style>
+          <a:lnRef idx="1">
+            <a:schemeClr val="accent2"/>
+          </a:lnRef>
+          <a:fillRef idx="0">
+            <a:schemeClr val="accent2"/>
+          </a:fillRef>
+          <a:effectRef idx="0">
+            <a:schemeClr val="accent2"/>
+          </a:effectRef>
+          <a:fontRef idx="minor">
+            <a:schemeClr val="tx1"/>
+          </a:fontRef>
+        </p:style>
+      </p:cxnSp>
+      <p:cxnSp>
+        <p:nvCxnSpPr>
+          <p:cNvPr id="56" name="直接箭头连接符 55">
+            <a:extLst>
+              <a:ext uri="{FF2B5EF4-FFF2-40B4-BE49-F238E27FC236}">
+                <a16:creationId xmlns:a16="http://schemas.microsoft.com/office/drawing/2014/main" id="{F23B8D39-7488-458B-9875-3B1A46EC18D7}"/>
+              </a:ext>
+            </a:extLst>
+          </p:cNvPr>
+          <p:cNvCxnSpPr>
+            <a:cxnSpLocks/>
+          </p:cNvCxnSpPr>
+          <p:nvPr/>
+        </p:nvCxnSpPr>
+        <p:spPr>
+          <a:xfrm>
+            <a:off x="7269336" y="4607724"/>
+            <a:ext cx="0" cy="882410"/>
+          </a:xfrm>
+          <a:prstGeom prst="straightConnector1">
+            <a:avLst/>
+          </a:prstGeom>
+          <a:ln>
+            <a:tailEnd type="triangle"/>
+          </a:ln>
+        </p:spPr>
+        <p:style>
+          <a:lnRef idx="1">
+            <a:schemeClr val="accent2"/>
+          </a:lnRef>
+          <a:fillRef idx="0">
+            <a:schemeClr val="accent2"/>
+          </a:fillRef>
+          <a:effectRef idx="0">
+            <a:schemeClr val="accent2"/>
+          </a:effectRef>
+          <a:fontRef idx="minor">
+            <a:schemeClr val="tx1"/>
+          </a:fontRef>
+        </p:style>
+      </p:cxnSp>
+      <p:sp>
+        <p:nvSpPr>
+          <p:cNvPr id="2" name="文本框 1">
+            <a:extLst>
+              <a:ext uri="{FF2B5EF4-FFF2-40B4-BE49-F238E27FC236}">
+                <a16:creationId xmlns:a16="http://schemas.microsoft.com/office/drawing/2014/main" id="{E2EC4891-D328-4AAE-8D6E-34814481F439}"/>
+              </a:ext>
+            </a:extLst>
+          </p:cNvPr>
+          <p:cNvSpPr txBox="1"/>
+          <p:nvPr/>
+        </p:nvSpPr>
+        <p:spPr>
+          <a:xfrm>
+            <a:off x="5277776" y="244761"/>
+            <a:ext cx="1482572" cy="369332"/>
+          </a:xfrm>
+          <a:prstGeom prst="rect">
+            <a:avLst/>
+          </a:prstGeom>
+          <a:noFill/>
+        </p:spPr>
+        <p:txBody>
+          <a:bodyPr wrap="square" rtlCol="0">
+            <a:spAutoFit/>
+          </a:bodyPr>
+          <a:lstStyle/>
+          <a:p>
+            <a:pPr algn="ctr"/>
+            <a:r>
+              <a:rPr lang="zh-CN" altLang="en-US" dirty="0">
+                <a:latin typeface="等距更纱黑体 SC" panose="02000509000000000000" pitchFamily="49" charset="-122"/>
+                <a:ea typeface="等距更纱黑体 SC" panose="02000509000000000000" pitchFamily="49" charset="-122"/>
+              </a:rPr>
+              <a:t>灾备</a:t>
+            </a:r>
+          </a:p>
+        </p:txBody>
+      </p:sp>
+      <p:cxnSp>
+        <p:nvCxnSpPr>
+          <p:cNvPr id="4" name="连接符: 肘形 3">
+            <a:extLst>
+              <a:ext uri="{FF2B5EF4-FFF2-40B4-BE49-F238E27FC236}">
+                <a16:creationId xmlns:a16="http://schemas.microsoft.com/office/drawing/2014/main" id="{F55D7BB6-3D44-44C2-AE95-E02C74077321}"/>
+              </a:ext>
+            </a:extLst>
+          </p:cNvPr>
+          <p:cNvCxnSpPr>
+            <a:stCxn id="19" idx="2"/>
+            <a:endCxn id="19" idx="1"/>
+          </p:cNvCxnSpPr>
+          <p:nvPr/>
+        </p:nvCxnSpPr>
+        <p:spPr>
+          <a:xfrm rot="5400000" flipH="1">
+            <a:off x="661384" y="1766834"/>
+            <a:ext cx="510466" cy="945472"/>
+          </a:xfrm>
+          <a:prstGeom prst="bentConnector4">
+            <a:avLst>
+              <a:gd name="adj1" fmla="val -44783"/>
+              <a:gd name="adj2" fmla="val 124178"/>
+            </a:avLst>
+          </a:prstGeom>
+          <a:ln>
+            <a:tailEnd type="triangle"/>
+          </a:ln>
+        </p:spPr>
+        <p:style>
+          <a:lnRef idx="1">
+            <a:schemeClr val="accent2"/>
+          </a:lnRef>
+          <a:fillRef idx="0">
+            <a:schemeClr val="accent2"/>
+          </a:fillRef>
+          <a:effectRef idx="0">
+            <a:schemeClr val="accent2"/>
+          </a:effectRef>
+          <a:fontRef idx="minor">
+            <a:schemeClr val="tx1"/>
+          </a:fontRef>
+        </p:style>
+      </p:cxnSp>
+      <p:sp>
+        <p:nvSpPr>
+          <p:cNvPr id="46" name="流程图: 过程 45">
+            <a:extLst>
+              <a:ext uri="{FF2B5EF4-FFF2-40B4-BE49-F238E27FC236}">
+                <a16:creationId xmlns:a16="http://schemas.microsoft.com/office/drawing/2014/main" id="{9EB90F25-0892-4047-871B-1912BBD390D9}"/>
+              </a:ext>
+            </a:extLst>
+          </p:cNvPr>
+          <p:cNvSpPr/>
+          <p:nvPr/>
+        </p:nvSpPr>
+        <p:spPr>
+          <a:xfrm>
+            <a:off x="3431220" y="3763431"/>
+            <a:ext cx="1491446" cy="927805"/>
+          </a:xfrm>
+          <a:prstGeom prst="flowChartProcess">
+            <a:avLst/>
+          </a:prstGeom>
+        </p:spPr>
+        <p:style>
+          <a:lnRef idx="1">
+            <a:schemeClr val="accent2"/>
+          </a:lnRef>
+          <a:fillRef idx="2">
+            <a:schemeClr val="accent2"/>
+          </a:fillRef>
+          <a:effectRef idx="1">
+            <a:schemeClr val="accent2"/>
+          </a:effectRef>
+          <a:fontRef idx="minor">
+            <a:schemeClr val="dk1"/>
+          </a:fontRef>
+        </p:style>
+        <p:txBody>
+          <a:bodyPr rtlCol="0" anchor="ctr"/>
+          <a:lstStyle/>
+          <a:p>
+            <a:pPr marL="0" marR="0" lvl="0" indent="0" algn="ctr" defTabSz="914400" rtl="0" eaLnBrk="1" fontAlgn="auto" latinLnBrk="0" hangingPunct="1">
+              <a:lnSpc>
+                <a:spcPct val="100000"/>
+              </a:lnSpc>
+              <a:spcBef>
+                <a:spcPts val="0"/>
+              </a:spcBef>
+              <a:spcAft>
+                <a:spcPts val="0"/>
+              </a:spcAft>
+              <a:buClrTx/>
+              <a:buSzTx/>
+              <a:buFontTx/>
+              <a:buNone/>
+              <a:tabLst/>
+              <a:defRPr/>
+            </a:pPr>
+            <a:r>
+              <a:rPr lang="en-US" altLang="zh-CN" sz="1600" dirty="0" err="1">
+                <a:solidFill>
+                  <a:prstClr val="black"/>
+                </a:solidFill>
+                <a:latin typeface="思源黑体 Regular" panose="020B0500000000000000" pitchFamily="34" charset="-128"/>
+                <a:ea typeface="思源黑体 Regular" panose="020B0500000000000000" pitchFamily="34" charset="-128"/>
+              </a:rPr>
+              <a:t>execSync</a:t>
+            </a:r>
+            <a:r>
+              <a:rPr lang="en-US" altLang="zh-CN" sz="1600" dirty="0">
+                <a:solidFill>
+                  <a:prstClr val="black"/>
+                </a:solidFill>
+                <a:latin typeface="思源黑体 Regular" panose="020B0500000000000000" pitchFamily="34" charset="-128"/>
+                <a:ea typeface="思源黑体 Regular" panose="020B0500000000000000" pitchFamily="34" charset="-128"/>
+              </a:rPr>
+              <a:t> </a:t>
+            </a:r>
+            <a:r>
+              <a:rPr lang="zh-CN" altLang="en-US" sz="1600" dirty="0">
+                <a:solidFill>
+                  <a:prstClr val="black"/>
+                </a:solidFill>
+                <a:latin typeface="思源黑体 Regular" panose="020B0500000000000000" pitchFamily="34" charset="-128"/>
+                <a:ea typeface="思源黑体 Regular" panose="020B0500000000000000" pitchFamily="34" charset="-128"/>
+              </a:rPr>
+              <a:t>将</a:t>
+            </a:r>
+            <a:r>
+              <a:rPr lang="en-US" altLang="zh-CN" sz="1600" dirty="0">
+                <a:solidFill>
+                  <a:prstClr val="black"/>
+                </a:solidFill>
+                <a:latin typeface="思源黑体 Regular" panose="020B0500000000000000" pitchFamily="34" charset="-128"/>
+                <a:ea typeface="思源黑体 Regular" panose="020B0500000000000000" pitchFamily="34" charset="-128"/>
+              </a:rPr>
+              <a:t>patch</a:t>
+            </a:r>
+            <a:r>
+              <a:rPr lang="zh-CN" altLang="en-US" sz="1600" dirty="0">
+                <a:solidFill>
+                  <a:prstClr val="black"/>
+                </a:solidFill>
+                <a:latin typeface="思源黑体 Regular" panose="020B0500000000000000" pitchFamily="34" charset="-128"/>
+                <a:ea typeface="思源黑体 Regular" panose="020B0500000000000000" pitchFamily="34" charset="-128"/>
+              </a:rPr>
+              <a:t>文件应用到</a:t>
+            </a:r>
+            <a:r>
+              <a:rPr lang="en-US" altLang="zh-CN" sz="1600" dirty="0">
+                <a:solidFill>
+                  <a:prstClr val="black"/>
+                </a:solidFill>
+                <a:latin typeface="思源黑体 Regular" panose="020B0500000000000000" pitchFamily="34" charset="-128"/>
+                <a:ea typeface="思源黑体 Regular" panose="020B0500000000000000" pitchFamily="34" charset="-128"/>
+              </a:rPr>
+              <a:t>A</a:t>
+            </a:r>
+            <a:r>
+              <a:rPr lang="zh-CN" altLang="en-US" sz="1600" dirty="0">
+                <a:solidFill>
+                  <a:prstClr val="black"/>
+                </a:solidFill>
+                <a:latin typeface="思源黑体 Regular" panose="020B0500000000000000" pitchFamily="34" charset="-128"/>
+                <a:ea typeface="思源黑体 Regular" panose="020B0500000000000000" pitchFamily="34" charset="-128"/>
+              </a:rPr>
+              <a:t>目录</a:t>
+            </a:r>
+            <a:endParaRPr kumimoji="0" lang="zh-CN" altLang="en-US" sz="1600" b="0" i="0" u="none" strike="noStrike" kern="1200" cap="none" spc="0" normalizeH="0" baseline="0" noProof="0" dirty="0">
+              <a:ln>
+                <a:noFill/>
+              </a:ln>
+              <a:solidFill>
+                <a:prstClr val="black"/>
+              </a:solidFill>
+              <a:effectLst/>
+              <a:uLnTx/>
+              <a:uFillTx/>
+              <a:latin typeface="思源黑体 Regular" panose="020B0500000000000000" pitchFamily="34" charset="-128"/>
+              <a:ea typeface="思源黑体 Regular" panose="020B0500000000000000" pitchFamily="34" charset="-128"/>
+              <a:cs typeface="+mn-cs"/>
+            </a:endParaRPr>
+          </a:p>
+        </p:txBody>
+      </p:sp>
+      <p:cxnSp>
+        <p:nvCxnSpPr>
+          <p:cNvPr id="8" name="直接箭头连接符 7">
+            <a:extLst>
+              <a:ext uri="{FF2B5EF4-FFF2-40B4-BE49-F238E27FC236}">
+                <a16:creationId xmlns:a16="http://schemas.microsoft.com/office/drawing/2014/main" id="{61398F00-AF78-4A16-94B8-0A87CAAEF51F}"/>
+              </a:ext>
+            </a:extLst>
+          </p:cNvPr>
+          <p:cNvCxnSpPr>
+            <a:stCxn id="46" idx="3"/>
+          </p:cNvCxnSpPr>
+          <p:nvPr/>
+        </p:nvCxnSpPr>
+        <p:spPr>
+          <a:xfrm flipV="1">
+            <a:off x="4922666" y="4227333"/>
+            <a:ext cx="1362726" cy="1"/>
+          </a:xfrm>
+          <a:prstGeom prst="straightConnector1">
+            <a:avLst/>
+          </a:prstGeom>
+          <a:ln>
+            <a:tailEnd type="triangle"/>
+          </a:ln>
+        </p:spPr>
+        <p:style>
+          <a:lnRef idx="1">
+            <a:schemeClr val="accent2"/>
+          </a:lnRef>
+          <a:fillRef idx="0">
+            <a:schemeClr val="accent2"/>
+          </a:fillRef>
+          <a:effectRef idx="0">
+            <a:schemeClr val="accent2"/>
+          </a:effectRef>
+          <a:fontRef idx="minor">
+            <a:schemeClr val="tx1"/>
+          </a:fontRef>
+        </p:style>
+      </p:cxnSp>
+      <p:sp>
+        <p:nvSpPr>
+          <p:cNvPr id="11" name="流程图: 终止 10">
+            <a:extLst>
+              <a:ext uri="{FF2B5EF4-FFF2-40B4-BE49-F238E27FC236}">
+                <a16:creationId xmlns:a16="http://schemas.microsoft.com/office/drawing/2014/main" id="{6DFF2CD1-8020-4EFA-A464-01D25E421185}"/>
+              </a:ext>
+            </a:extLst>
+          </p:cNvPr>
+          <p:cNvSpPr/>
+          <p:nvPr/>
+        </p:nvSpPr>
+        <p:spPr>
+          <a:xfrm>
+            <a:off x="6378606" y="5490134"/>
+            <a:ext cx="1757777" cy="797730"/>
+          </a:xfrm>
+          <a:prstGeom prst="flowChartTerminator">
+            <a:avLst/>
+          </a:prstGeom>
+        </p:spPr>
+        <p:style>
+          <a:lnRef idx="1">
+            <a:schemeClr val="accent2"/>
+          </a:lnRef>
+          <a:fillRef idx="2">
+            <a:schemeClr val="accent2"/>
+          </a:fillRef>
+          <a:effectRef idx="1">
+            <a:schemeClr val="accent2"/>
+          </a:effectRef>
+          <a:fontRef idx="minor">
+            <a:schemeClr val="dk1"/>
+          </a:fontRef>
+        </p:style>
+        <p:txBody>
+          <a:bodyPr rtlCol="0" anchor="ctr"/>
+          <a:lstStyle/>
+          <a:p>
+            <a:pPr algn="ctr"/>
+            <a:r>
+              <a:rPr lang="zh-CN" altLang="en-US" sz="1600" dirty="0">
+                <a:latin typeface="思源黑体 Regular" panose="020B0500000000000000" pitchFamily="34" charset="-128"/>
+                <a:ea typeface="思源黑体 Regular" panose="020B0500000000000000" pitchFamily="34" charset="-128"/>
+              </a:rPr>
+              <a:t>一个</a:t>
+            </a:r>
+            <a:r>
+              <a:rPr lang="en-US" altLang="zh-CN" sz="1600" dirty="0">
+                <a:latin typeface="思源黑体 Regular" panose="020B0500000000000000" pitchFamily="34" charset="-128"/>
+                <a:ea typeface="思源黑体 Regular" panose="020B0500000000000000" pitchFamily="34" charset="-128"/>
+              </a:rPr>
+              <a:t>patch</a:t>
+            </a:r>
+            <a:r>
+              <a:rPr lang="zh-CN" altLang="en-US" sz="1600" dirty="0">
+                <a:latin typeface="思源黑体 Regular" panose="020B0500000000000000" pitchFamily="34" charset="-128"/>
+                <a:ea typeface="思源黑体 Regular" panose="020B0500000000000000" pitchFamily="34" charset="-128"/>
+              </a:rPr>
+              <a:t>周期结束</a:t>
+            </a:r>
+          </a:p>
+        </p:txBody>
+      </p:sp>
     </p:spTree>
     <p:extLst>
       <p:ext uri="{BB962C8B-B14F-4D97-AF65-F5344CB8AC3E}">
-        <p14:creationId xmlns:p14="http://schemas.microsoft.com/office/powerpoint/2010/main" val="1938709734"/>
+        <p14:creationId xmlns:p14="http://schemas.microsoft.com/office/powerpoint/2010/main" val="2884048573"/>
       </p:ext>
     </p:extLst>
   </p:cSld>
   <p:clrMapOvr>
     <a:masterClrMapping/>
   </p:clrMapOvr>
+  <mc:AlternateContent xmlns:mc="http://schemas.openxmlformats.org/markup-compatibility/2006" xmlns:p159="http://schemas.microsoft.com/office/powerpoint/2015/09/main">
+    <mc:Choice Requires="p159">
+      <p:transition xmlns:p14="http://schemas.microsoft.com/office/powerpoint/2010/main" spd="slow" p14:dur="2000">
+        <p159:morph option="byObject"/>
+      </p:transition>
+    </mc:Choice>
+    <mc:Fallback xmlns="">
+      <p:transition spd="slow">
+        <p:fade/>
+      </p:transition>
+    </mc:Fallback>
+  </mc:AlternateContent>
 </p:sld>
 </file>
 
 <file path=ppt/tags/tag1.xml><?xml version="1.0" encoding="utf-8"?>
+<p:tagLst xmlns:a="http://schemas.openxmlformats.org/drawingml/2006/main" xmlns:r="http://schemas.openxmlformats.org/officeDocument/2006/relationships" xmlns:p="http://schemas.openxmlformats.org/presentationml/2006/main">
+  <p:tag name="TIMING" val="|3.6|3.9|3.1|1.2|1.6|1.4|1.8"/>
+</p:tagLst>
+</file>
+
+<file path=ppt/tags/tag2.xml><?xml version="1.0" encoding="utf-8"?>
 <p:tagLst xmlns:a="http://schemas.openxmlformats.org/drawingml/2006/main" xmlns:r="http://schemas.openxmlformats.org/officeDocument/2006/relationships" xmlns:p="http://schemas.openxmlformats.org/presentationml/2006/main">
   <p:tag name="TIMING" val="|3.6|3.9|3.1|1.2|1.6|1.4|1.8"/>
 </p:tagLst>
